--- a/lesson-560-spark-sql/slides/spark-sql.pptx
+++ b/lesson-560-spark-sql/slides/spark-sql.pptx
@@ -5,21 +5,22 @@
     <p:sldMasterId id="2147483648" r:id="rId1"/>
   </p:sldMasterIdLst>
   <p:notesMasterIdLst>
-    <p:notesMasterId r:id="rId11"/>
+    <p:notesMasterId r:id="rId12"/>
   </p:notesMasterIdLst>
   <p:handoutMasterIdLst>
-    <p:handoutMasterId r:id="rId12"/>
+    <p:handoutMasterId r:id="rId13"/>
   </p:handoutMasterIdLst>
   <p:sldIdLst>
     <p:sldId id="326" r:id="rId2"/>
     <p:sldId id="327" r:id="rId3"/>
     <p:sldId id="328" r:id="rId4"/>
-    <p:sldId id="329" r:id="rId5"/>
-    <p:sldId id="330" r:id="rId6"/>
-    <p:sldId id="331" r:id="rId7"/>
-    <p:sldId id="334" r:id="rId8"/>
-    <p:sldId id="332" r:id="rId9"/>
-    <p:sldId id="333" r:id="rId10"/>
+    <p:sldId id="335" r:id="rId5"/>
+    <p:sldId id="329" r:id="rId6"/>
+    <p:sldId id="330" r:id="rId7"/>
+    <p:sldId id="331" r:id="rId8"/>
+    <p:sldId id="334" r:id="rId9"/>
+    <p:sldId id="332" r:id="rId10"/>
+    <p:sldId id="333" r:id="rId11"/>
   </p:sldIdLst>
   <p:sldSz cx="9144000" cy="6858000" type="screen4x3"/>
   <p:notesSz cx="6858000" cy="9144000"/>
@@ -126,6 +127,7 @@
             <p14:sldId id="326"/>
             <p14:sldId id="327"/>
             <p14:sldId id="328"/>
+            <p14:sldId id="335"/>
             <p14:sldId id="329"/>
             <p14:sldId id="330"/>
             <p14:sldId id="331"/>
@@ -135,6 +137,30 @@
           </p14:sldIdLst>
         </p14:section>
       </p14:sectionLst>
+    </p:ext>
+    <p:ext uri="{EFAFB233-063F-42B5-8137-9DF3F51BA10A}">
+      <p15:sldGuideLst xmlns:p15="http://schemas.microsoft.com/office/powerpoint/2012/main">
+        <p15:guide id="1" orient="horz" pos="3951">
+          <p15:clr>
+            <a:srgbClr val="A4A3A4"/>
+          </p15:clr>
+        </p15:guide>
+        <p15:guide id="2" orient="horz" pos="377">
+          <p15:clr>
+            <a:srgbClr val="A4A3A4"/>
+          </p15:clr>
+        </p15:guide>
+        <p15:guide id="3" pos="5471">
+          <p15:clr>
+            <a:srgbClr val="A4A3A4"/>
+          </p15:clr>
+        </p15:guide>
+        <p15:guide id="4" pos="284">
+          <p15:clr>
+            <a:srgbClr val="A4A3A4"/>
+          </p15:clr>
+        </p15:guide>
+      </p15:sldGuideLst>
     </p:ext>
   </p:extLst>
 </p:presentation>
@@ -223,7 +249,7 @@
             <a:fld id="{7E6858BF-E995-6B4A-A066-18CA04BBA799}" type="datetimeFigureOut">
               <a:rPr lang="en-US" smtClean="0"/>
               <a:pPr/>
-              <a:t>1/11/16</a:t>
+              <a:t>5/9/18</a:t>
             </a:fld>
             <a:endParaRPr lang="en-US"/>
           </a:p>
@@ -391,7 +417,7 @@
             <a:fld id="{D88695E9-1DC5-9344-A1C3-9069609C108C}" type="datetimeFigureOut">
               <a:rPr lang="en-US" smtClean="0"/>
               <a:pPr/>
-              <a:t>1/11/16</a:t>
+              <a:t>5/9/18</a:t>
             </a:fld>
             <a:endParaRPr lang="en-US"/>
           </a:p>
@@ -455,38 +481,37 @@
           <a:p>
             <a:pPr lvl="0"/>
             <a:r>
-              <a:rPr lang="en-US" smtClean="0"/>
+              <a:rPr lang="en-US"/>
               <a:t>Click to edit Master text styles</a:t>
             </a:r>
           </a:p>
           <a:p>
             <a:pPr lvl="1"/>
             <a:r>
-              <a:rPr lang="en-US" smtClean="0"/>
+              <a:rPr lang="en-US"/>
               <a:t>Second level</a:t>
             </a:r>
           </a:p>
           <a:p>
             <a:pPr lvl="2"/>
             <a:r>
-              <a:rPr lang="en-US" smtClean="0"/>
+              <a:rPr lang="en-US"/>
               <a:t>Third level</a:t>
             </a:r>
           </a:p>
           <a:p>
             <a:pPr lvl="3"/>
             <a:r>
-              <a:rPr lang="en-US" smtClean="0"/>
+              <a:rPr lang="en-US"/>
               <a:t>Fourth level</a:t>
             </a:r>
           </a:p>
           <a:p>
             <a:pPr lvl="4"/>
             <a:r>
-              <a:rPr lang="en-US" smtClean="0"/>
+              <a:rPr lang="en-US"/>
               <a:t>Fifth level</a:t>
             </a:r>
-            <a:endParaRPr lang="en-US"/>
           </a:p>
         </p:txBody>
       </p:sp>
@@ -890,7 +915,7 @@
           <a:lstStyle/>
           <a:p>
             <a:pPr algn="ctr"/>
-            <a:endParaRPr lang="en-US" dirty="0" err="1" smtClean="0">
+            <a:endParaRPr lang="en-US" dirty="0" err="1">
               <a:latin typeface="Arial"/>
               <a:cs typeface="Arial"/>
             </a:endParaRPr>
@@ -967,21 +992,21 @@
           <a:p>
             <a:pPr lvl="0"/>
             <a:r>
-              <a:rPr lang="en-US" dirty="0" smtClean="0"/>
+              <a:rPr lang="en-US" dirty="0"/>
               <a:t>Click to edit Master text styles</a:t>
             </a:r>
           </a:p>
           <a:p>
             <a:pPr lvl="1"/>
             <a:r>
-              <a:rPr lang="en-US" dirty="0" smtClean="0"/>
+              <a:rPr lang="en-US" dirty="0"/>
               <a:t>Second level</a:t>
             </a:r>
           </a:p>
           <a:p>
             <a:pPr lvl="2"/>
             <a:r>
-              <a:rPr lang="en-US" dirty="0" smtClean="0"/>
+              <a:rPr lang="en-US" dirty="0"/>
               <a:t>Third level</a:t>
             </a:r>
           </a:p>
@@ -1022,14 +1047,14 @@
           </a:ln>
           <a:extLst>
             <a:ext uri="{909E8E84-426E-40dd-AFC4-6F175D3DCCD1}">
-              <a14:hiddenFill xmlns:a14="http://schemas.microsoft.com/office/drawing/2010/main">
+              <a14:hiddenFill xmlns:a14="http://schemas.microsoft.com/office/drawing/2010/main" xmlns="">
                 <a:solidFill>
                   <a:srgbClr val="FFFFFF"/>
                 </a:solidFill>
               </a14:hiddenFill>
             </a:ext>
             <a:ext uri="{91240B29-F687-4f45-9708-019B960494DF}">
-              <a14:hiddenLine xmlns:a14="http://schemas.microsoft.com/office/drawing/2010/main" w="9525">
+              <a14:hiddenLine xmlns:a14="http://schemas.microsoft.com/office/drawing/2010/main" xmlns="" w="9525">
                 <a:solidFill>
                   <a:srgbClr val="000000"/>
                 </a:solidFill>
@@ -1118,14 +1143,14 @@
           <a:effectLst/>
           <a:extLst>
             <a:ext uri="{909E8E84-426E-40dd-AFC4-6F175D3DCCD1}">
-              <a14:hiddenFill xmlns:a14="http://schemas.microsoft.com/office/drawing/2010/main">
+              <a14:hiddenFill xmlns:a14="http://schemas.microsoft.com/office/drawing/2010/main" xmlns="">
                 <a:solidFill>
                   <a:srgbClr val="FFFFFF"/>
                 </a:solidFill>
               </a14:hiddenFill>
             </a:ext>
             <a:ext uri="{91240B29-F687-4f45-9708-019B960494DF}">
-              <a14:hiddenLine xmlns:a14="http://schemas.microsoft.com/office/drawing/2010/main" w="12700">
+              <a14:hiddenLine xmlns:a14="http://schemas.microsoft.com/office/drawing/2010/main" xmlns="" w="12700">
                 <a:solidFill>
                   <a:srgbClr val="000000"/>
                 </a:solidFill>
@@ -1135,7 +1160,7 @@
               </a14:hiddenLine>
             </a:ext>
             <a:ext uri="{AF507438-7753-43e0-B8FC-AC1667EBCBE1}">
-              <a14:hiddenEffects xmlns:a14="http://schemas.microsoft.com/office/drawing/2010/main">
+              <a14:hiddenEffects xmlns:a14="http://schemas.microsoft.com/office/drawing/2010/main" xmlns="">
                 <a:effectLst>
                   <a:outerShdw blurRad="63500" dist="38099" dir="2700000" algn="ctr" rotWithShape="0">
                     <a:srgbClr val="000000">
@@ -1169,7 +1194,7 @@
               <a:defRPr/>
             </a:pPr>
             <a:r>
-              <a:rPr lang="en-US" sz="700" b="0" i="0" kern="1200" dirty="0" smtClean="0">
+              <a:rPr lang="en-US" sz="700" b="0" i="0" kern="1200" dirty="0">
                 <a:solidFill>
                   <a:srgbClr val="A7A8A9"/>
                 </a:solidFill>
@@ -1180,7 +1205,7 @@
               </a:rPr>
               <a:t>© 2016 PayPal Inc. All rights reserved. Confidential and proprietary.</a:t>
             </a:r>
-            <a:endParaRPr lang="en-US" sz="700" b="0" i="0" kern="1200" dirty="0" smtClean="0">
+            <a:endParaRPr lang="en-US" sz="700" b="0" i="0" kern="1200" dirty="0">
               <a:solidFill>
                 <a:srgbClr val="A7A8A9"/>
               </a:solidFill>
@@ -1197,7 +1222,7 @@
               <a:defRPr/>
             </a:pPr>
             <a:r>
-              <a:rPr lang="en-US" sz="700" b="0" i="0" kern="1200" dirty="0" smtClean="0">
+              <a:rPr lang="en-US" sz="700" b="0" i="0" kern="1200" dirty="0">
                 <a:solidFill>
                   <a:srgbClr val="A7A8A9"/>
                 </a:solidFill>
@@ -1332,7 +1357,7 @@
                 </a:lnSpc>
               </a:pPr>
               <a:r>
-                <a:rPr lang="en-US" sz="1100" dirty="0" smtClean="0">
+                <a:rPr lang="en-US" sz="1100" dirty="0">
                   <a:solidFill>
                     <a:schemeClr val="accent1"/>
                   </a:solidFill>
@@ -1341,13 +1366,6 @@
                 </a:rPr>
                 <a:t>Global Technology Education</a:t>
               </a:r>
-              <a:endParaRPr lang="en-US" sz="1100" dirty="0">
-                <a:solidFill>
-                  <a:schemeClr val="accent1"/>
-                </a:solidFill>
-                <a:latin typeface="Arial"/>
-                <a:cs typeface="Arial"/>
-              </a:endParaRPr>
             </a:p>
           </p:txBody>
         </p:sp>
@@ -1362,13 +1380,6 @@
   <p:clrMapOvr>
     <a:masterClrMapping/>
   </p:clrMapOvr>
-  <p:timing>
-    <p:tnLst>
-      <p:par>
-        <p:cTn xmlns:p14="http://schemas.microsoft.com/office/powerpoint/2010/main" id="1" dur="indefinite" restart="never" nodeType="tmRoot"/>
-      </p:par>
-    </p:tnLst>
-  </p:timing>
 </p:sldLayout>
 </file>
 
@@ -1459,21 +1470,21 @@
           <a:p>
             <a:pPr lvl="0"/>
             <a:r>
-              <a:rPr lang="en-US" dirty="0" smtClean="0"/>
+              <a:rPr lang="en-US" dirty="0"/>
               <a:t>Click to edit Master text styles</a:t>
             </a:r>
           </a:p>
           <a:p>
             <a:pPr lvl="1"/>
             <a:r>
-              <a:rPr lang="en-US" dirty="0" smtClean="0"/>
+              <a:rPr lang="en-US" dirty="0"/>
               <a:t>Second level</a:t>
             </a:r>
           </a:p>
           <a:p>
             <a:pPr lvl="2"/>
             <a:r>
-              <a:rPr lang="en-US" dirty="0" smtClean="0"/>
+              <a:rPr lang="en-US" dirty="0"/>
               <a:t>Third level</a:t>
             </a:r>
           </a:p>
@@ -1556,14 +1567,14 @@
           <a:effectLst/>
           <a:extLst>
             <a:ext uri="{909E8E84-426E-40dd-AFC4-6F175D3DCCD1}">
-              <a14:hiddenFill xmlns:a14="http://schemas.microsoft.com/office/drawing/2010/main">
+              <a14:hiddenFill xmlns:a14="http://schemas.microsoft.com/office/drawing/2010/main" xmlns="">
                 <a:solidFill>
                   <a:srgbClr val="FFFFFF"/>
                 </a:solidFill>
               </a14:hiddenFill>
             </a:ext>
             <a:ext uri="{91240B29-F687-4f45-9708-019B960494DF}">
-              <a14:hiddenLine xmlns:a14="http://schemas.microsoft.com/office/drawing/2010/main" w="12700">
+              <a14:hiddenLine xmlns:a14="http://schemas.microsoft.com/office/drawing/2010/main" xmlns="" w="12700">
                 <a:solidFill>
                   <a:srgbClr val="000000"/>
                 </a:solidFill>
@@ -1573,7 +1584,7 @@
               </a14:hiddenLine>
             </a:ext>
             <a:ext uri="{AF507438-7753-43e0-B8FC-AC1667EBCBE1}">
-              <a14:hiddenEffects xmlns:a14="http://schemas.microsoft.com/office/drawing/2010/main">
+              <a14:hiddenEffects xmlns:a14="http://schemas.microsoft.com/office/drawing/2010/main" xmlns="">
                 <a:effectLst>
                   <a:outerShdw blurRad="63500" dist="38099" dir="2700000" algn="ctr" rotWithShape="0">
                     <a:srgbClr val="000000">
@@ -1607,7 +1618,7 @@
               <a:defRPr/>
             </a:pPr>
             <a:r>
-              <a:rPr lang="en-US" sz="700" b="0" i="0" kern="1200" dirty="0" smtClean="0">
+              <a:rPr lang="en-US" sz="700" b="0" i="0" kern="1200" dirty="0">
                 <a:solidFill>
                   <a:srgbClr val="A7A8A9"/>
                 </a:solidFill>
@@ -1618,7 +1629,7 @@
               </a:rPr>
               <a:t>© 2016 PayPal Inc. All rights reserved. Confidential and proprietary.</a:t>
             </a:r>
-            <a:endParaRPr lang="en-US" sz="700" b="0" i="0" kern="1200" dirty="0" smtClean="0">
+            <a:endParaRPr lang="en-US" sz="700" b="0" i="0" kern="1200" dirty="0">
               <a:solidFill>
                 <a:srgbClr val="A7A8A9"/>
               </a:solidFill>
@@ -1635,7 +1646,7 @@
               <a:defRPr/>
             </a:pPr>
             <a:r>
-              <a:rPr lang="en-US" sz="700" b="0" i="0" kern="1200" dirty="0" smtClean="0">
+              <a:rPr lang="en-US" sz="700" b="0" i="0" kern="1200" dirty="0">
                 <a:solidFill>
                   <a:srgbClr val="A7A8A9"/>
                 </a:solidFill>
@@ -1734,14 +1745,14 @@
           </a:ln>
           <a:extLst>
             <a:ext uri="{909E8E84-426E-40dd-AFC4-6F175D3DCCD1}">
-              <a14:hiddenFill xmlns:a14="http://schemas.microsoft.com/office/drawing/2010/main">
+              <a14:hiddenFill xmlns:a14="http://schemas.microsoft.com/office/drawing/2010/main" xmlns="">
                 <a:solidFill>
                   <a:srgbClr val="FFFFFF"/>
                 </a:solidFill>
               </a14:hiddenFill>
             </a:ext>
             <a:ext uri="{91240B29-F687-4f45-9708-019B960494DF}">
-              <a14:hiddenLine xmlns:a14="http://schemas.microsoft.com/office/drawing/2010/main" w="9525">
+              <a14:hiddenLine xmlns:a14="http://schemas.microsoft.com/office/drawing/2010/main" xmlns="" w="9525">
                 <a:solidFill>
                   <a:srgbClr val="000000"/>
                 </a:solidFill>
@@ -1824,7 +1835,7 @@
                 </a:lnSpc>
               </a:pPr>
               <a:r>
-                <a:rPr lang="en-US" sz="1100" dirty="0" smtClean="0">
+                <a:rPr lang="en-US" sz="1100" dirty="0">
                   <a:solidFill>
                     <a:schemeClr val="accent1"/>
                   </a:solidFill>
@@ -1833,13 +1844,6 @@
                 </a:rPr>
                 <a:t>Global Technology Education</a:t>
               </a:r>
-              <a:endParaRPr lang="en-US" sz="1100" dirty="0">
-                <a:solidFill>
-                  <a:schemeClr val="accent1"/>
-                </a:solidFill>
-                <a:latin typeface="Arial"/>
-                <a:cs typeface="Arial"/>
-              </a:endParaRPr>
             </a:p>
           </p:txBody>
         </p:sp>
@@ -1854,13 +1858,6 @@
   <p:clrMapOvr>
     <a:masterClrMapping/>
   </p:clrMapOvr>
-  <p:timing>
-    <p:tnLst>
-      <p:par>
-        <p:cTn xmlns:p14="http://schemas.microsoft.com/office/powerpoint/2010/main" id="1" dur="indefinite" restart="never" nodeType="tmRoot"/>
-      </p:par>
-    </p:tnLst>
-  </p:timing>
 </p:sldLayout>
 </file>
 
@@ -1916,10 +1913,9 @@
           </a:lstStyle>
           <a:p>
             <a:r>
-              <a:rPr lang="en-US" dirty="0" smtClean="0"/>
+              <a:rPr lang="en-US" dirty="0"/>
               <a:t>Click to edit Master title style</a:t>
             </a:r>
-            <a:endParaRPr lang="en-US" dirty="0"/>
           </a:p>
         </p:txBody>
       </p:sp>
@@ -2000,7 +1996,7 @@
           <a:p>
             <a:pPr lvl="0"/>
             <a:r>
-              <a:rPr lang="en-US" dirty="0" smtClean="0"/>
+              <a:rPr lang="en-US" dirty="0"/>
               <a:t>Click to edit Master text styles</a:t>
             </a:r>
           </a:p>
@@ -2083,14 +2079,14 @@
           <a:effectLst/>
           <a:extLst>
             <a:ext uri="{909E8E84-426E-40dd-AFC4-6F175D3DCCD1}">
-              <a14:hiddenFill xmlns:a14="http://schemas.microsoft.com/office/drawing/2010/main">
+              <a14:hiddenFill xmlns:a14="http://schemas.microsoft.com/office/drawing/2010/main" xmlns="">
                 <a:solidFill>
                   <a:srgbClr val="FFFFFF"/>
                 </a:solidFill>
               </a14:hiddenFill>
             </a:ext>
             <a:ext uri="{91240B29-F687-4f45-9708-019B960494DF}">
-              <a14:hiddenLine xmlns:a14="http://schemas.microsoft.com/office/drawing/2010/main" w="12700">
+              <a14:hiddenLine xmlns:a14="http://schemas.microsoft.com/office/drawing/2010/main" xmlns="" w="12700">
                 <a:solidFill>
                   <a:srgbClr val="000000"/>
                 </a:solidFill>
@@ -2100,7 +2096,7 @@
               </a14:hiddenLine>
             </a:ext>
             <a:ext uri="{AF507438-7753-43e0-B8FC-AC1667EBCBE1}">
-              <a14:hiddenEffects xmlns:a14="http://schemas.microsoft.com/office/drawing/2010/main">
+              <a14:hiddenEffects xmlns:a14="http://schemas.microsoft.com/office/drawing/2010/main" xmlns="">
                 <a:effectLst>
                   <a:outerShdw blurRad="63500" dist="38099" dir="2700000" algn="ctr" rotWithShape="0">
                     <a:srgbClr val="000000">
@@ -2134,7 +2130,7 @@
               <a:defRPr/>
             </a:pPr>
             <a:r>
-              <a:rPr lang="en-US" sz="700" b="0" i="0" kern="1200" dirty="0" smtClean="0">
+              <a:rPr lang="en-US" sz="700" b="0" i="0" kern="1200" dirty="0">
                 <a:solidFill>
                   <a:srgbClr val="A7A8A9"/>
                 </a:solidFill>
@@ -2145,7 +2141,7 @@
               </a:rPr>
               <a:t>© 2016 PayPal Inc. All rights reserved. Confidential and proprietary.</a:t>
             </a:r>
-            <a:endParaRPr lang="en-US" sz="700" b="0" i="0" kern="1200" dirty="0" smtClean="0">
+            <a:endParaRPr lang="en-US" sz="700" b="0" i="0" kern="1200" dirty="0">
               <a:solidFill>
                 <a:srgbClr val="A7A8A9"/>
               </a:solidFill>
@@ -2162,7 +2158,7 @@
               <a:defRPr/>
             </a:pPr>
             <a:r>
-              <a:rPr lang="en-US" sz="700" b="0" i="0" kern="1200" dirty="0" smtClean="0">
+              <a:rPr lang="en-US" sz="700" b="0" i="0" kern="1200" dirty="0">
                 <a:solidFill>
                   <a:srgbClr val="A7A8A9"/>
                 </a:solidFill>
@@ -2290,10 +2286,9 @@
           <a:p>
             <a:pPr lvl="0"/>
             <a:r>
-              <a:rPr lang="en-US" dirty="0" smtClean="0"/>
+              <a:rPr lang="en-US" dirty="0"/>
               <a:t>Click to edit Master text styles</a:t>
             </a:r>
-            <a:endParaRPr lang="en-US" dirty="0"/>
           </a:p>
         </p:txBody>
       </p:sp>
@@ -2332,14 +2327,14 @@
           </a:ln>
           <a:extLst>
             <a:ext uri="{909E8E84-426E-40dd-AFC4-6F175D3DCCD1}">
-              <a14:hiddenFill xmlns:a14="http://schemas.microsoft.com/office/drawing/2010/main">
+              <a14:hiddenFill xmlns:a14="http://schemas.microsoft.com/office/drawing/2010/main" xmlns="">
                 <a:solidFill>
                   <a:srgbClr val="FFFFFF"/>
                 </a:solidFill>
               </a14:hiddenFill>
             </a:ext>
             <a:ext uri="{91240B29-F687-4f45-9708-019B960494DF}">
-              <a14:hiddenLine xmlns:a14="http://schemas.microsoft.com/office/drawing/2010/main" w="9525">
+              <a14:hiddenLine xmlns:a14="http://schemas.microsoft.com/office/drawing/2010/main" xmlns="" w="9525">
                 <a:solidFill>
                   <a:srgbClr val="000000"/>
                 </a:solidFill>
@@ -2422,7 +2417,7 @@
                 </a:lnSpc>
               </a:pPr>
               <a:r>
-                <a:rPr lang="en-US" sz="1100" dirty="0" smtClean="0">
+                <a:rPr lang="en-US" sz="1100" dirty="0">
                   <a:solidFill>
                     <a:schemeClr val="accent1"/>
                   </a:solidFill>
@@ -2431,13 +2426,6 @@
                 </a:rPr>
                 <a:t>Global Technology Education</a:t>
               </a:r>
-              <a:endParaRPr lang="en-US" sz="1100" dirty="0">
-                <a:solidFill>
-                  <a:schemeClr val="accent1"/>
-                </a:solidFill>
-                <a:latin typeface="Arial"/>
-                <a:cs typeface="Arial"/>
-              </a:endParaRPr>
             </a:p>
           </p:txBody>
         </p:sp>
@@ -2452,13 +2440,6 @@
   <p:clrMapOvr>
     <a:masterClrMapping/>
   </p:clrMapOvr>
-  <p:timing>
-    <p:tnLst>
-      <p:par>
-        <p:cTn xmlns:p14="http://schemas.microsoft.com/office/powerpoint/2010/main" id="1" dur="indefinite" restart="never" nodeType="tmRoot"/>
-      </p:par>
-    </p:tnLst>
-  </p:timing>
 </p:sldLayout>
 </file>
 
@@ -2514,10 +2495,9 @@
           </a:lstStyle>
           <a:p>
             <a:r>
-              <a:rPr lang="en-US" dirty="0" smtClean="0"/>
+              <a:rPr lang="en-US" dirty="0"/>
               <a:t>Click to edit Master title style</a:t>
             </a:r>
-            <a:endParaRPr lang="en-US" dirty="0"/>
           </a:p>
         </p:txBody>
       </p:sp>
@@ -2598,7 +2578,7 @@
           <a:p>
             <a:pPr lvl="0"/>
             <a:r>
-              <a:rPr lang="en-US" dirty="0" smtClean="0"/>
+              <a:rPr lang="en-US" dirty="0"/>
               <a:t>Click to edit Master text styles</a:t>
             </a:r>
           </a:p>
@@ -2710,14 +2690,14 @@
           <a:effectLst/>
           <a:extLst>
             <a:ext uri="{909E8E84-426E-40dd-AFC4-6F175D3DCCD1}">
-              <a14:hiddenFill xmlns:a14="http://schemas.microsoft.com/office/drawing/2010/main">
+              <a14:hiddenFill xmlns:a14="http://schemas.microsoft.com/office/drawing/2010/main" xmlns="">
                 <a:solidFill>
                   <a:srgbClr val="FFFFFF"/>
                 </a:solidFill>
               </a14:hiddenFill>
             </a:ext>
             <a:ext uri="{91240B29-F687-4f45-9708-019B960494DF}">
-              <a14:hiddenLine xmlns:a14="http://schemas.microsoft.com/office/drawing/2010/main" w="12700">
+              <a14:hiddenLine xmlns:a14="http://schemas.microsoft.com/office/drawing/2010/main" xmlns="" w="12700">
                 <a:solidFill>
                   <a:srgbClr val="000000"/>
                 </a:solidFill>
@@ -2727,7 +2707,7 @@
               </a14:hiddenLine>
             </a:ext>
             <a:ext uri="{AF507438-7753-43e0-B8FC-AC1667EBCBE1}">
-              <a14:hiddenEffects xmlns:a14="http://schemas.microsoft.com/office/drawing/2010/main">
+              <a14:hiddenEffects xmlns:a14="http://schemas.microsoft.com/office/drawing/2010/main" xmlns="">
                 <a:effectLst>
                   <a:outerShdw blurRad="63500" dist="38099" dir="2700000" algn="ctr" rotWithShape="0">
                     <a:srgbClr val="000000">
@@ -2761,7 +2741,7 @@
               <a:defRPr/>
             </a:pPr>
             <a:r>
-              <a:rPr lang="en-US" sz="700" b="0" i="0" kern="1200" dirty="0" smtClean="0">
+              <a:rPr lang="en-US" sz="700" b="0" i="0" kern="1200" dirty="0">
                 <a:solidFill>
                   <a:srgbClr val="A7A8A9"/>
                 </a:solidFill>
@@ -2772,7 +2752,7 @@
               </a:rPr>
               <a:t>© 2016 PayPal Inc. All rights reserved. Confidential and proprietary.</a:t>
             </a:r>
-            <a:endParaRPr lang="en-US" sz="700" b="0" i="0" kern="1200" dirty="0" smtClean="0">
+            <a:endParaRPr lang="en-US" sz="700" b="0" i="0" kern="1200" dirty="0">
               <a:solidFill>
                 <a:srgbClr val="A7A8A9"/>
               </a:solidFill>
@@ -2789,7 +2769,7 @@
               <a:defRPr/>
             </a:pPr>
             <a:r>
-              <a:rPr lang="en-US" sz="700" b="0" i="0" kern="1200" dirty="0" smtClean="0">
+              <a:rPr lang="en-US" sz="700" b="0" i="0" kern="1200" dirty="0">
                 <a:solidFill>
                   <a:srgbClr val="A7A8A9"/>
                 </a:solidFill>
@@ -2917,10 +2897,9 @@
           <a:p>
             <a:pPr lvl="0"/>
             <a:r>
-              <a:rPr lang="en-US" dirty="0" smtClean="0"/>
+              <a:rPr lang="en-US" dirty="0"/>
               <a:t>Click to edit Master text styles</a:t>
             </a:r>
-            <a:endParaRPr lang="en-US" dirty="0"/>
           </a:p>
         </p:txBody>
       </p:sp>
@@ -2959,14 +2938,14 @@
           </a:ln>
           <a:extLst>
             <a:ext uri="{909E8E84-426E-40dd-AFC4-6F175D3DCCD1}">
-              <a14:hiddenFill xmlns:a14="http://schemas.microsoft.com/office/drawing/2010/main">
+              <a14:hiddenFill xmlns:a14="http://schemas.microsoft.com/office/drawing/2010/main" xmlns="">
                 <a:solidFill>
                   <a:srgbClr val="FFFFFF"/>
                 </a:solidFill>
               </a14:hiddenFill>
             </a:ext>
             <a:ext uri="{91240B29-F687-4f45-9708-019B960494DF}">
-              <a14:hiddenLine xmlns:a14="http://schemas.microsoft.com/office/drawing/2010/main" w="9525">
+              <a14:hiddenLine xmlns:a14="http://schemas.microsoft.com/office/drawing/2010/main" xmlns="" w="9525">
                 <a:solidFill>
                   <a:srgbClr val="000000"/>
                 </a:solidFill>
@@ -3049,7 +3028,7 @@
                 </a:lnSpc>
               </a:pPr>
               <a:r>
-                <a:rPr lang="en-US" sz="1100" dirty="0" smtClean="0">
+                <a:rPr lang="en-US" sz="1100" dirty="0">
                   <a:solidFill>
                     <a:schemeClr val="accent1"/>
                   </a:solidFill>
@@ -3058,13 +3037,6 @@
                 </a:rPr>
                 <a:t>Global Technology Education</a:t>
               </a:r>
-              <a:endParaRPr lang="en-US" sz="1100" dirty="0">
-                <a:solidFill>
-                  <a:schemeClr val="accent1"/>
-                </a:solidFill>
-                <a:latin typeface="Arial"/>
-                <a:cs typeface="Arial"/>
-              </a:endParaRPr>
             </a:p>
           </p:txBody>
         </p:sp>
@@ -3079,13 +3051,6 @@
   <p:clrMapOvr>
     <a:masterClrMapping/>
   </p:clrMapOvr>
-  <p:timing>
-    <p:tnLst>
-      <p:par>
-        <p:cTn xmlns:p14="http://schemas.microsoft.com/office/powerpoint/2010/main" id="1" dur="indefinite" restart="never" nodeType="tmRoot"/>
-      </p:par>
-    </p:tnLst>
-  </p:timing>
 </p:sldLayout>
 </file>
 
@@ -3323,10 +3288,9 @@
           </a:lstStyle>
           <a:p>
             <a:r>
-              <a:rPr lang="en-US" dirty="0" smtClean="0"/>
+              <a:rPr lang="en-US" dirty="0"/>
               <a:t>Click to edit Master title style</a:t>
             </a:r>
-            <a:endParaRPr lang="en-US" dirty="0"/>
           </a:p>
         </p:txBody>
       </p:sp>
@@ -3407,7 +3371,7 @@
           <a:p>
             <a:pPr lvl="0"/>
             <a:r>
-              <a:rPr lang="en-US" dirty="0" smtClean="0"/>
+              <a:rPr lang="en-US" dirty="0"/>
               <a:t>Click to edit Master text styles</a:t>
             </a:r>
           </a:p>
@@ -3466,7 +3430,7 @@
           <a:p>
             <a:pPr lvl="0"/>
             <a:r>
-              <a:rPr lang="en-US" dirty="0" smtClean="0"/>
+              <a:rPr lang="en-US" dirty="0"/>
               <a:t>Click</a:t>
             </a:r>
           </a:p>
@@ -3525,7 +3489,7 @@
           <a:p>
             <a:pPr lvl="0"/>
             <a:r>
-              <a:rPr lang="en-US" dirty="0" smtClean="0"/>
+              <a:rPr lang="en-US" dirty="0"/>
               <a:t>Click</a:t>
             </a:r>
           </a:p>
@@ -3608,7 +3572,7 @@
           <a:p>
             <a:pPr lvl="0"/>
             <a:r>
-              <a:rPr lang="en-US" dirty="0" smtClean="0"/>
+              <a:rPr lang="en-US" dirty="0"/>
               <a:t>Click to edit Master text styles</a:t>
             </a:r>
           </a:p>
@@ -3691,7 +3655,7 @@
           <a:p>
             <a:pPr lvl="0"/>
             <a:r>
-              <a:rPr lang="en-US" dirty="0" smtClean="0"/>
+              <a:rPr lang="en-US" dirty="0"/>
               <a:t>Click to edit Master text styles</a:t>
             </a:r>
           </a:p>
@@ -3774,14 +3738,14 @@
           <a:effectLst/>
           <a:extLst>
             <a:ext uri="{909E8E84-426E-40dd-AFC4-6F175D3DCCD1}">
-              <a14:hiddenFill xmlns:a14="http://schemas.microsoft.com/office/drawing/2010/main">
+              <a14:hiddenFill xmlns:a14="http://schemas.microsoft.com/office/drawing/2010/main" xmlns="">
                 <a:solidFill>
                   <a:srgbClr val="FFFFFF"/>
                 </a:solidFill>
               </a14:hiddenFill>
             </a:ext>
             <a:ext uri="{91240B29-F687-4f45-9708-019B960494DF}">
-              <a14:hiddenLine xmlns:a14="http://schemas.microsoft.com/office/drawing/2010/main" w="12700">
+              <a14:hiddenLine xmlns:a14="http://schemas.microsoft.com/office/drawing/2010/main" xmlns="" w="12700">
                 <a:solidFill>
                   <a:srgbClr val="000000"/>
                 </a:solidFill>
@@ -3791,7 +3755,7 @@
               </a14:hiddenLine>
             </a:ext>
             <a:ext uri="{AF507438-7753-43e0-B8FC-AC1667EBCBE1}">
-              <a14:hiddenEffects xmlns:a14="http://schemas.microsoft.com/office/drawing/2010/main">
+              <a14:hiddenEffects xmlns:a14="http://schemas.microsoft.com/office/drawing/2010/main" xmlns="">
                 <a:effectLst>
                   <a:outerShdw blurRad="63500" dist="38099" dir="2700000" algn="ctr" rotWithShape="0">
                     <a:srgbClr val="000000">
@@ -3825,7 +3789,7 @@
               <a:defRPr/>
             </a:pPr>
             <a:r>
-              <a:rPr lang="en-US" sz="700" b="0" i="0" kern="1200" dirty="0" smtClean="0">
+              <a:rPr lang="en-US" sz="700" b="0" i="0" kern="1200" dirty="0">
                 <a:solidFill>
                   <a:srgbClr val="A7A8A9"/>
                 </a:solidFill>
@@ -3836,7 +3800,7 @@
               </a:rPr>
               <a:t>© 2016 PayPal Inc. All rights reserved. Confidential and proprietary.</a:t>
             </a:r>
-            <a:endParaRPr lang="en-US" sz="700" b="0" i="0" kern="1200" dirty="0" smtClean="0">
+            <a:endParaRPr lang="en-US" sz="700" b="0" i="0" kern="1200" dirty="0">
               <a:solidFill>
                 <a:srgbClr val="A7A8A9"/>
               </a:solidFill>
@@ -3853,7 +3817,7 @@
               <a:defRPr/>
             </a:pPr>
             <a:r>
-              <a:rPr lang="en-US" sz="700" b="0" i="0" kern="1200" dirty="0" smtClean="0">
+              <a:rPr lang="en-US" sz="700" b="0" i="0" kern="1200" dirty="0">
                 <a:solidFill>
                   <a:srgbClr val="A7A8A9"/>
                 </a:solidFill>
@@ -3952,14 +3916,14 @@
           </a:ln>
           <a:extLst>
             <a:ext uri="{909E8E84-426E-40dd-AFC4-6F175D3DCCD1}">
-              <a14:hiddenFill xmlns:a14="http://schemas.microsoft.com/office/drawing/2010/main">
+              <a14:hiddenFill xmlns:a14="http://schemas.microsoft.com/office/drawing/2010/main" xmlns="">
                 <a:solidFill>
                   <a:srgbClr val="FFFFFF"/>
                 </a:solidFill>
               </a14:hiddenFill>
             </a:ext>
             <a:ext uri="{91240B29-F687-4f45-9708-019B960494DF}">
-              <a14:hiddenLine xmlns:a14="http://schemas.microsoft.com/office/drawing/2010/main" w="9525">
+              <a14:hiddenLine xmlns:a14="http://schemas.microsoft.com/office/drawing/2010/main" xmlns="" w="9525">
                 <a:solidFill>
                   <a:srgbClr val="000000"/>
                 </a:solidFill>
@@ -4042,7 +4006,7 @@
                 </a:lnSpc>
               </a:pPr>
               <a:r>
-                <a:rPr lang="en-US" sz="1100" dirty="0" smtClean="0">
+                <a:rPr lang="en-US" sz="1100" dirty="0">
                   <a:solidFill>
                     <a:schemeClr val="accent1"/>
                   </a:solidFill>
@@ -4051,13 +4015,6 @@
                 </a:rPr>
                 <a:t>Global Technology Education</a:t>
               </a:r>
-              <a:endParaRPr lang="en-US" sz="1100" dirty="0">
-                <a:solidFill>
-                  <a:schemeClr val="accent1"/>
-                </a:solidFill>
-                <a:latin typeface="Arial"/>
-                <a:cs typeface="Arial"/>
-              </a:endParaRPr>
             </a:p>
           </p:txBody>
         </p:sp>
@@ -4127,10 +4084,9 @@
           </a:lstStyle>
           <a:p>
             <a:r>
-              <a:rPr lang="en-US" dirty="0" smtClean="0"/>
+              <a:rPr lang="en-US" dirty="0"/>
               <a:t>Click to edit Master title style</a:t>
             </a:r>
-            <a:endParaRPr lang="en-US" dirty="0"/>
           </a:p>
         </p:txBody>
       </p:sp>
@@ -4211,7 +4167,7 @@
           <a:p>
             <a:pPr lvl="0"/>
             <a:r>
-              <a:rPr lang="en-US" dirty="0" smtClean="0"/>
+              <a:rPr lang="en-US" dirty="0"/>
               <a:t>Click to edit Master text styles</a:t>
             </a:r>
           </a:p>
@@ -4294,14 +4250,14 @@
           <a:effectLst/>
           <a:extLst>
             <a:ext uri="{909E8E84-426E-40dd-AFC4-6F175D3DCCD1}">
-              <a14:hiddenFill xmlns:a14="http://schemas.microsoft.com/office/drawing/2010/main">
+              <a14:hiddenFill xmlns:a14="http://schemas.microsoft.com/office/drawing/2010/main" xmlns="">
                 <a:solidFill>
                   <a:srgbClr val="FFFFFF"/>
                 </a:solidFill>
               </a14:hiddenFill>
             </a:ext>
             <a:ext uri="{91240B29-F687-4f45-9708-019B960494DF}">
-              <a14:hiddenLine xmlns:a14="http://schemas.microsoft.com/office/drawing/2010/main" w="12700">
+              <a14:hiddenLine xmlns:a14="http://schemas.microsoft.com/office/drawing/2010/main" xmlns="" w="12700">
                 <a:solidFill>
                   <a:srgbClr val="000000"/>
                 </a:solidFill>
@@ -4311,7 +4267,7 @@
               </a14:hiddenLine>
             </a:ext>
             <a:ext uri="{AF507438-7753-43e0-B8FC-AC1667EBCBE1}">
-              <a14:hiddenEffects xmlns:a14="http://schemas.microsoft.com/office/drawing/2010/main">
+              <a14:hiddenEffects xmlns:a14="http://schemas.microsoft.com/office/drawing/2010/main" xmlns="">
                 <a:effectLst>
                   <a:outerShdw blurRad="63500" dist="38099" dir="2700000" algn="ctr" rotWithShape="0">
                     <a:srgbClr val="000000">
@@ -4345,7 +4301,7 @@
               <a:defRPr/>
             </a:pPr>
             <a:r>
-              <a:rPr lang="en-US" sz="700" b="0" i="0" kern="1200" dirty="0" smtClean="0">
+              <a:rPr lang="en-US" sz="700" b="0" i="0" kern="1200" dirty="0">
                 <a:solidFill>
                   <a:srgbClr val="A7A8A9"/>
                 </a:solidFill>
@@ -4356,7 +4312,7 @@
               </a:rPr>
               <a:t>© 2016 PayPal Inc. All rights reserved. Confidential and proprietary.</a:t>
             </a:r>
-            <a:endParaRPr lang="en-US" sz="700" b="0" i="0" kern="1200" dirty="0" smtClean="0">
+            <a:endParaRPr lang="en-US" sz="700" b="0" i="0" kern="1200" dirty="0">
               <a:solidFill>
                 <a:srgbClr val="A7A8A9"/>
               </a:solidFill>
@@ -4373,7 +4329,7 @@
               <a:defRPr/>
             </a:pPr>
             <a:r>
-              <a:rPr lang="en-US" sz="700" b="0" i="0" kern="1200" dirty="0" smtClean="0">
+              <a:rPr lang="en-US" sz="700" b="0" i="0" kern="1200" dirty="0">
                 <a:solidFill>
                   <a:srgbClr val="A7A8A9"/>
                 </a:solidFill>
@@ -4501,10 +4457,9 @@
           <a:p>
             <a:pPr lvl="0"/>
             <a:r>
-              <a:rPr lang="en-US" dirty="0" smtClean="0"/>
+              <a:rPr lang="en-US" dirty="0"/>
               <a:t>Click to edit Master text styles</a:t>
             </a:r>
-            <a:endParaRPr lang="en-US" dirty="0"/>
           </a:p>
         </p:txBody>
       </p:sp>
@@ -4543,14 +4498,14 @@
           </a:ln>
           <a:extLst>
             <a:ext uri="{909E8E84-426E-40dd-AFC4-6F175D3DCCD1}">
-              <a14:hiddenFill xmlns:a14="http://schemas.microsoft.com/office/drawing/2010/main">
+              <a14:hiddenFill xmlns:a14="http://schemas.microsoft.com/office/drawing/2010/main" xmlns="">
                 <a:solidFill>
                   <a:srgbClr val="FFFFFF"/>
                 </a:solidFill>
               </a14:hiddenFill>
             </a:ext>
             <a:ext uri="{91240B29-F687-4f45-9708-019B960494DF}">
-              <a14:hiddenLine xmlns:a14="http://schemas.microsoft.com/office/drawing/2010/main" w="9525">
+              <a14:hiddenLine xmlns:a14="http://schemas.microsoft.com/office/drawing/2010/main" xmlns="" w="9525">
                 <a:solidFill>
                   <a:srgbClr val="000000"/>
                 </a:solidFill>
@@ -4633,7 +4588,7 @@
                 </a:lnSpc>
               </a:pPr>
               <a:r>
-                <a:rPr lang="en-US" sz="1100" dirty="0" smtClean="0">
+                <a:rPr lang="en-US" sz="1100" dirty="0">
                   <a:solidFill>
                     <a:schemeClr val="accent1"/>
                   </a:solidFill>
@@ -4642,13 +4597,6 @@
                 </a:rPr>
                 <a:t>Global Technology Education</a:t>
               </a:r>
-              <a:endParaRPr lang="en-US" sz="1100" dirty="0">
-                <a:solidFill>
-                  <a:schemeClr val="accent1"/>
-                </a:solidFill>
-                <a:latin typeface="Arial"/>
-                <a:cs typeface="Arial"/>
-              </a:endParaRPr>
             </a:p>
           </p:txBody>
         </p:sp>
@@ -4663,13 +4611,6 @@
   <p:clrMapOvr>
     <a:masterClrMapping/>
   </p:clrMapOvr>
-  <p:timing>
-    <p:tnLst>
-      <p:par>
-        <p:cTn xmlns:p14="http://schemas.microsoft.com/office/powerpoint/2010/main" id="1" dur="indefinite" restart="never" nodeType="tmRoot"/>
-      </p:par>
-    </p:tnLst>
-  </p:timing>
 </p:sldLayout>
 </file>
 
@@ -4725,10 +4666,9 @@
           </a:lstStyle>
           <a:p>
             <a:r>
-              <a:rPr lang="en-US" dirty="0" smtClean="0"/>
+              <a:rPr lang="en-US" dirty="0"/>
               <a:t>Click to edit Master title style</a:t>
             </a:r>
-            <a:endParaRPr lang="en-US" dirty="0"/>
           </a:p>
         </p:txBody>
       </p:sp>
@@ -4809,7 +4749,7 @@
           <a:p>
             <a:pPr lvl="0"/>
             <a:r>
-              <a:rPr lang="en-US" dirty="0" smtClean="0"/>
+              <a:rPr lang="en-US" dirty="0"/>
               <a:t>Click to edit Master text styles</a:t>
             </a:r>
           </a:p>
@@ -4892,14 +4832,14 @@
           <a:effectLst/>
           <a:extLst>
             <a:ext uri="{909E8E84-426E-40dd-AFC4-6F175D3DCCD1}">
-              <a14:hiddenFill xmlns:a14="http://schemas.microsoft.com/office/drawing/2010/main">
+              <a14:hiddenFill xmlns:a14="http://schemas.microsoft.com/office/drawing/2010/main" xmlns="">
                 <a:solidFill>
                   <a:srgbClr val="FFFFFF"/>
                 </a:solidFill>
               </a14:hiddenFill>
             </a:ext>
             <a:ext uri="{91240B29-F687-4f45-9708-019B960494DF}">
-              <a14:hiddenLine xmlns:a14="http://schemas.microsoft.com/office/drawing/2010/main" w="12700">
+              <a14:hiddenLine xmlns:a14="http://schemas.microsoft.com/office/drawing/2010/main" xmlns="" w="12700">
                 <a:solidFill>
                   <a:srgbClr val="000000"/>
                 </a:solidFill>
@@ -4909,7 +4849,7 @@
               </a14:hiddenLine>
             </a:ext>
             <a:ext uri="{AF507438-7753-43e0-B8FC-AC1667EBCBE1}">
-              <a14:hiddenEffects xmlns:a14="http://schemas.microsoft.com/office/drawing/2010/main">
+              <a14:hiddenEffects xmlns:a14="http://schemas.microsoft.com/office/drawing/2010/main" xmlns="">
                 <a:effectLst>
                   <a:outerShdw blurRad="63500" dist="38099" dir="2700000" algn="ctr" rotWithShape="0">
                     <a:srgbClr val="000000">
@@ -4943,7 +4883,7 @@
               <a:defRPr/>
             </a:pPr>
             <a:r>
-              <a:rPr lang="en-US" sz="700" b="0" i="0" kern="1200" dirty="0" smtClean="0">
+              <a:rPr lang="en-US" sz="700" b="0" i="0" kern="1200" dirty="0">
                 <a:solidFill>
                   <a:srgbClr val="A7A8A9"/>
                 </a:solidFill>
@@ -4954,7 +4894,7 @@
               </a:rPr>
               <a:t>© 2016 PayPal Inc. All rights reserved. Confidential and proprietary.</a:t>
             </a:r>
-            <a:endParaRPr lang="en-US" sz="700" b="0" i="0" kern="1200" dirty="0" smtClean="0">
+            <a:endParaRPr lang="en-US" sz="700" b="0" i="0" kern="1200" dirty="0">
               <a:solidFill>
                 <a:srgbClr val="A7A8A9"/>
               </a:solidFill>
@@ -4971,7 +4911,7 @@
               <a:defRPr/>
             </a:pPr>
             <a:r>
-              <a:rPr lang="en-US" sz="700" b="0" i="0" kern="1200" dirty="0" smtClean="0">
+              <a:rPr lang="en-US" sz="700" b="0" i="0" kern="1200" dirty="0">
                 <a:solidFill>
                   <a:srgbClr val="A7A8A9"/>
                 </a:solidFill>
@@ -5099,10 +5039,9 @@
           <a:p>
             <a:pPr lvl="0"/>
             <a:r>
-              <a:rPr lang="en-US" dirty="0" smtClean="0"/>
+              <a:rPr lang="en-US" dirty="0"/>
               <a:t>Click to edit Master text styles</a:t>
             </a:r>
-            <a:endParaRPr lang="en-US" dirty="0"/>
           </a:p>
         </p:txBody>
       </p:sp>
@@ -5170,10 +5109,9 @@
           <a:p>
             <a:pPr lvl="0"/>
             <a:r>
-              <a:rPr lang="en-US" dirty="0" smtClean="0"/>
+              <a:rPr lang="en-US" dirty="0"/>
               <a:t>Click to edit Master text styles</a:t>
             </a:r>
-            <a:endParaRPr lang="en-US" dirty="0"/>
           </a:p>
         </p:txBody>
       </p:sp>
@@ -5241,10 +5179,9 @@
           <a:p>
             <a:pPr lvl="0"/>
             <a:r>
-              <a:rPr lang="en-US" dirty="0" smtClean="0"/>
+              <a:rPr lang="en-US" dirty="0"/>
               <a:t>Click to edit Master text styles</a:t>
             </a:r>
-            <a:endParaRPr lang="en-US" dirty="0"/>
           </a:p>
         </p:txBody>
       </p:sp>
@@ -5312,10 +5249,9 @@
           <a:p>
             <a:pPr lvl="0"/>
             <a:r>
-              <a:rPr lang="en-US" dirty="0" smtClean="0"/>
+              <a:rPr lang="en-US" dirty="0"/>
               <a:t>Click to edit Master text styles</a:t>
             </a:r>
-            <a:endParaRPr lang="en-US" dirty="0"/>
           </a:p>
         </p:txBody>
       </p:sp>
@@ -5354,14 +5290,14 @@
           </a:ln>
           <a:extLst>
             <a:ext uri="{909E8E84-426E-40dd-AFC4-6F175D3DCCD1}">
-              <a14:hiddenFill xmlns:a14="http://schemas.microsoft.com/office/drawing/2010/main">
+              <a14:hiddenFill xmlns:a14="http://schemas.microsoft.com/office/drawing/2010/main" xmlns="">
                 <a:solidFill>
                   <a:srgbClr val="FFFFFF"/>
                 </a:solidFill>
               </a14:hiddenFill>
             </a:ext>
             <a:ext uri="{91240B29-F687-4f45-9708-019B960494DF}">
-              <a14:hiddenLine xmlns:a14="http://schemas.microsoft.com/office/drawing/2010/main" w="9525">
+              <a14:hiddenLine xmlns:a14="http://schemas.microsoft.com/office/drawing/2010/main" xmlns="" w="9525">
                 <a:solidFill>
                   <a:srgbClr val="000000"/>
                 </a:solidFill>
@@ -5444,7 +5380,7 @@
                 </a:lnSpc>
               </a:pPr>
               <a:r>
-                <a:rPr lang="en-US" sz="1100" dirty="0" smtClean="0">
+                <a:rPr lang="en-US" sz="1100" dirty="0">
                   <a:solidFill>
                     <a:schemeClr val="accent1"/>
                   </a:solidFill>
@@ -5453,13 +5389,6 @@
                 </a:rPr>
                 <a:t>Global Technology Education</a:t>
               </a:r>
-              <a:endParaRPr lang="en-US" sz="1100" dirty="0">
-                <a:solidFill>
-                  <a:schemeClr val="accent1"/>
-                </a:solidFill>
-                <a:latin typeface="Arial"/>
-                <a:cs typeface="Arial"/>
-              </a:endParaRPr>
             </a:p>
           </p:txBody>
         </p:sp>
@@ -5474,13 +5403,6 @@
   <p:clrMapOvr>
     <a:masterClrMapping/>
   </p:clrMapOvr>
-  <p:timing>
-    <p:tnLst>
-      <p:par>
-        <p:cTn xmlns:p14="http://schemas.microsoft.com/office/powerpoint/2010/main" id="1" dur="indefinite" restart="never" nodeType="tmRoot"/>
-      </p:par>
-    </p:tnLst>
-  </p:timing>
 </p:sldLayout>
 </file>
 
@@ -5536,10 +5458,9 @@
           </a:lstStyle>
           <a:p>
             <a:r>
-              <a:rPr lang="en-US" dirty="0" smtClean="0"/>
+              <a:rPr lang="en-US" dirty="0"/>
               <a:t>Click to edit Master title style</a:t>
             </a:r>
-            <a:endParaRPr lang="en-US" dirty="0"/>
           </a:p>
         </p:txBody>
       </p:sp>
@@ -5620,7 +5541,7 @@
           <a:p>
             <a:pPr lvl="0"/>
             <a:r>
-              <a:rPr lang="en-US" dirty="0" smtClean="0"/>
+              <a:rPr lang="en-US" dirty="0"/>
               <a:t>Click to edit Master text styles</a:t>
             </a:r>
           </a:p>
@@ -5703,14 +5624,14 @@
           <a:effectLst/>
           <a:extLst>
             <a:ext uri="{909E8E84-426E-40dd-AFC4-6F175D3DCCD1}">
-              <a14:hiddenFill xmlns:a14="http://schemas.microsoft.com/office/drawing/2010/main">
+              <a14:hiddenFill xmlns:a14="http://schemas.microsoft.com/office/drawing/2010/main" xmlns="">
                 <a:solidFill>
                   <a:srgbClr val="FFFFFF"/>
                 </a:solidFill>
               </a14:hiddenFill>
             </a:ext>
             <a:ext uri="{91240B29-F687-4f45-9708-019B960494DF}">
-              <a14:hiddenLine xmlns:a14="http://schemas.microsoft.com/office/drawing/2010/main" w="12700">
+              <a14:hiddenLine xmlns:a14="http://schemas.microsoft.com/office/drawing/2010/main" xmlns="" w="12700">
                 <a:solidFill>
                   <a:srgbClr val="000000"/>
                 </a:solidFill>
@@ -5720,7 +5641,7 @@
               </a14:hiddenLine>
             </a:ext>
             <a:ext uri="{AF507438-7753-43e0-B8FC-AC1667EBCBE1}">
-              <a14:hiddenEffects xmlns:a14="http://schemas.microsoft.com/office/drawing/2010/main">
+              <a14:hiddenEffects xmlns:a14="http://schemas.microsoft.com/office/drawing/2010/main" xmlns="">
                 <a:effectLst>
                   <a:outerShdw blurRad="63500" dist="38099" dir="2700000" algn="ctr" rotWithShape="0">
                     <a:srgbClr val="000000">
@@ -5754,7 +5675,7 @@
               <a:defRPr/>
             </a:pPr>
             <a:r>
-              <a:rPr lang="en-US" sz="700" b="0" i="0" kern="1200" dirty="0" smtClean="0">
+              <a:rPr lang="en-US" sz="700" b="0" i="0" kern="1200" dirty="0">
                 <a:solidFill>
                   <a:srgbClr val="A7A8A9"/>
                 </a:solidFill>
@@ -5765,7 +5686,7 @@
               </a:rPr>
               <a:t>© 2016 PayPal Inc. All rights reserved. Confidential and proprietary.</a:t>
             </a:r>
-            <a:endParaRPr lang="en-US" sz="700" b="0" i="0" kern="1200" dirty="0" smtClean="0">
+            <a:endParaRPr lang="en-US" sz="700" b="0" i="0" kern="1200" dirty="0">
               <a:solidFill>
                 <a:srgbClr val="A7A8A9"/>
               </a:solidFill>
@@ -5782,7 +5703,7 @@
               <a:defRPr/>
             </a:pPr>
             <a:r>
-              <a:rPr lang="en-US" sz="700" b="0" i="0" kern="1200" dirty="0" smtClean="0">
+              <a:rPr lang="en-US" sz="700" b="0" i="0" kern="1200" dirty="0">
                 <a:solidFill>
                   <a:srgbClr val="A7A8A9"/>
                 </a:solidFill>
@@ -5910,10 +5831,9 @@
           <a:p>
             <a:pPr lvl="0"/>
             <a:r>
-              <a:rPr lang="en-US" dirty="0" smtClean="0"/>
+              <a:rPr lang="en-US" dirty="0"/>
               <a:t>Click to edit Master text styles</a:t>
             </a:r>
-            <a:endParaRPr lang="en-US" dirty="0"/>
           </a:p>
         </p:txBody>
       </p:sp>
@@ -5997,10 +5917,9 @@
           <a:p>
             <a:pPr lvl="0"/>
             <a:r>
-              <a:rPr lang="en-US" dirty="0" smtClean="0"/>
+              <a:rPr lang="en-US" dirty="0"/>
               <a:t>Click to edit Master text styles</a:t>
             </a:r>
-            <a:endParaRPr lang="en-US" dirty="0"/>
           </a:p>
         </p:txBody>
       </p:sp>
@@ -6068,10 +5987,9 @@
           <a:p>
             <a:pPr lvl="0"/>
             <a:r>
-              <a:rPr lang="en-US" dirty="0" smtClean="0"/>
+              <a:rPr lang="en-US" dirty="0"/>
               <a:t>Click to edit Master text styles</a:t>
             </a:r>
-            <a:endParaRPr lang="en-US" dirty="0"/>
           </a:p>
         </p:txBody>
       </p:sp>
@@ -6154,10 +6072,9 @@
           <a:p>
             <a:pPr lvl="0"/>
             <a:r>
-              <a:rPr lang="en-US" dirty="0" smtClean="0"/>
+              <a:rPr lang="en-US" dirty="0"/>
               <a:t>Click to edit Master text styles</a:t>
             </a:r>
-            <a:endParaRPr lang="en-US" dirty="0"/>
           </a:p>
         </p:txBody>
       </p:sp>
@@ -6196,14 +6113,14 @@
           </a:ln>
           <a:extLst>
             <a:ext uri="{909E8E84-426E-40dd-AFC4-6F175D3DCCD1}">
-              <a14:hiddenFill xmlns:a14="http://schemas.microsoft.com/office/drawing/2010/main">
+              <a14:hiddenFill xmlns:a14="http://schemas.microsoft.com/office/drawing/2010/main" xmlns="">
                 <a:solidFill>
                   <a:srgbClr val="FFFFFF"/>
                 </a:solidFill>
               </a14:hiddenFill>
             </a:ext>
             <a:ext uri="{91240B29-F687-4f45-9708-019B960494DF}">
-              <a14:hiddenLine xmlns:a14="http://schemas.microsoft.com/office/drawing/2010/main" w="9525">
+              <a14:hiddenLine xmlns:a14="http://schemas.microsoft.com/office/drawing/2010/main" xmlns="" w="9525">
                 <a:solidFill>
                   <a:srgbClr val="000000"/>
                 </a:solidFill>
@@ -6286,7 +6203,7 @@
                 </a:lnSpc>
               </a:pPr>
               <a:r>
-                <a:rPr lang="en-US" sz="1100" dirty="0" smtClean="0">
+                <a:rPr lang="en-US" sz="1100" dirty="0">
                   <a:solidFill>
                     <a:schemeClr val="accent1"/>
                   </a:solidFill>
@@ -6295,13 +6212,6 @@
                 </a:rPr>
                 <a:t>Global Technology Education</a:t>
               </a:r>
-              <a:endParaRPr lang="en-US" sz="1100" dirty="0">
-                <a:solidFill>
-                  <a:schemeClr val="accent1"/>
-                </a:solidFill>
-                <a:latin typeface="Arial"/>
-                <a:cs typeface="Arial"/>
-              </a:endParaRPr>
             </a:p>
           </p:txBody>
         </p:sp>
@@ -6316,13 +6226,6 @@
   <p:clrMapOvr>
     <a:masterClrMapping/>
   </p:clrMapOvr>
-  <p:timing>
-    <p:tnLst>
-      <p:par>
-        <p:cTn xmlns:p14="http://schemas.microsoft.com/office/powerpoint/2010/main" id="1" dur="indefinite" restart="never" nodeType="tmRoot"/>
-      </p:par>
-    </p:tnLst>
-  </p:timing>
 </p:sldLayout>
 </file>
 
@@ -6378,10 +6281,9 @@
           </a:lstStyle>
           <a:p>
             <a:r>
-              <a:rPr lang="en-US" dirty="0" smtClean="0"/>
+              <a:rPr lang="en-US" dirty="0"/>
               <a:t>Click to edit Master title style</a:t>
             </a:r>
-            <a:endParaRPr lang="en-US" dirty="0"/>
           </a:p>
         </p:txBody>
       </p:sp>
@@ -6462,7 +6364,7 @@
           <a:p>
             <a:pPr lvl="0"/>
             <a:r>
-              <a:rPr lang="en-US" dirty="0" smtClean="0"/>
+              <a:rPr lang="en-US" dirty="0"/>
               <a:t>Click to edit Master text styles</a:t>
             </a:r>
           </a:p>
@@ -6545,14 +6447,14 @@
           <a:effectLst/>
           <a:extLst>
             <a:ext uri="{909E8E84-426E-40dd-AFC4-6F175D3DCCD1}">
-              <a14:hiddenFill xmlns:a14="http://schemas.microsoft.com/office/drawing/2010/main">
+              <a14:hiddenFill xmlns:a14="http://schemas.microsoft.com/office/drawing/2010/main" xmlns="">
                 <a:solidFill>
                   <a:srgbClr val="FFFFFF"/>
                 </a:solidFill>
               </a14:hiddenFill>
             </a:ext>
             <a:ext uri="{91240B29-F687-4f45-9708-019B960494DF}">
-              <a14:hiddenLine xmlns:a14="http://schemas.microsoft.com/office/drawing/2010/main" w="12700">
+              <a14:hiddenLine xmlns:a14="http://schemas.microsoft.com/office/drawing/2010/main" xmlns="" w="12700">
                 <a:solidFill>
                   <a:srgbClr val="000000"/>
                 </a:solidFill>
@@ -6562,7 +6464,7 @@
               </a14:hiddenLine>
             </a:ext>
             <a:ext uri="{AF507438-7753-43e0-B8FC-AC1667EBCBE1}">
-              <a14:hiddenEffects xmlns:a14="http://schemas.microsoft.com/office/drawing/2010/main">
+              <a14:hiddenEffects xmlns:a14="http://schemas.microsoft.com/office/drawing/2010/main" xmlns="">
                 <a:effectLst>
                   <a:outerShdw blurRad="63500" dist="38099" dir="2700000" algn="ctr" rotWithShape="0">
                     <a:srgbClr val="000000">
@@ -6596,7 +6498,7 @@
               <a:defRPr/>
             </a:pPr>
             <a:r>
-              <a:rPr lang="en-US" sz="700" b="0" i="0" kern="1200" dirty="0" smtClean="0">
+              <a:rPr lang="en-US" sz="700" b="0" i="0" kern="1200" dirty="0">
                 <a:solidFill>
                   <a:srgbClr val="A7A8A9"/>
                 </a:solidFill>
@@ -6607,7 +6509,7 @@
               </a:rPr>
               <a:t>© 2016 PayPal Inc. All rights reserved. Confidential and proprietary.</a:t>
             </a:r>
-            <a:endParaRPr lang="en-US" sz="700" b="0" i="0" kern="1200" dirty="0" smtClean="0">
+            <a:endParaRPr lang="en-US" sz="700" b="0" i="0" kern="1200" dirty="0">
               <a:solidFill>
                 <a:srgbClr val="A7A8A9"/>
               </a:solidFill>
@@ -6624,7 +6526,7 @@
               <a:defRPr/>
             </a:pPr>
             <a:r>
-              <a:rPr lang="en-US" sz="700" b="0" i="0" kern="1200" dirty="0" smtClean="0">
+              <a:rPr lang="en-US" sz="700" b="0" i="0" kern="1200" dirty="0">
                 <a:solidFill>
                   <a:srgbClr val="A7A8A9"/>
                 </a:solidFill>
@@ -6752,10 +6654,9 @@
           <a:p>
             <a:pPr lvl="0"/>
             <a:r>
-              <a:rPr lang="en-US" dirty="0" smtClean="0"/>
+              <a:rPr lang="en-US" dirty="0"/>
               <a:t>Click to edit Master text styles</a:t>
             </a:r>
-            <a:endParaRPr lang="en-US" dirty="0"/>
           </a:p>
         </p:txBody>
       </p:sp>
@@ -6823,10 +6724,9 @@
           <a:p>
             <a:pPr lvl="0"/>
             <a:r>
-              <a:rPr lang="en-US" dirty="0" smtClean="0"/>
+              <a:rPr lang="en-US" dirty="0"/>
               <a:t>Click to edit Master text styles</a:t>
             </a:r>
-            <a:endParaRPr lang="en-US" dirty="0"/>
           </a:p>
         </p:txBody>
       </p:sp>
@@ -6894,10 +6794,9 @@
           <a:p>
             <a:pPr lvl="0"/>
             <a:r>
-              <a:rPr lang="en-US" dirty="0" smtClean="0"/>
+              <a:rPr lang="en-US" dirty="0"/>
               <a:t>Click to edit Master text styles</a:t>
             </a:r>
-            <a:endParaRPr lang="en-US" dirty="0"/>
           </a:p>
         </p:txBody>
       </p:sp>
@@ -6965,10 +6864,9 @@
           <a:p>
             <a:pPr lvl="0"/>
             <a:r>
-              <a:rPr lang="en-US" dirty="0" smtClean="0"/>
+              <a:rPr lang="en-US" dirty="0"/>
               <a:t>Click to edit Master text styles</a:t>
             </a:r>
-            <a:endParaRPr lang="en-US" dirty="0"/>
           </a:p>
         </p:txBody>
       </p:sp>
@@ -7036,10 +6934,9 @@
           <a:p>
             <a:pPr lvl="0"/>
             <a:r>
-              <a:rPr lang="en-US" dirty="0" smtClean="0"/>
+              <a:rPr lang="en-US" dirty="0"/>
               <a:t>Click to edit Master text styles</a:t>
             </a:r>
-            <a:endParaRPr lang="en-US" dirty="0"/>
           </a:p>
         </p:txBody>
       </p:sp>
@@ -7107,10 +7004,9 @@
           <a:p>
             <a:pPr lvl="0"/>
             <a:r>
-              <a:rPr lang="en-US" dirty="0" smtClean="0"/>
+              <a:rPr lang="en-US" dirty="0"/>
               <a:t>Click to edit Master text styles</a:t>
             </a:r>
-            <a:endParaRPr lang="en-US" dirty="0"/>
           </a:p>
         </p:txBody>
       </p:sp>
@@ -7178,10 +7074,9 @@
           <a:p>
             <a:pPr lvl="0"/>
             <a:r>
-              <a:rPr lang="en-US" dirty="0" smtClean="0"/>
+              <a:rPr lang="en-US" dirty="0"/>
               <a:t>Click to edit Master text styles</a:t>
             </a:r>
-            <a:endParaRPr lang="en-US" dirty="0"/>
           </a:p>
         </p:txBody>
       </p:sp>
@@ -7249,10 +7144,9 @@
           <a:p>
             <a:pPr lvl="0"/>
             <a:r>
-              <a:rPr lang="en-US" dirty="0" smtClean="0"/>
+              <a:rPr lang="en-US" dirty="0"/>
               <a:t>Click to edit Master text styles</a:t>
             </a:r>
-            <a:endParaRPr lang="en-US" dirty="0"/>
           </a:p>
         </p:txBody>
       </p:sp>
@@ -7291,14 +7185,14 @@
           </a:ln>
           <a:extLst>
             <a:ext uri="{909E8E84-426E-40dd-AFC4-6F175D3DCCD1}">
-              <a14:hiddenFill xmlns:a14="http://schemas.microsoft.com/office/drawing/2010/main">
+              <a14:hiddenFill xmlns:a14="http://schemas.microsoft.com/office/drawing/2010/main" xmlns="">
                 <a:solidFill>
                   <a:srgbClr val="FFFFFF"/>
                 </a:solidFill>
               </a14:hiddenFill>
             </a:ext>
             <a:ext uri="{91240B29-F687-4f45-9708-019B960494DF}">
-              <a14:hiddenLine xmlns:a14="http://schemas.microsoft.com/office/drawing/2010/main" w="9525">
+              <a14:hiddenLine xmlns:a14="http://schemas.microsoft.com/office/drawing/2010/main" xmlns="" w="9525">
                 <a:solidFill>
                   <a:srgbClr val="000000"/>
                 </a:solidFill>
@@ -7381,7 +7275,7 @@
                 </a:lnSpc>
               </a:pPr>
               <a:r>
-                <a:rPr lang="en-US" sz="1100" dirty="0" smtClean="0">
+                <a:rPr lang="en-US" sz="1100" dirty="0">
                   <a:solidFill>
                     <a:schemeClr val="accent1"/>
                   </a:solidFill>
@@ -7390,13 +7284,6 @@
                 </a:rPr>
                 <a:t>Global Technology Education</a:t>
               </a:r>
-              <a:endParaRPr lang="en-US" sz="1100" dirty="0">
-                <a:solidFill>
-                  <a:schemeClr val="accent1"/>
-                </a:solidFill>
-                <a:latin typeface="Arial"/>
-                <a:cs typeface="Arial"/>
-              </a:endParaRPr>
             </a:p>
           </p:txBody>
         </p:sp>
@@ -7411,13 +7298,6 @@
   <p:clrMapOvr>
     <a:masterClrMapping/>
   </p:clrMapOvr>
-  <p:timing>
-    <p:tnLst>
-      <p:par>
-        <p:cTn xmlns:p14="http://schemas.microsoft.com/office/powerpoint/2010/main" id="1" dur="indefinite" restart="never" nodeType="tmRoot"/>
-      </p:par>
-    </p:tnLst>
-  </p:timing>
 </p:sldLayout>
 </file>
 
@@ -7473,10 +7353,9 @@
           </a:lstStyle>
           <a:p>
             <a:r>
-              <a:rPr lang="en-US" dirty="0" smtClean="0"/>
+              <a:rPr lang="en-US" dirty="0"/>
               <a:t>Click to edit Master title style</a:t>
             </a:r>
-            <a:endParaRPr lang="en-US" dirty="0"/>
           </a:p>
         </p:txBody>
       </p:sp>
@@ -7557,7 +7436,7 @@
           <a:p>
             <a:pPr lvl="0"/>
             <a:r>
-              <a:rPr lang="en-US" dirty="0" smtClean="0"/>
+              <a:rPr lang="en-US" dirty="0"/>
               <a:t>Click to edit Master text styles</a:t>
             </a:r>
           </a:p>
@@ -7640,14 +7519,14 @@
           <a:effectLst/>
           <a:extLst>
             <a:ext uri="{909E8E84-426E-40dd-AFC4-6F175D3DCCD1}">
-              <a14:hiddenFill xmlns:a14="http://schemas.microsoft.com/office/drawing/2010/main">
+              <a14:hiddenFill xmlns:a14="http://schemas.microsoft.com/office/drawing/2010/main" xmlns="">
                 <a:solidFill>
                   <a:srgbClr val="FFFFFF"/>
                 </a:solidFill>
               </a14:hiddenFill>
             </a:ext>
             <a:ext uri="{91240B29-F687-4f45-9708-019B960494DF}">
-              <a14:hiddenLine xmlns:a14="http://schemas.microsoft.com/office/drawing/2010/main" w="12700">
+              <a14:hiddenLine xmlns:a14="http://schemas.microsoft.com/office/drawing/2010/main" xmlns="" w="12700">
                 <a:solidFill>
                   <a:srgbClr val="000000"/>
                 </a:solidFill>
@@ -7657,7 +7536,7 @@
               </a14:hiddenLine>
             </a:ext>
             <a:ext uri="{AF507438-7753-43e0-B8FC-AC1667EBCBE1}">
-              <a14:hiddenEffects xmlns:a14="http://schemas.microsoft.com/office/drawing/2010/main">
+              <a14:hiddenEffects xmlns:a14="http://schemas.microsoft.com/office/drawing/2010/main" xmlns="">
                 <a:effectLst>
                   <a:outerShdw blurRad="63500" dist="38099" dir="2700000" algn="ctr" rotWithShape="0">
                     <a:srgbClr val="000000">
@@ -7691,7 +7570,7 @@
               <a:defRPr/>
             </a:pPr>
             <a:r>
-              <a:rPr lang="en-US" sz="700" b="0" i="0" kern="1200" dirty="0" smtClean="0">
+              <a:rPr lang="en-US" sz="700" b="0" i="0" kern="1200" dirty="0">
                 <a:solidFill>
                   <a:srgbClr val="A7A8A9"/>
                 </a:solidFill>
@@ -7702,7 +7581,7 @@
               </a:rPr>
               <a:t>© 2016 PayPal Inc. All rights reserved. Confidential and proprietary.</a:t>
             </a:r>
-            <a:endParaRPr lang="en-US" sz="700" b="0" i="0" kern="1200" dirty="0" smtClean="0">
+            <a:endParaRPr lang="en-US" sz="700" b="0" i="0" kern="1200" dirty="0">
               <a:solidFill>
                 <a:srgbClr val="A7A8A9"/>
               </a:solidFill>
@@ -7719,7 +7598,7 @@
               <a:defRPr/>
             </a:pPr>
             <a:r>
-              <a:rPr lang="en-US" sz="700" b="0" i="0" kern="1200" dirty="0" smtClean="0">
+              <a:rPr lang="en-US" sz="700" b="0" i="0" kern="1200" dirty="0">
                 <a:solidFill>
                   <a:srgbClr val="A7A8A9"/>
                 </a:solidFill>
@@ -7854,21 +7733,21 @@
               </a:buBlip>
             </a:pPr>
             <a:r>
-              <a:rPr lang="en-US" dirty="0" smtClean="0"/>
+              <a:rPr lang="en-US" dirty="0"/>
               <a:t>Click to edit Master text styles</a:t>
             </a:r>
           </a:p>
           <a:p>
             <a:pPr lvl="1"/>
             <a:r>
-              <a:rPr lang="en-US" dirty="0" smtClean="0"/>
+              <a:rPr lang="en-US" dirty="0"/>
               <a:t>Second level</a:t>
             </a:r>
           </a:p>
           <a:p>
             <a:pPr lvl="2"/>
             <a:r>
-              <a:rPr lang="en-US" dirty="0" smtClean="0"/>
+              <a:rPr lang="en-US" dirty="0"/>
               <a:t>Third level</a:t>
             </a:r>
           </a:p>
@@ -7909,14 +7788,14 @@
           </a:ln>
           <a:extLst>
             <a:ext uri="{909E8E84-426E-40dd-AFC4-6F175D3DCCD1}">
-              <a14:hiddenFill xmlns:a14="http://schemas.microsoft.com/office/drawing/2010/main">
+              <a14:hiddenFill xmlns:a14="http://schemas.microsoft.com/office/drawing/2010/main" xmlns="">
                 <a:solidFill>
                   <a:srgbClr val="FFFFFF"/>
                 </a:solidFill>
               </a14:hiddenFill>
             </a:ext>
             <a:ext uri="{91240B29-F687-4f45-9708-019B960494DF}">
-              <a14:hiddenLine xmlns:a14="http://schemas.microsoft.com/office/drawing/2010/main" w="9525">
+              <a14:hiddenLine xmlns:a14="http://schemas.microsoft.com/office/drawing/2010/main" xmlns="" w="9525">
                 <a:solidFill>
                   <a:srgbClr val="000000"/>
                 </a:solidFill>
@@ -7999,7 +7878,7 @@
                 </a:lnSpc>
               </a:pPr>
               <a:r>
-                <a:rPr lang="en-US" sz="1100" dirty="0" smtClean="0">
+                <a:rPr lang="en-US" sz="1100" dirty="0">
                   <a:solidFill>
                     <a:schemeClr val="accent1"/>
                   </a:solidFill>
@@ -8008,13 +7887,6 @@
                 </a:rPr>
                 <a:t>Global Technology Education</a:t>
               </a:r>
-              <a:endParaRPr lang="en-US" sz="1100" dirty="0">
-                <a:solidFill>
-                  <a:schemeClr val="accent1"/>
-                </a:solidFill>
-                <a:latin typeface="Arial"/>
-                <a:cs typeface="Arial"/>
-              </a:endParaRPr>
             </a:p>
           </p:txBody>
         </p:sp>
@@ -8029,13 +7901,6 @@
   <p:clrMapOvr>
     <a:masterClrMapping/>
   </p:clrMapOvr>
-  <p:timing>
-    <p:tnLst>
-      <p:par>
-        <p:cTn xmlns:p14="http://schemas.microsoft.com/office/powerpoint/2010/main" id="1" dur="indefinite" restart="never" nodeType="tmRoot"/>
-      </p:par>
-    </p:tnLst>
-  </p:timing>
 </p:sldLayout>
 </file>
 
@@ -8091,10 +7956,9 @@
           </a:lstStyle>
           <a:p>
             <a:r>
-              <a:rPr lang="en-US" dirty="0" smtClean="0"/>
+              <a:rPr lang="en-US" dirty="0"/>
               <a:t>Click to edit Master title style</a:t>
             </a:r>
-            <a:endParaRPr lang="en-US" dirty="0"/>
           </a:p>
         </p:txBody>
       </p:sp>
@@ -8175,7 +8039,7 @@
           <a:p>
             <a:pPr lvl="0"/>
             <a:r>
-              <a:rPr lang="en-US" dirty="0" smtClean="0"/>
+              <a:rPr lang="en-US" dirty="0"/>
               <a:t>Click to edit Master text styles</a:t>
             </a:r>
           </a:p>
@@ -8258,14 +8122,14 @@
           <a:effectLst/>
           <a:extLst>
             <a:ext uri="{909E8E84-426E-40dd-AFC4-6F175D3DCCD1}">
-              <a14:hiddenFill xmlns:a14="http://schemas.microsoft.com/office/drawing/2010/main">
+              <a14:hiddenFill xmlns:a14="http://schemas.microsoft.com/office/drawing/2010/main" xmlns="">
                 <a:solidFill>
                   <a:srgbClr val="FFFFFF"/>
                 </a:solidFill>
               </a14:hiddenFill>
             </a:ext>
             <a:ext uri="{91240B29-F687-4f45-9708-019B960494DF}">
-              <a14:hiddenLine xmlns:a14="http://schemas.microsoft.com/office/drawing/2010/main" w="12700">
+              <a14:hiddenLine xmlns:a14="http://schemas.microsoft.com/office/drawing/2010/main" xmlns="" w="12700">
                 <a:solidFill>
                   <a:srgbClr val="000000"/>
                 </a:solidFill>
@@ -8275,7 +8139,7 @@
               </a14:hiddenLine>
             </a:ext>
             <a:ext uri="{AF507438-7753-43e0-B8FC-AC1667EBCBE1}">
-              <a14:hiddenEffects xmlns:a14="http://schemas.microsoft.com/office/drawing/2010/main">
+              <a14:hiddenEffects xmlns:a14="http://schemas.microsoft.com/office/drawing/2010/main" xmlns="">
                 <a:effectLst>
                   <a:outerShdw blurRad="63500" dist="38099" dir="2700000" algn="ctr" rotWithShape="0">
                     <a:srgbClr val="000000">
@@ -8309,7 +8173,7 @@
               <a:defRPr/>
             </a:pPr>
             <a:r>
-              <a:rPr lang="en-US" sz="700" b="0" i="0" kern="1200" dirty="0" smtClean="0">
+              <a:rPr lang="en-US" sz="700" b="0" i="0" kern="1200" dirty="0">
                 <a:solidFill>
                   <a:srgbClr val="A7A8A9"/>
                 </a:solidFill>
@@ -8320,7 +8184,7 @@
               </a:rPr>
               <a:t>© 2016 PayPal Inc. All rights reserved. Confidential and proprietary.</a:t>
             </a:r>
-            <a:endParaRPr lang="en-US" sz="700" b="0" i="0" kern="1200" dirty="0" smtClean="0">
+            <a:endParaRPr lang="en-US" sz="700" b="0" i="0" kern="1200" dirty="0">
               <a:solidFill>
                 <a:srgbClr val="A7A8A9"/>
               </a:solidFill>
@@ -8337,7 +8201,7 @@
               <a:defRPr/>
             </a:pPr>
             <a:r>
-              <a:rPr lang="en-US" sz="700" b="0" i="0" kern="1200" dirty="0" smtClean="0">
+              <a:rPr lang="en-US" sz="700" b="0" i="0" kern="1200" dirty="0">
                 <a:solidFill>
                   <a:srgbClr val="A7A8A9"/>
                 </a:solidFill>
@@ -8609,10 +8473,9 @@
           <a:p>
             <a:pPr lvl="0"/>
             <a:r>
-              <a:rPr lang="en-US" dirty="0" smtClean="0"/>
+              <a:rPr lang="en-US" dirty="0"/>
               <a:t>Click to edit Master text styles</a:t>
             </a:r>
-            <a:endParaRPr lang="en-US" dirty="0"/>
           </a:p>
         </p:txBody>
       </p:sp>
@@ -8680,10 +8543,9 @@
           <a:p>
             <a:pPr lvl="0"/>
             <a:r>
-              <a:rPr lang="en-US" dirty="0" smtClean="0"/>
+              <a:rPr lang="en-US" dirty="0"/>
               <a:t>Click to edit</a:t>
             </a:r>
-            <a:endParaRPr lang="en-US" dirty="0"/>
           </a:p>
         </p:txBody>
       </p:sp>
@@ -8751,10 +8613,9 @@
           <a:p>
             <a:pPr lvl="0"/>
             <a:r>
-              <a:rPr lang="en-US" dirty="0" smtClean="0"/>
+              <a:rPr lang="en-US" dirty="0"/>
               <a:t>Click to edit</a:t>
             </a:r>
-            <a:endParaRPr lang="en-US" dirty="0"/>
           </a:p>
         </p:txBody>
       </p:sp>
@@ -8822,10 +8683,9 @@
           <a:p>
             <a:pPr lvl="0"/>
             <a:r>
-              <a:rPr lang="en-US" dirty="0" smtClean="0"/>
+              <a:rPr lang="en-US" dirty="0"/>
               <a:t>Click to edit</a:t>
             </a:r>
-            <a:endParaRPr lang="en-US" dirty="0"/>
           </a:p>
         </p:txBody>
       </p:sp>
@@ -8893,10 +8753,9 @@
           <a:p>
             <a:pPr lvl="0"/>
             <a:r>
-              <a:rPr lang="en-US" dirty="0" smtClean="0"/>
+              <a:rPr lang="en-US" dirty="0"/>
               <a:t>Click to edit Master text styles</a:t>
             </a:r>
-            <a:endParaRPr lang="en-US" dirty="0"/>
           </a:p>
         </p:txBody>
       </p:sp>
@@ -8980,10 +8839,9 @@
           <a:p>
             <a:pPr lvl="0"/>
             <a:r>
-              <a:rPr lang="en-US" dirty="0" smtClean="0"/>
+              <a:rPr lang="en-US" dirty="0"/>
               <a:t>Click to edit Master text styles</a:t>
             </a:r>
-            <a:endParaRPr lang="en-US" dirty="0"/>
           </a:p>
         </p:txBody>
       </p:sp>
@@ -9022,14 +8880,14 @@
           </a:ln>
           <a:extLst>
             <a:ext uri="{909E8E84-426E-40dd-AFC4-6F175D3DCCD1}">
-              <a14:hiddenFill xmlns:a14="http://schemas.microsoft.com/office/drawing/2010/main">
+              <a14:hiddenFill xmlns:a14="http://schemas.microsoft.com/office/drawing/2010/main" xmlns="">
                 <a:solidFill>
                   <a:srgbClr val="FFFFFF"/>
                 </a:solidFill>
               </a14:hiddenFill>
             </a:ext>
             <a:ext uri="{91240B29-F687-4f45-9708-019B960494DF}">
-              <a14:hiddenLine xmlns:a14="http://schemas.microsoft.com/office/drawing/2010/main" w="9525">
+              <a14:hiddenLine xmlns:a14="http://schemas.microsoft.com/office/drawing/2010/main" xmlns="" w="9525">
                 <a:solidFill>
                   <a:srgbClr val="000000"/>
                 </a:solidFill>
@@ -9112,7 +8970,7 @@
                 </a:lnSpc>
               </a:pPr>
               <a:r>
-                <a:rPr lang="en-US" sz="1100" dirty="0" smtClean="0">
+                <a:rPr lang="en-US" sz="1100" dirty="0">
                   <a:solidFill>
                     <a:schemeClr val="accent1"/>
                   </a:solidFill>
@@ -9121,13 +8979,6 @@
                 </a:rPr>
                 <a:t>Global Technology Education</a:t>
               </a:r>
-              <a:endParaRPr lang="en-US" sz="1100" dirty="0">
-                <a:solidFill>
-                  <a:schemeClr val="accent1"/>
-                </a:solidFill>
-                <a:latin typeface="Arial"/>
-                <a:cs typeface="Arial"/>
-              </a:endParaRPr>
             </a:p>
           </p:txBody>
         </p:sp>
@@ -9142,13 +8993,6 @@
   <p:clrMapOvr>
     <a:masterClrMapping/>
   </p:clrMapOvr>
-  <p:timing>
-    <p:tnLst>
-      <p:par>
-        <p:cTn xmlns:p14="http://schemas.microsoft.com/office/powerpoint/2010/main" id="1" dur="indefinite" restart="never" nodeType="tmRoot"/>
-      </p:par>
-    </p:tnLst>
-  </p:timing>
 </p:sldLayout>
 </file>
 
@@ -9204,10 +9048,9 @@
           </a:lstStyle>
           <a:p>
             <a:r>
-              <a:rPr lang="en-US" dirty="0" smtClean="0"/>
+              <a:rPr lang="en-US" dirty="0"/>
               <a:t>Click to edit Master title style</a:t>
             </a:r>
-            <a:endParaRPr lang="en-US" dirty="0"/>
           </a:p>
         </p:txBody>
       </p:sp>
@@ -9288,14 +9131,14 @@
           <a:effectLst/>
           <a:extLst>
             <a:ext uri="{909E8E84-426E-40dd-AFC4-6F175D3DCCD1}">
-              <a14:hiddenFill xmlns:a14="http://schemas.microsoft.com/office/drawing/2010/main">
+              <a14:hiddenFill xmlns:a14="http://schemas.microsoft.com/office/drawing/2010/main" xmlns="">
                 <a:solidFill>
                   <a:srgbClr val="FFFFFF"/>
                 </a:solidFill>
               </a14:hiddenFill>
             </a:ext>
             <a:ext uri="{91240B29-F687-4f45-9708-019B960494DF}">
-              <a14:hiddenLine xmlns:a14="http://schemas.microsoft.com/office/drawing/2010/main" w="12700">
+              <a14:hiddenLine xmlns:a14="http://schemas.microsoft.com/office/drawing/2010/main" xmlns="" w="12700">
                 <a:solidFill>
                   <a:srgbClr val="000000"/>
                 </a:solidFill>
@@ -9305,7 +9148,7 @@
               </a14:hiddenLine>
             </a:ext>
             <a:ext uri="{AF507438-7753-43e0-B8FC-AC1667EBCBE1}">
-              <a14:hiddenEffects xmlns:a14="http://schemas.microsoft.com/office/drawing/2010/main">
+              <a14:hiddenEffects xmlns:a14="http://schemas.microsoft.com/office/drawing/2010/main" xmlns="">
                 <a:effectLst>
                   <a:outerShdw blurRad="63500" dist="38099" dir="2700000" algn="ctr" rotWithShape="0">
                     <a:srgbClr val="000000">
@@ -9339,7 +9182,7 @@
               <a:defRPr/>
             </a:pPr>
             <a:r>
-              <a:rPr lang="en-US" sz="700" b="0" i="0" kern="1200" dirty="0" smtClean="0">
+              <a:rPr lang="en-US" sz="700" b="0" i="0" kern="1200" dirty="0">
                 <a:solidFill>
                   <a:srgbClr val="A7A8A9"/>
                 </a:solidFill>
@@ -9350,7 +9193,7 @@
               </a:rPr>
               <a:t>© 2016 PayPal Inc. All rights reserved. Confidential and proprietary.</a:t>
             </a:r>
-            <a:endParaRPr lang="en-US" sz="700" b="0" i="0" kern="1200" dirty="0" smtClean="0">
+            <a:endParaRPr lang="en-US" sz="700" b="0" i="0" kern="1200" dirty="0">
               <a:solidFill>
                 <a:srgbClr val="A7A8A9"/>
               </a:solidFill>
@@ -9367,7 +9210,7 @@
               <a:defRPr/>
             </a:pPr>
             <a:r>
-              <a:rPr lang="en-US" sz="700" b="0" i="0" kern="1200" dirty="0" smtClean="0">
+              <a:rPr lang="en-US" sz="700" b="0" i="0" kern="1200" dirty="0">
                 <a:solidFill>
                   <a:srgbClr val="A7A8A9"/>
                 </a:solidFill>
@@ -9504,24 +9347,23 @@
           <a:p>
             <a:pPr lvl="0"/>
             <a:r>
-              <a:rPr lang="en-US" dirty="0" smtClean="0"/>
+              <a:rPr lang="en-US" dirty="0"/>
               <a:t>  </a:t>
             </a:r>
           </a:p>
           <a:p>
             <a:pPr lvl="1"/>
             <a:r>
-              <a:rPr lang="en-US" dirty="0" smtClean="0"/>
+              <a:rPr lang="en-US" dirty="0"/>
               <a:t> </a:t>
             </a:r>
           </a:p>
           <a:p>
             <a:pPr lvl="2"/>
             <a:r>
-              <a:rPr lang="en-US" dirty="0" smtClean="0"/>
+              <a:rPr lang="en-US" dirty="0"/>
               <a:t> </a:t>
             </a:r>
-            <a:endParaRPr lang="en-US" dirty="0"/>
           </a:p>
         </p:txBody>
       </p:sp>
@@ -9560,14 +9402,14 @@
           </a:ln>
           <a:extLst>
             <a:ext uri="{909E8E84-426E-40dd-AFC4-6F175D3DCCD1}">
-              <a14:hiddenFill xmlns:a14="http://schemas.microsoft.com/office/drawing/2010/main">
+              <a14:hiddenFill xmlns:a14="http://schemas.microsoft.com/office/drawing/2010/main" xmlns="">
                 <a:solidFill>
                   <a:srgbClr val="FFFFFF"/>
                 </a:solidFill>
               </a14:hiddenFill>
             </a:ext>
             <a:ext uri="{91240B29-F687-4f45-9708-019B960494DF}">
-              <a14:hiddenLine xmlns:a14="http://schemas.microsoft.com/office/drawing/2010/main" w="9525">
+              <a14:hiddenLine xmlns:a14="http://schemas.microsoft.com/office/drawing/2010/main" xmlns="" w="9525">
                 <a:solidFill>
                   <a:srgbClr val="000000"/>
                 </a:solidFill>
@@ -9650,7 +9492,7 @@
                 </a:lnSpc>
               </a:pPr>
               <a:r>
-                <a:rPr lang="en-US" sz="1100" dirty="0" smtClean="0">
+                <a:rPr lang="en-US" sz="1100" dirty="0">
                   <a:solidFill>
                     <a:schemeClr val="accent1"/>
                   </a:solidFill>
@@ -9659,13 +9501,6 @@
                 </a:rPr>
                 <a:t>Global Technology Education</a:t>
               </a:r>
-              <a:endParaRPr lang="en-US" sz="1100" dirty="0">
-                <a:solidFill>
-                  <a:schemeClr val="accent1"/>
-                </a:solidFill>
-                <a:latin typeface="Arial"/>
-                <a:cs typeface="Arial"/>
-              </a:endParaRPr>
             </a:p>
           </p:txBody>
         </p:sp>
@@ -9680,13 +9515,6 @@
   <p:clrMapOvr>
     <a:masterClrMapping/>
   </p:clrMapOvr>
-  <p:timing>
-    <p:tnLst>
-      <p:par>
-        <p:cTn xmlns:p14="http://schemas.microsoft.com/office/powerpoint/2010/main" id="1" dur="indefinite" restart="never" nodeType="tmRoot"/>
-      </p:par>
-    </p:tnLst>
-  </p:timing>
 </p:sldLayout>
 </file>
 
@@ -9742,10 +9570,9 @@
           </a:lstStyle>
           <a:p>
             <a:r>
-              <a:rPr lang="en-US" dirty="0" smtClean="0"/>
+              <a:rPr lang="en-US" dirty="0"/>
               <a:t>Click to edit Master title style</a:t>
             </a:r>
-            <a:endParaRPr lang="en-US" dirty="0"/>
           </a:p>
         </p:txBody>
       </p:sp>
@@ -9826,7 +9653,7 @@
           <a:p>
             <a:pPr lvl="0"/>
             <a:r>
-              <a:rPr lang="en-US" dirty="0" smtClean="0"/>
+              <a:rPr lang="en-US" dirty="0"/>
               <a:t>Click to edit Master text styles</a:t>
             </a:r>
           </a:p>
@@ -9909,14 +9736,14 @@
           <a:effectLst/>
           <a:extLst>
             <a:ext uri="{909E8E84-426E-40dd-AFC4-6F175D3DCCD1}">
-              <a14:hiddenFill xmlns:a14="http://schemas.microsoft.com/office/drawing/2010/main">
+              <a14:hiddenFill xmlns:a14="http://schemas.microsoft.com/office/drawing/2010/main" xmlns="">
                 <a:solidFill>
                   <a:srgbClr val="FFFFFF"/>
                 </a:solidFill>
               </a14:hiddenFill>
             </a:ext>
             <a:ext uri="{91240B29-F687-4f45-9708-019B960494DF}">
-              <a14:hiddenLine xmlns:a14="http://schemas.microsoft.com/office/drawing/2010/main" w="12700">
+              <a14:hiddenLine xmlns:a14="http://schemas.microsoft.com/office/drawing/2010/main" xmlns="" w="12700">
                 <a:solidFill>
                   <a:srgbClr val="000000"/>
                 </a:solidFill>
@@ -9926,7 +9753,7 @@
               </a14:hiddenLine>
             </a:ext>
             <a:ext uri="{AF507438-7753-43e0-B8FC-AC1667EBCBE1}">
-              <a14:hiddenEffects xmlns:a14="http://schemas.microsoft.com/office/drawing/2010/main">
+              <a14:hiddenEffects xmlns:a14="http://schemas.microsoft.com/office/drawing/2010/main" xmlns="">
                 <a:effectLst>
                   <a:outerShdw blurRad="63500" dist="38099" dir="2700000" algn="ctr" rotWithShape="0">
                     <a:srgbClr val="000000">
@@ -9960,7 +9787,7 @@
               <a:defRPr/>
             </a:pPr>
             <a:r>
-              <a:rPr lang="en-US" sz="700" b="0" i="0" kern="1200" dirty="0" smtClean="0">
+              <a:rPr lang="en-US" sz="700" b="0" i="0" kern="1200" dirty="0">
                 <a:solidFill>
                   <a:srgbClr val="A7A8A9"/>
                 </a:solidFill>
@@ -9971,7 +9798,7 @@
               </a:rPr>
               <a:t>© 2016 PayPal Inc. All rights reserved. Confidential and proprietary.</a:t>
             </a:r>
-            <a:endParaRPr lang="en-US" sz="700" b="0" i="0" kern="1200" dirty="0" smtClean="0">
+            <a:endParaRPr lang="en-US" sz="700" b="0" i="0" kern="1200" dirty="0">
               <a:solidFill>
                 <a:srgbClr val="A7A8A9"/>
               </a:solidFill>
@@ -9988,7 +9815,7 @@
               <a:defRPr/>
             </a:pPr>
             <a:r>
-              <a:rPr lang="en-US" sz="700" b="0" i="0" kern="1200" dirty="0" smtClean="0">
+              <a:rPr lang="en-US" sz="700" b="0" i="0" kern="1200" dirty="0">
                 <a:solidFill>
                   <a:srgbClr val="A7A8A9"/>
                 </a:solidFill>
@@ -10152,7 +9979,7 @@
           <a:p>
             <a:pPr lvl="0"/>
             <a:r>
-              <a:rPr lang="en-US" dirty="0" smtClean="0"/>
+              <a:rPr lang="en-US" dirty="0"/>
               <a:t>Click</a:t>
             </a:r>
           </a:p>
@@ -10222,10 +10049,9 @@
           <a:p>
             <a:pPr lvl="0"/>
             <a:r>
-              <a:rPr lang="en-US" dirty="0" smtClean="0"/>
+              <a:rPr lang="en-US" dirty="0"/>
               <a:t>Click to edit</a:t>
             </a:r>
-            <a:endParaRPr lang="en-US" dirty="0"/>
           </a:p>
         </p:txBody>
       </p:sp>
@@ -10309,10 +10135,9 @@
           <a:p>
             <a:pPr lvl="0"/>
             <a:r>
-              <a:rPr lang="en-US" dirty="0" smtClean="0"/>
+              <a:rPr lang="en-US" dirty="0"/>
               <a:t>Click to edit Master text styles</a:t>
             </a:r>
-            <a:endParaRPr lang="en-US" dirty="0"/>
           </a:p>
         </p:txBody>
       </p:sp>
@@ -10427,10 +10252,9 @@
           <a:p>
             <a:pPr lvl="0"/>
             <a:r>
-              <a:rPr lang="en-US" dirty="0" smtClean="0"/>
+              <a:rPr lang="en-US" dirty="0"/>
               <a:t>Click to edit</a:t>
             </a:r>
-            <a:endParaRPr lang="en-US" dirty="0"/>
           </a:p>
         </p:txBody>
       </p:sp>
@@ -10514,10 +10338,9 @@
           <a:p>
             <a:pPr lvl="0"/>
             <a:r>
-              <a:rPr lang="en-US" dirty="0" smtClean="0"/>
+              <a:rPr lang="en-US" dirty="0"/>
               <a:t>Click to edit Master text styles</a:t>
             </a:r>
-            <a:endParaRPr lang="en-US" dirty="0"/>
           </a:p>
         </p:txBody>
       </p:sp>
@@ -10564,7 +10387,7 @@
           <a:lstStyle/>
           <a:p>
             <a:pPr algn="ctr"/>
-            <a:endParaRPr lang="en-US" dirty="0" err="1" smtClean="0">
+            <a:endParaRPr lang="en-US" dirty="0" err="1">
               <a:solidFill>
                 <a:schemeClr val="tx1"/>
               </a:solidFill>
@@ -10609,14 +10432,14 @@
           </a:ln>
           <a:extLst>
             <a:ext uri="{909E8E84-426E-40dd-AFC4-6F175D3DCCD1}">
-              <a14:hiddenFill xmlns:a14="http://schemas.microsoft.com/office/drawing/2010/main">
+              <a14:hiddenFill xmlns:a14="http://schemas.microsoft.com/office/drawing/2010/main" xmlns="">
                 <a:solidFill>
                   <a:srgbClr val="FFFFFF"/>
                 </a:solidFill>
               </a14:hiddenFill>
             </a:ext>
             <a:ext uri="{91240B29-F687-4f45-9708-019B960494DF}">
-              <a14:hiddenLine xmlns:a14="http://schemas.microsoft.com/office/drawing/2010/main" w="9525">
+              <a14:hiddenLine xmlns:a14="http://schemas.microsoft.com/office/drawing/2010/main" xmlns="" w="9525">
                 <a:solidFill>
                   <a:srgbClr val="000000"/>
                 </a:solidFill>
@@ -10699,7 +10522,7 @@
                 </a:lnSpc>
               </a:pPr>
               <a:r>
-                <a:rPr lang="en-US" sz="1100" dirty="0" smtClean="0">
+                <a:rPr lang="en-US" sz="1100" dirty="0">
                   <a:solidFill>
                     <a:schemeClr val="accent1"/>
                   </a:solidFill>
@@ -10708,13 +10531,6 @@
                 </a:rPr>
                 <a:t>Global Technology Education</a:t>
               </a:r>
-              <a:endParaRPr lang="en-US" sz="1100" dirty="0">
-                <a:solidFill>
-                  <a:schemeClr val="accent1"/>
-                </a:solidFill>
-                <a:latin typeface="Arial"/>
-                <a:cs typeface="Arial"/>
-              </a:endParaRPr>
             </a:p>
           </p:txBody>
         </p:sp>
@@ -10729,13 +10545,6 @@
   <p:clrMapOvr>
     <a:masterClrMapping/>
   </p:clrMapOvr>
-  <p:timing>
-    <p:tnLst>
-      <p:par>
-        <p:cTn xmlns:p14="http://schemas.microsoft.com/office/powerpoint/2010/main" id="1" dur="indefinite" restart="never" nodeType="tmRoot"/>
-      </p:par>
-    </p:tnLst>
-  </p:timing>
 </p:sldLayout>
 </file>
 
@@ -10791,10 +10600,9 @@
           </a:lstStyle>
           <a:p>
             <a:r>
-              <a:rPr lang="en-US" dirty="0" smtClean="0"/>
+              <a:rPr lang="en-US" dirty="0"/>
               <a:t>Click to edit Master title style</a:t>
             </a:r>
-            <a:endParaRPr lang="en-US" dirty="0"/>
           </a:p>
         </p:txBody>
       </p:sp>
@@ -10875,7 +10683,7 @@
           <a:p>
             <a:pPr lvl="0"/>
             <a:r>
-              <a:rPr lang="en-US" dirty="0" smtClean="0"/>
+              <a:rPr lang="en-US" dirty="0"/>
               <a:t>Click to edit Master text styles</a:t>
             </a:r>
           </a:p>
@@ -10958,14 +10766,14 @@
           <a:effectLst/>
           <a:extLst>
             <a:ext uri="{909E8E84-426E-40dd-AFC4-6F175D3DCCD1}">
-              <a14:hiddenFill xmlns:a14="http://schemas.microsoft.com/office/drawing/2010/main">
+              <a14:hiddenFill xmlns:a14="http://schemas.microsoft.com/office/drawing/2010/main" xmlns="">
                 <a:solidFill>
                   <a:srgbClr val="FFFFFF"/>
                 </a:solidFill>
               </a14:hiddenFill>
             </a:ext>
             <a:ext uri="{91240B29-F687-4f45-9708-019B960494DF}">
-              <a14:hiddenLine xmlns:a14="http://schemas.microsoft.com/office/drawing/2010/main" w="12700">
+              <a14:hiddenLine xmlns:a14="http://schemas.microsoft.com/office/drawing/2010/main" xmlns="" w="12700">
                 <a:solidFill>
                   <a:srgbClr val="000000"/>
                 </a:solidFill>
@@ -10975,7 +10783,7 @@
               </a14:hiddenLine>
             </a:ext>
             <a:ext uri="{AF507438-7753-43e0-B8FC-AC1667EBCBE1}">
-              <a14:hiddenEffects xmlns:a14="http://schemas.microsoft.com/office/drawing/2010/main">
+              <a14:hiddenEffects xmlns:a14="http://schemas.microsoft.com/office/drawing/2010/main" xmlns="">
                 <a:effectLst>
                   <a:outerShdw blurRad="63500" dist="38099" dir="2700000" algn="ctr" rotWithShape="0">
                     <a:srgbClr val="000000">
@@ -11009,7 +10817,7 @@
               <a:defRPr/>
             </a:pPr>
             <a:r>
-              <a:rPr lang="en-US" sz="700" b="0" i="0" kern="1200" dirty="0" smtClean="0">
+              <a:rPr lang="en-US" sz="700" b="0" i="0" kern="1200" dirty="0">
                 <a:solidFill>
                   <a:srgbClr val="A7A8A9"/>
                 </a:solidFill>
@@ -11020,7 +10828,7 @@
               </a:rPr>
               <a:t>© 2016 PayPal Inc. All rights reserved. Confidential and proprietary.</a:t>
             </a:r>
-            <a:endParaRPr lang="en-US" sz="700" b="0" i="0" kern="1200" dirty="0" smtClean="0">
+            <a:endParaRPr lang="en-US" sz="700" b="0" i="0" kern="1200" dirty="0">
               <a:solidFill>
                 <a:srgbClr val="A7A8A9"/>
               </a:solidFill>
@@ -11037,7 +10845,7 @@
               <a:defRPr/>
             </a:pPr>
             <a:r>
-              <a:rPr lang="en-US" sz="700" b="0" i="0" kern="1200" dirty="0" smtClean="0">
+              <a:rPr lang="en-US" sz="700" b="0" i="0" kern="1200" dirty="0">
                 <a:solidFill>
                   <a:srgbClr val="A7A8A9"/>
                 </a:solidFill>
@@ -11165,10 +10973,9 @@
           <a:p>
             <a:pPr lvl="0"/>
             <a:r>
-              <a:rPr lang="en-US" dirty="0" smtClean="0"/>
+              <a:rPr lang="en-US" dirty="0"/>
               <a:t>Click to edit Master text styles</a:t>
             </a:r>
-            <a:endParaRPr lang="en-US" dirty="0"/>
           </a:p>
         </p:txBody>
       </p:sp>
@@ -11236,10 +11043,9 @@
           <a:p>
             <a:pPr lvl="0"/>
             <a:r>
-              <a:rPr lang="en-US" dirty="0" smtClean="0"/>
+              <a:rPr lang="en-US" dirty="0"/>
               <a:t>Click to edit Master text styles</a:t>
             </a:r>
-            <a:endParaRPr lang="en-US" dirty="0"/>
           </a:p>
         </p:txBody>
       </p:sp>
@@ -11307,10 +11113,9 @@
           <a:p>
             <a:pPr lvl="0"/>
             <a:r>
-              <a:rPr lang="en-US" dirty="0" smtClean="0"/>
+              <a:rPr lang="en-US" dirty="0"/>
               <a:t>Click to edit Master text styles</a:t>
             </a:r>
-            <a:endParaRPr lang="en-US" dirty="0"/>
           </a:p>
         </p:txBody>
       </p:sp>
@@ -11378,10 +11183,9 @@
           <a:p>
             <a:pPr lvl="0"/>
             <a:r>
-              <a:rPr lang="en-US" dirty="0" smtClean="0"/>
+              <a:rPr lang="en-US" dirty="0"/>
               <a:t>Click to edit Master text styles</a:t>
             </a:r>
-            <a:endParaRPr lang="en-US" dirty="0"/>
           </a:p>
         </p:txBody>
       </p:sp>
@@ -11602,10 +11406,9 @@
           <a:p>
             <a:pPr lvl="0"/>
             <a:r>
-              <a:rPr lang="en-US" dirty="0" smtClean="0"/>
+              <a:rPr lang="en-US" dirty="0"/>
               <a:t>Click to edit</a:t>
             </a:r>
-            <a:endParaRPr lang="en-US" dirty="0"/>
           </a:p>
         </p:txBody>
       </p:sp>
@@ -11673,10 +11476,9 @@
           <a:p>
             <a:pPr lvl="0"/>
             <a:r>
-              <a:rPr lang="en-US" dirty="0" smtClean="0"/>
+              <a:rPr lang="en-US" dirty="0"/>
               <a:t>Click to edit</a:t>
             </a:r>
-            <a:endParaRPr lang="en-US" dirty="0"/>
           </a:p>
         </p:txBody>
       </p:sp>
@@ -11744,10 +11546,9 @@
           <a:p>
             <a:pPr lvl="0"/>
             <a:r>
-              <a:rPr lang="en-US" dirty="0" smtClean="0"/>
+              <a:rPr lang="en-US" dirty="0"/>
               <a:t>Click to edit</a:t>
             </a:r>
-            <a:endParaRPr lang="en-US" dirty="0"/>
           </a:p>
         </p:txBody>
       </p:sp>
@@ -11786,14 +11587,14 @@
           </a:ln>
           <a:extLst>
             <a:ext uri="{909E8E84-426E-40dd-AFC4-6F175D3DCCD1}">
-              <a14:hiddenFill xmlns:a14="http://schemas.microsoft.com/office/drawing/2010/main">
+              <a14:hiddenFill xmlns:a14="http://schemas.microsoft.com/office/drawing/2010/main" xmlns="">
                 <a:solidFill>
                   <a:srgbClr val="FFFFFF"/>
                 </a:solidFill>
               </a14:hiddenFill>
             </a:ext>
             <a:ext uri="{91240B29-F687-4f45-9708-019B960494DF}">
-              <a14:hiddenLine xmlns:a14="http://schemas.microsoft.com/office/drawing/2010/main" w="9525">
+              <a14:hiddenLine xmlns:a14="http://schemas.microsoft.com/office/drawing/2010/main" xmlns="" w="9525">
                 <a:solidFill>
                   <a:srgbClr val="000000"/>
                 </a:solidFill>
@@ -11876,7 +11677,7 @@
                 </a:lnSpc>
               </a:pPr>
               <a:r>
-                <a:rPr lang="en-US" sz="1100" dirty="0" smtClean="0">
+                <a:rPr lang="en-US" sz="1100" dirty="0">
                   <a:solidFill>
                     <a:schemeClr val="accent1"/>
                   </a:solidFill>
@@ -11885,13 +11686,6 @@
                 </a:rPr>
                 <a:t>Global Technology Education</a:t>
               </a:r>
-              <a:endParaRPr lang="en-US" sz="1100" dirty="0">
-                <a:solidFill>
-                  <a:schemeClr val="accent1"/>
-                </a:solidFill>
-                <a:latin typeface="Arial"/>
-                <a:cs typeface="Arial"/>
-              </a:endParaRPr>
             </a:p>
           </p:txBody>
         </p:sp>
@@ -11906,13 +11700,6 @@
   <p:clrMapOvr>
     <a:masterClrMapping/>
   </p:clrMapOvr>
-  <p:timing>
-    <p:tnLst>
-      <p:par>
-        <p:cTn xmlns:p14="http://schemas.microsoft.com/office/powerpoint/2010/main" id="1" dur="indefinite" restart="never" nodeType="tmRoot"/>
-      </p:par>
-    </p:tnLst>
-  </p:timing>
 </p:sldLayout>
 </file>
 
@@ -11968,10 +11755,9 @@
           </a:lstStyle>
           <a:p>
             <a:r>
-              <a:rPr lang="en-US" dirty="0" smtClean="0"/>
+              <a:rPr lang="en-US" dirty="0"/>
               <a:t>Click to edit Master title style</a:t>
             </a:r>
-            <a:endParaRPr lang="en-US" dirty="0"/>
           </a:p>
         </p:txBody>
       </p:sp>
@@ -12052,7 +11838,7 @@
           <a:p>
             <a:pPr lvl="0"/>
             <a:r>
-              <a:rPr lang="en-US" smtClean="0"/>
+              <a:rPr lang="en-US"/>
               <a:t>Click to edit Master text styles</a:t>
             </a:r>
           </a:p>
@@ -12135,14 +11921,14 @@
           <a:effectLst/>
           <a:extLst>
             <a:ext uri="{909E8E84-426E-40dd-AFC4-6F175D3DCCD1}">
-              <a14:hiddenFill xmlns:a14="http://schemas.microsoft.com/office/drawing/2010/main">
+              <a14:hiddenFill xmlns:a14="http://schemas.microsoft.com/office/drawing/2010/main" xmlns="">
                 <a:solidFill>
                   <a:srgbClr val="FFFFFF"/>
                 </a:solidFill>
               </a14:hiddenFill>
             </a:ext>
             <a:ext uri="{91240B29-F687-4f45-9708-019B960494DF}">
-              <a14:hiddenLine xmlns:a14="http://schemas.microsoft.com/office/drawing/2010/main" w="12700">
+              <a14:hiddenLine xmlns:a14="http://schemas.microsoft.com/office/drawing/2010/main" xmlns="" w="12700">
                 <a:solidFill>
                   <a:srgbClr val="000000"/>
                 </a:solidFill>
@@ -12152,7 +11938,7 @@
               </a14:hiddenLine>
             </a:ext>
             <a:ext uri="{AF507438-7753-43e0-B8FC-AC1667EBCBE1}">
-              <a14:hiddenEffects xmlns:a14="http://schemas.microsoft.com/office/drawing/2010/main">
+              <a14:hiddenEffects xmlns:a14="http://schemas.microsoft.com/office/drawing/2010/main" xmlns="">
                 <a:effectLst>
                   <a:outerShdw blurRad="63500" dist="38099" dir="2700000" algn="ctr" rotWithShape="0">
                     <a:srgbClr val="000000">
@@ -12186,7 +11972,7 @@
               <a:defRPr/>
             </a:pPr>
             <a:r>
-              <a:rPr lang="en-US" sz="700" b="0" i="0" kern="1200" dirty="0" smtClean="0">
+              <a:rPr lang="en-US" sz="700" b="0" i="0" kern="1200" dirty="0">
                 <a:solidFill>
                   <a:srgbClr val="A7A8A9"/>
                 </a:solidFill>
@@ -12197,7 +11983,7 @@
               </a:rPr>
               <a:t>© 2016 PayPal Inc. All rights reserved. Confidential and proprietary.</a:t>
             </a:r>
-            <a:endParaRPr lang="en-US" sz="700" b="0" i="0" kern="1200" dirty="0" smtClean="0">
+            <a:endParaRPr lang="en-US" sz="700" b="0" i="0" kern="1200" dirty="0">
               <a:solidFill>
                 <a:srgbClr val="A7A8A9"/>
               </a:solidFill>
@@ -12214,7 +12000,7 @@
               <a:defRPr/>
             </a:pPr>
             <a:r>
-              <a:rPr lang="en-US" sz="700" b="0" i="0" kern="1200" dirty="0" smtClean="0">
+              <a:rPr lang="en-US" sz="700" b="0" i="0" kern="1200" dirty="0">
                 <a:solidFill>
                   <a:srgbClr val="A7A8A9"/>
                 </a:solidFill>
@@ -12479,10 +12265,9 @@
           <a:p>
             <a:pPr lvl="0"/>
             <a:r>
-              <a:rPr lang="en-US" dirty="0" smtClean="0"/>
+              <a:rPr lang="en-US" dirty="0"/>
               <a:t>Click to edit</a:t>
             </a:r>
-            <a:endParaRPr lang="en-US" dirty="0"/>
           </a:p>
         </p:txBody>
       </p:sp>
@@ -12550,10 +12335,9 @@
           <a:p>
             <a:pPr lvl="0"/>
             <a:r>
-              <a:rPr lang="en-US" dirty="0" smtClean="0"/>
+              <a:rPr lang="en-US" dirty="0"/>
               <a:t>Click to edit</a:t>
             </a:r>
-            <a:endParaRPr lang="en-US" dirty="0"/>
           </a:p>
         </p:txBody>
       </p:sp>
@@ -12621,10 +12405,9 @@
           <a:p>
             <a:pPr lvl="0"/>
             <a:r>
-              <a:rPr lang="en-US" dirty="0" smtClean="0"/>
+              <a:rPr lang="en-US" dirty="0"/>
               <a:t>Click to edit</a:t>
             </a:r>
-            <a:endParaRPr lang="en-US" dirty="0"/>
           </a:p>
         </p:txBody>
       </p:sp>
@@ -12706,10 +12489,9 @@
           <a:p>
             <a:pPr lvl="0"/>
             <a:r>
-              <a:rPr lang="en-US" dirty="0" smtClean="0"/>
+              <a:rPr lang="en-US" dirty="0"/>
               <a:t>Click to edit Master text styles</a:t>
             </a:r>
-            <a:endParaRPr lang="en-US" dirty="0"/>
           </a:p>
         </p:txBody>
       </p:sp>
@@ -12791,10 +12573,9 @@
           <a:p>
             <a:pPr lvl="0"/>
             <a:r>
-              <a:rPr lang="en-US" dirty="0" smtClean="0"/>
+              <a:rPr lang="en-US" dirty="0"/>
               <a:t>Click to edit Master text styles</a:t>
             </a:r>
-            <a:endParaRPr lang="en-US" dirty="0"/>
           </a:p>
         </p:txBody>
       </p:sp>
@@ -12876,10 +12657,9 @@
           <a:p>
             <a:pPr lvl="0"/>
             <a:r>
-              <a:rPr lang="en-US" dirty="0" smtClean="0"/>
+              <a:rPr lang="en-US" dirty="0"/>
               <a:t>Click to edit Master text styles</a:t>
             </a:r>
-            <a:endParaRPr lang="en-US" dirty="0"/>
           </a:p>
         </p:txBody>
       </p:sp>
@@ -12918,14 +12698,14 @@
           </a:ln>
           <a:extLst>
             <a:ext uri="{909E8E84-426E-40dd-AFC4-6F175D3DCCD1}">
-              <a14:hiddenFill xmlns:a14="http://schemas.microsoft.com/office/drawing/2010/main">
+              <a14:hiddenFill xmlns:a14="http://schemas.microsoft.com/office/drawing/2010/main" xmlns="">
                 <a:solidFill>
                   <a:srgbClr val="FFFFFF"/>
                 </a:solidFill>
               </a14:hiddenFill>
             </a:ext>
             <a:ext uri="{91240B29-F687-4f45-9708-019B960494DF}">
-              <a14:hiddenLine xmlns:a14="http://schemas.microsoft.com/office/drawing/2010/main" w="9525">
+              <a14:hiddenLine xmlns:a14="http://schemas.microsoft.com/office/drawing/2010/main" xmlns="" w="9525">
                 <a:solidFill>
                   <a:srgbClr val="000000"/>
                 </a:solidFill>
@@ -13008,7 +12788,7 @@
                 </a:lnSpc>
               </a:pPr>
               <a:r>
-                <a:rPr lang="en-US" sz="1100" dirty="0" smtClean="0">
+                <a:rPr lang="en-US" sz="1100" dirty="0">
                   <a:solidFill>
                     <a:schemeClr val="accent1"/>
                   </a:solidFill>
@@ -13017,13 +12797,6 @@
                 </a:rPr>
                 <a:t>Global Technology Education</a:t>
               </a:r>
-              <a:endParaRPr lang="en-US" sz="1100" dirty="0">
-                <a:solidFill>
-                  <a:schemeClr val="accent1"/>
-                </a:solidFill>
-                <a:latin typeface="Arial"/>
-                <a:cs typeface="Arial"/>
-              </a:endParaRPr>
             </a:p>
           </p:txBody>
         </p:sp>
@@ -13038,13 +12811,6 @@
   <p:clrMapOvr>
     <a:masterClrMapping/>
   </p:clrMapOvr>
-  <p:timing>
-    <p:tnLst>
-      <p:par>
-        <p:cTn xmlns:p14="http://schemas.microsoft.com/office/powerpoint/2010/main" id="1" dur="indefinite" restart="never" nodeType="tmRoot"/>
-      </p:par>
-    </p:tnLst>
-  </p:timing>
 </p:sldLayout>
 </file>
 
@@ -13100,10 +12866,9 @@
           </a:lstStyle>
           <a:p>
             <a:r>
-              <a:rPr lang="en-US" dirty="0" smtClean="0"/>
+              <a:rPr lang="en-US" dirty="0"/>
               <a:t>Click to edit Master title style</a:t>
             </a:r>
-            <a:endParaRPr lang="en-US" dirty="0"/>
           </a:p>
         </p:txBody>
       </p:sp>
@@ -13184,7 +12949,7 @@
           <a:p>
             <a:pPr lvl="0"/>
             <a:r>
-              <a:rPr lang="en-US" smtClean="0"/>
+              <a:rPr lang="en-US"/>
               <a:t>Click to edit Master text styles</a:t>
             </a:r>
           </a:p>
@@ -13267,14 +13032,14 @@
           <a:effectLst/>
           <a:extLst>
             <a:ext uri="{909E8E84-426E-40dd-AFC4-6F175D3DCCD1}">
-              <a14:hiddenFill xmlns:a14="http://schemas.microsoft.com/office/drawing/2010/main">
+              <a14:hiddenFill xmlns:a14="http://schemas.microsoft.com/office/drawing/2010/main" xmlns="">
                 <a:solidFill>
                   <a:srgbClr val="FFFFFF"/>
                 </a:solidFill>
               </a14:hiddenFill>
             </a:ext>
             <a:ext uri="{91240B29-F687-4f45-9708-019B960494DF}">
-              <a14:hiddenLine xmlns:a14="http://schemas.microsoft.com/office/drawing/2010/main" w="12700">
+              <a14:hiddenLine xmlns:a14="http://schemas.microsoft.com/office/drawing/2010/main" xmlns="" w="12700">
                 <a:solidFill>
                   <a:srgbClr val="000000"/>
                 </a:solidFill>
@@ -13284,7 +13049,7 @@
               </a14:hiddenLine>
             </a:ext>
             <a:ext uri="{AF507438-7753-43e0-B8FC-AC1667EBCBE1}">
-              <a14:hiddenEffects xmlns:a14="http://schemas.microsoft.com/office/drawing/2010/main">
+              <a14:hiddenEffects xmlns:a14="http://schemas.microsoft.com/office/drawing/2010/main" xmlns="">
                 <a:effectLst>
                   <a:outerShdw blurRad="63500" dist="38099" dir="2700000" algn="ctr" rotWithShape="0">
                     <a:srgbClr val="000000">
@@ -13318,7 +13083,7 @@
               <a:defRPr/>
             </a:pPr>
             <a:r>
-              <a:rPr lang="en-US" sz="700" b="0" i="0" kern="1200" dirty="0" smtClean="0">
+              <a:rPr lang="en-US" sz="700" b="0" i="0" kern="1200" dirty="0">
                 <a:solidFill>
                   <a:srgbClr val="A7A8A9"/>
                 </a:solidFill>
@@ -13329,7 +13094,7 @@
               </a:rPr>
               <a:t>© 2016 PayPal Inc. All rights reserved. Confidential and proprietary.</a:t>
             </a:r>
-            <a:endParaRPr lang="en-US" sz="700" b="0" i="0" kern="1200" dirty="0" smtClean="0">
+            <a:endParaRPr lang="en-US" sz="700" b="0" i="0" kern="1200" dirty="0">
               <a:solidFill>
                 <a:srgbClr val="A7A8A9"/>
               </a:solidFill>
@@ -13346,7 +13111,7 @@
               <a:defRPr/>
             </a:pPr>
             <a:r>
-              <a:rPr lang="en-US" sz="700" b="0" i="0" kern="1200" dirty="0" smtClean="0">
+              <a:rPr lang="en-US" sz="700" b="0" i="0" kern="1200" dirty="0">
                 <a:solidFill>
                   <a:srgbClr val="A7A8A9"/>
                 </a:solidFill>
@@ -13611,10 +13376,9 @@
           <a:p>
             <a:pPr lvl="0"/>
             <a:r>
-              <a:rPr lang="en-US" dirty="0" smtClean="0"/>
+              <a:rPr lang="en-US" dirty="0"/>
               <a:t>Click to edit</a:t>
             </a:r>
-            <a:endParaRPr lang="en-US" dirty="0"/>
           </a:p>
         </p:txBody>
       </p:sp>
@@ -13682,10 +13446,9 @@
           <a:p>
             <a:pPr lvl="0"/>
             <a:r>
-              <a:rPr lang="en-US" dirty="0" smtClean="0"/>
+              <a:rPr lang="en-US" dirty="0"/>
               <a:t>Click to edit</a:t>
             </a:r>
-            <a:endParaRPr lang="en-US" dirty="0"/>
           </a:p>
         </p:txBody>
       </p:sp>
@@ -13753,10 +13516,9 @@
           <a:p>
             <a:pPr lvl="0"/>
             <a:r>
-              <a:rPr lang="en-US" dirty="0" smtClean="0"/>
+              <a:rPr lang="en-US" dirty="0"/>
               <a:t>Click to edit</a:t>
             </a:r>
-            <a:endParaRPr lang="en-US" dirty="0"/>
           </a:p>
         </p:txBody>
       </p:sp>
@@ -13838,10 +13600,9 @@
           <a:p>
             <a:pPr lvl="0"/>
             <a:r>
-              <a:rPr lang="en-US" dirty="0" smtClean="0"/>
+              <a:rPr lang="en-US" dirty="0"/>
               <a:t>Click to edit Master text styles</a:t>
             </a:r>
-            <a:endParaRPr lang="en-US" dirty="0"/>
           </a:p>
         </p:txBody>
       </p:sp>
@@ -13923,10 +13684,9 @@
           <a:p>
             <a:pPr lvl="0"/>
             <a:r>
-              <a:rPr lang="en-US" dirty="0" smtClean="0"/>
+              <a:rPr lang="en-US" dirty="0"/>
               <a:t>Click to edit Master text styles</a:t>
             </a:r>
-            <a:endParaRPr lang="en-US" dirty="0"/>
           </a:p>
         </p:txBody>
       </p:sp>
@@ -14008,10 +13768,9 @@
           <a:p>
             <a:pPr lvl="0"/>
             <a:r>
-              <a:rPr lang="en-US" dirty="0" smtClean="0"/>
+              <a:rPr lang="en-US" dirty="0"/>
               <a:t>Click to edit Master text styles</a:t>
             </a:r>
-            <a:endParaRPr lang="en-US" dirty="0"/>
           </a:p>
         </p:txBody>
       </p:sp>
@@ -14050,14 +13809,14 @@
           </a:ln>
           <a:extLst>
             <a:ext uri="{909E8E84-426E-40dd-AFC4-6F175D3DCCD1}">
-              <a14:hiddenFill xmlns:a14="http://schemas.microsoft.com/office/drawing/2010/main">
+              <a14:hiddenFill xmlns:a14="http://schemas.microsoft.com/office/drawing/2010/main" xmlns="">
                 <a:solidFill>
                   <a:srgbClr val="FFFFFF"/>
                 </a:solidFill>
               </a14:hiddenFill>
             </a:ext>
             <a:ext uri="{91240B29-F687-4f45-9708-019B960494DF}">
-              <a14:hiddenLine xmlns:a14="http://schemas.microsoft.com/office/drawing/2010/main" w="9525">
+              <a14:hiddenLine xmlns:a14="http://schemas.microsoft.com/office/drawing/2010/main" xmlns="" w="9525">
                 <a:solidFill>
                   <a:srgbClr val="000000"/>
                 </a:solidFill>
@@ -14140,7 +13899,7 @@
                 </a:lnSpc>
               </a:pPr>
               <a:r>
-                <a:rPr lang="en-US" sz="1100" dirty="0" smtClean="0">
+                <a:rPr lang="en-US" sz="1100" dirty="0">
                   <a:solidFill>
                     <a:schemeClr val="accent1"/>
                   </a:solidFill>
@@ -14149,13 +13908,6 @@
                 </a:rPr>
                 <a:t>Global Technology Education</a:t>
               </a:r>
-              <a:endParaRPr lang="en-US" sz="1100" dirty="0">
-                <a:solidFill>
-                  <a:schemeClr val="accent1"/>
-                </a:solidFill>
-                <a:latin typeface="Arial"/>
-                <a:cs typeface="Arial"/>
-              </a:endParaRPr>
             </a:p>
           </p:txBody>
         </p:sp>
@@ -14170,13 +13922,6 @@
   <p:clrMapOvr>
     <a:masterClrMapping/>
   </p:clrMapOvr>
-  <p:timing>
-    <p:tnLst>
-      <p:par>
-        <p:cTn xmlns:p14="http://schemas.microsoft.com/office/powerpoint/2010/main" id="1" dur="indefinite" restart="never" nodeType="tmRoot"/>
-      </p:par>
-    </p:tnLst>
-  </p:timing>
 </p:sldLayout>
 </file>
 
@@ -14232,10 +13977,9 @@
           </a:lstStyle>
           <a:p>
             <a:r>
-              <a:rPr lang="en-US" dirty="0" smtClean="0"/>
+              <a:rPr lang="en-US" dirty="0"/>
               <a:t>Click to edit Master title style</a:t>
             </a:r>
-            <a:endParaRPr lang="en-US" dirty="0"/>
           </a:p>
         </p:txBody>
       </p:sp>
@@ -14316,7 +14060,7 @@
           <a:p>
             <a:pPr lvl="0"/>
             <a:r>
-              <a:rPr lang="en-US" dirty="0" smtClean="0"/>
+              <a:rPr lang="en-US" dirty="0"/>
               <a:t>Click to edit Master text styles</a:t>
             </a:r>
           </a:p>
@@ -14399,14 +14143,14 @@
           <a:effectLst/>
           <a:extLst>
             <a:ext uri="{909E8E84-426E-40dd-AFC4-6F175D3DCCD1}">
-              <a14:hiddenFill xmlns:a14="http://schemas.microsoft.com/office/drawing/2010/main">
+              <a14:hiddenFill xmlns:a14="http://schemas.microsoft.com/office/drawing/2010/main" xmlns="">
                 <a:solidFill>
                   <a:srgbClr val="FFFFFF"/>
                 </a:solidFill>
               </a14:hiddenFill>
             </a:ext>
             <a:ext uri="{91240B29-F687-4f45-9708-019B960494DF}">
-              <a14:hiddenLine xmlns:a14="http://schemas.microsoft.com/office/drawing/2010/main" w="12700">
+              <a14:hiddenLine xmlns:a14="http://schemas.microsoft.com/office/drawing/2010/main" xmlns="" w="12700">
                 <a:solidFill>
                   <a:srgbClr val="000000"/>
                 </a:solidFill>
@@ -14416,7 +14160,7 @@
               </a14:hiddenLine>
             </a:ext>
             <a:ext uri="{AF507438-7753-43e0-B8FC-AC1667EBCBE1}">
-              <a14:hiddenEffects xmlns:a14="http://schemas.microsoft.com/office/drawing/2010/main">
+              <a14:hiddenEffects xmlns:a14="http://schemas.microsoft.com/office/drawing/2010/main" xmlns="">
                 <a:effectLst>
                   <a:outerShdw blurRad="63500" dist="38099" dir="2700000" algn="ctr" rotWithShape="0">
                     <a:srgbClr val="000000">
@@ -14450,7 +14194,7 @@
               <a:defRPr/>
             </a:pPr>
             <a:r>
-              <a:rPr lang="en-US" sz="700" b="0" i="0" kern="1200" dirty="0" smtClean="0">
+              <a:rPr lang="en-US" sz="700" b="0" i="0" kern="1200" dirty="0">
                 <a:solidFill>
                   <a:srgbClr val="A7A8A9"/>
                 </a:solidFill>
@@ -14461,7 +14205,7 @@
               </a:rPr>
               <a:t>© 2016 PayPal Inc. All rights reserved. Confidential and proprietary.</a:t>
             </a:r>
-            <a:endParaRPr lang="en-US" sz="700" b="0" i="0" kern="1200" dirty="0" smtClean="0">
+            <a:endParaRPr lang="en-US" sz="700" b="0" i="0" kern="1200" dirty="0">
               <a:solidFill>
                 <a:srgbClr val="A7A8A9"/>
               </a:solidFill>
@@ -14478,7 +14222,7 @@
               <a:defRPr/>
             </a:pPr>
             <a:r>
-              <a:rPr lang="en-US" sz="700" b="0" i="0" kern="1200" dirty="0" smtClean="0">
+              <a:rPr lang="en-US" sz="700" b="0" i="0" kern="1200" dirty="0">
                 <a:solidFill>
                   <a:srgbClr val="A7A8A9"/>
                 </a:solidFill>
@@ -14606,10 +14350,9 @@
           <a:p>
             <a:pPr lvl="0"/>
             <a:r>
-              <a:rPr lang="en-US" dirty="0" smtClean="0"/>
+              <a:rPr lang="en-US" dirty="0"/>
               <a:t>Click to edit Master text styles</a:t>
             </a:r>
-            <a:endParaRPr lang="en-US" dirty="0"/>
           </a:p>
         </p:txBody>
       </p:sp>
@@ -14677,10 +14420,9 @@
           <a:p>
             <a:pPr lvl="0"/>
             <a:r>
-              <a:rPr lang="en-US" dirty="0" smtClean="0"/>
+              <a:rPr lang="en-US" dirty="0"/>
               <a:t>Click to edit Master text styles</a:t>
             </a:r>
-            <a:endParaRPr lang="en-US" dirty="0"/>
           </a:p>
         </p:txBody>
       </p:sp>
@@ -14719,14 +14461,14 @@
           </a:ln>
           <a:extLst>
             <a:ext uri="{909E8E84-426E-40dd-AFC4-6F175D3DCCD1}">
-              <a14:hiddenFill xmlns:a14="http://schemas.microsoft.com/office/drawing/2010/main">
+              <a14:hiddenFill xmlns:a14="http://schemas.microsoft.com/office/drawing/2010/main" xmlns="">
                 <a:solidFill>
                   <a:srgbClr val="FFFFFF"/>
                 </a:solidFill>
               </a14:hiddenFill>
             </a:ext>
             <a:ext uri="{91240B29-F687-4f45-9708-019B960494DF}">
-              <a14:hiddenLine xmlns:a14="http://schemas.microsoft.com/office/drawing/2010/main" w="9525">
+              <a14:hiddenLine xmlns:a14="http://schemas.microsoft.com/office/drawing/2010/main" xmlns="" w="9525">
                 <a:solidFill>
                   <a:srgbClr val="000000"/>
                 </a:solidFill>
@@ -14809,7 +14551,7 @@
                 </a:lnSpc>
               </a:pPr>
               <a:r>
-                <a:rPr lang="en-US" sz="1100" dirty="0" smtClean="0">
+                <a:rPr lang="en-US" sz="1100" dirty="0">
                   <a:solidFill>
                     <a:schemeClr val="accent1"/>
                   </a:solidFill>
@@ -14818,13 +14560,6 @@
                 </a:rPr>
                 <a:t>Global Technology Education</a:t>
               </a:r>
-              <a:endParaRPr lang="en-US" sz="1100" dirty="0">
-                <a:solidFill>
-                  <a:schemeClr val="accent1"/>
-                </a:solidFill>
-                <a:latin typeface="Arial"/>
-                <a:cs typeface="Arial"/>
-              </a:endParaRPr>
             </a:p>
           </p:txBody>
         </p:sp>
@@ -14839,13 +14574,6 @@
   <p:clrMapOvr>
     <a:masterClrMapping/>
   </p:clrMapOvr>
-  <p:timing>
-    <p:tnLst>
-      <p:par>
-        <p:cTn xmlns:p14="http://schemas.microsoft.com/office/powerpoint/2010/main" id="1" dur="indefinite" restart="never" nodeType="tmRoot"/>
-      </p:par>
-    </p:tnLst>
-  </p:timing>
 </p:sldLayout>
 </file>
 
@@ -14901,10 +14629,9 @@
           </a:lstStyle>
           <a:p>
             <a:r>
-              <a:rPr lang="en-US" dirty="0" smtClean="0"/>
+              <a:rPr lang="en-US" dirty="0"/>
               <a:t>Click to edit Master title style</a:t>
             </a:r>
-            <a:endParaRPr lang="en-US" dirty="0"/>
           </a:p>
         </p:txBody>
       </p:sp>
@@ -14985,7 +14712,7 @@
           <a:p>
             <a:pPr lvl="0"/>
             <a:r>
-              <a:rPr lang="en-US" smtClean="0"/>
+              <a:rPr lang="en-US"/>
               <a:t>Click to edit Master text styles</a:t>
             </a:r>
           </a:p>
@@ -15068,14 +14795,14 @@
           <a:effectLst/>
           <a:extLst>
             <a:ext uri="{909E8E84-426E-40dd-AFC4-6F175D3DCCD1}">
-              <a14:hiddenFill xmlns:a14="http://schemas.microsoft.com/office/drawing/2010/main">
+              <a14:hiddenFill xmlns:a14="http://schemas.microsoft.com/office/drawing/2010/main" xmlns="">
                 <a:solidFill>
                   <a:srgbClr val="FFFFFF"/>
                 </a:solidFill>
               </a14:hiddenFill>
             </a:ext>
             <a:ext uri="{91240B29-F687-4f45-9708-019B960494DF}">
-              <a14:hiddenLine xmlns:a14="http://schemas.microsoft.com/office/drawing/2010/main" w="12700">
+              <a14:hiddenLine xmlns:a14="http://schemas.microsoft.com/office/drawing/2010/main" xmlns="" w="12700">
                 <a:solidFill>
                   <a:srgbClr val="000000"/>
                 </a:solidFill>
@@ -15085,7 +14812,7 @@
               </a14:hiddenLine>
             </a:ext>
             <a:ext uri="{AF507438-7753-43e0-B8FC-AC1667EBCBE1}">
-              <a14:hiddenEffects xmlns:a14="http://schemas.microsoft.com/office/drawing/2010/main">
+              <a14:hiddenEffects xmlns:a14="http://schemas.microsoft.com/office/drawing/2010/main" xmlns="">
                 <a:effectLst>
                   <a:outerShdw blurRad="63500" dist="38099" dir="2700000" algn="ctr" rotWithShape="0">
                     <a:srgbClr val="000000">
@@ -15119,7 +14846,7 @@
               <a:defRPr/>
             </a:pPr>
             <a:r>
-              <a:rPr lang="en-US" sz="700" b="0" i="0" kern="1200" dirty="0" smtClean="0">
+              <a:rPr lang="en-US" sz="700" b="0" i="0" kern="1200" dirty="0">
                 <a:solidFill>
                   <a:srgbClr val="A7A8A9"/>
                 </a:solidFill>
@@ -15130,7 +14857,7 @@
               </a:rPr>
               <a:t>© 2016 PayPal Inc. All rights reserved. Confidential and proprietary.</a:t>
             </a:r>
-            <a:endParaRPr lang="en-US" sz="700" b="0" i="0" kern="1200" dirty="0" smtClean="0">
+            <a:endParaRPr lang="en-US" sz="700" b="0" i="0" kern="1200" dirty="0">
               <a:solidFill>
                 <a:srgbClr val="A7A8A9"/>
               </a:solidFill>
@@ -15147,7 +14874,7 @@
               <a:defRPr/>
             </a:pPr>
             <a:r>
-              <a:rPr lang="en-US" sz="700" b="0" i="0" kern="1200" dirty="0" smtClean="0">
+              <a:rPr lang="en-US" sz="700" b="0" i="0" kern="1200" dirty="0">
                 <a:solidFill>
                   <a:srgbClr val="A7A8A9"/>
                 </a:solidFill>
@@ -15275,10 +15002,9 @@
           <a:p>
             <a:pPr lvl="0"/>
             <a:r>
-              <a:rPr lang="en-US" dirty="0" smtClean="0"/>
+              <a:rPr lang="en-US" dirty="0"/>
               <a:t>Click to edit Master text styles</a:t>
             </a:r>
-            <a:endParaRPr lang="en-US" dirty="0"/>
           </a:p>
         </p:txBody>
       </p:sp>
@@ -15317,14 +15043,14 @@
           </a:ln>
           <a:extLst>
             <a:ext uri="{909E8E84-426E-40dd-AFC4-6F175D3DCCD1}">
-              <a14:hiddenFill xmlns:a14="http://schemas.microsoft.com/office/drawing/2010/main">
+              <a14:hiddenFill xmlns:a14="http://schemas.microsoft.com/office/drawing/2010/main" xmlns="">
                 <a:solidFill>
                   <a:srgbClr val="FFFFFF"/>
                 </a:solidFill>
               </a14:hiddenFill>
             </a:ext>
             <a:ext uri="{91240B29-F687-4f45-9708-019B960494DF}">
-              <a14:hiddenLine xmlns:a14="http://schemas.microsoft.com/office/drawing/2010/main" w="9525">
+              <a14:hiddenLine xmlns:a14="http://schemas.microsoft.com/office/drawing/2010/main" xmlns="" w="9525">
                 <a:solidFill>
                   <a:srgbClr val="000000"/>
                 </a:solidFill>
@@ -15407,7 +15133,7 @@
                 </a:lnSpc>
               </a:pPr>
               <a:r>
-                <a:rPr lang="en-US" sz="1100" dirty="0" smtClean="0">
+                <a:rPr lang="en-US" sz="1100" dirty="0">
                   <a:solidFill>
                     <a:schemeClr val="accent1"/>
                   </a:solidFill>
@@ -15416,13 +15142,6 @@
                 </a:rPr>
                 <a:t>Global Technology Education</a:t>
               </a:r>
-              <a:endParaRPr lang="en-US" sz="1100" dirty="0">
-                <a:solidFill>
-                  <a:schemeClr val="accent1"/>
-                </a:solidFill>
-                <a:latin typeface="Arial"/>
-                <a:cs typeface="Arial"/>
-              </a:endParaRPr>
             </a:p>
           </p:txBody>
         </p:sp>
@@ -15437,13 +15156,6 @@
   <p:clrMapOvr>
     <a:masterClrMapping/>
   </p:clrMapOvr>
-  <p:timing>
-    <p:tnLst>
-      <p:par>
-        <p:cTn xmlns:p14="http://schemas.microsoft.com/office/powerpoint/2010/main" id="1" dur="indefinite" restart="never" nodeType="tmRoot"/>
-      </p:par>
-    </p:tnLst>
-  </p:timing>
 </p:sldLayout>
 </file>
 
@@ -15599,7 +15311,7 @@
           <a:lstStyle/>
           <a:p>
             <a:pPr algn="ctr"/>
-            <a:endParaRPr lang="en-US" dirty="0" err="1" smtClean="0">
+            <a:endParaRPr lang="en-US" dirty="0" err="1">
               <a:latin typeface="Arial"/>
               <a:cs typeface="Arial"/>
             </a:endParaRPr>
@@ -15676,7 +15388,7 @@
           <a:p>
             <a:pPr lvl="0"/>
             <a:r>
-              <a:rPr lang="en-US" dirty="0" smtClean="0"/>
+              <a:rPr lang="en-US" dirty="0"/>
               <a:t>Click to edit Master text styles</a:t>
             </a:r>
           </a:p>
@@ -15759,14 +15471,14 @@
           <a:effectLst/>
           <a:extLst>
             <a:ext uri="{909E8E84-426E-40dd-AFC4-6F175D3DCCD1}">
-              <a14:hiddenFill xmlns:a14="http://schemas.microsoft.com/office/drawing/2010/main">
+              <a14:hiddenFill xmlns:a14="http://schemas.microsoft.com/office/drawing/2010/main" xmlns="">
                 <a:solidFill>
                   <a:srgbClr val="FFFFFF"/>
                 </a:solidFill>
               </a14:hiddenFill>
             </a:ext>
             <a:ext uri="{91240B29-F687-4f45-9708-019B960494DF}">
-              <a14:hiddenLine xmlns:a14="http://schemas.microsoft.com/office/drawing/2010/main" w="12700">
+              <a14:hiddenLine xmlns:a14="http://schemas.microsoft.com/office/drawing/2010/main" xmlns="" w="12700">
                 <a:solidFill>
                   <a:srgbClr val="000000"/>
                 </a:solidFill>
@@ -15776,7 +15488,7 @@
               </a14:hiddenLine>
             </a:ext>
             <a:ext uri="{AF507438-7753-43e0-B8FC-AC1667EBCBE1}">
-              <a14:hiddenEffects xmlns:a14="http://schemas.microsoft.com/office/drawing/2010/main">
+              <a14:hiddenEffects xmlns:a14="http://schemas.microsoft.com/office/drawing/2010/main" xmlns="">
                 <a:effectLst>
                   <a:outerShdw blurRad="63500" dist="38099" dir="2700000" algn="ctr" rotWithShape="0">
                     <a:srgbClr val="000000">
@@ -15810,7 +15522,7 @@
               <a:defRPr/>
             </a:pPr>
             <a:r>
-              <a:rPr lang="en-US" sz="700" b="0" i="0" kern="1200" dirty="0" smtClean="0">
+              <a:rPr lang="en-US" sz="700" b="0" i="0" kern="1200" dirty="0">
                 <a:solidFill>
                   <a:schemeClr val="bg1"/>
                 </a:solidFill>
@@ -15821,7 +15533,7 @@
               </a:rPr>
               <a:t>© 2016 PayPal Inc. All rights reserved. Confidential and proprietary.</a:t>
             </a:r>
-            <a:endParaRPr lang="en-US" sz="700" b="0" i="0" kern="1200" dirty="0" smtClean="0">
+            <a:endParaRPr lang="en-US" sz="700" b="0" i="0" kern="1200" dirty="0">
               <a:solidFill>
                 <a:schemeClr val="bg1"/>
               </a:solidFill>
@@ -15838,7 +15550,7 @@
               <a:defRPr/>
             </a:pPr>
             <a:r>
-              <a:rPr lang="en-US" sz="700" b="0" i="0" kern="1200" dirty="0" smtClean="0">
+              <a:rPr lang="en-US" sz="700" b="0" i="0" kern="1200" dirty="0">
                 <a:solidFill>
                   <a:srgbClr val="A7A8A9"/>
                 </a:solidFill>
@@ -15979,7 +15691,7 @@
           <a:p>
             <a:pPr lvl="0"/>
             <a:r>
-              <a:rPr lang="en-US" dirty="0" smtClean="0"/>
+              <a:rPr lang="en-US" dirty="0"/>
               <a:t>Click to edit Master text styles</a:t>
             </a:r>
           </a:p>
@@ -16086,7 +15798,7 @@
                 </a:lnSpc>
               </a:pPr>
               <a:r>
-                <a:rPr lang="en-US" sz="1100" dirty="0" smtClean="0">
+                <a:rPr lang="en-US" sz="1100" dirty="0">
                   <a:solidFill>
                     <a:schemeClr val="bg1"/>
                   </a:solidFill>
@@ -16095,13 +15807,6 @@
                 </a:rPr>
                 <a:t>Global Technology Education</a:t>
               </a:r>
-              <a:endParaRPr lang="en-US" sz="1100" dirty="0">
-                <a:solidFill>
-                  <a:schemeClr val="bg1"/>
-                </a:solidFill>
-                <a:latin typeface="Arial"/>
-                <a:cs typeface="Arial"/>
-              </a:endParaRPr>
             </a:p>
           </p:txBody>
         </p:sp>
@@ -16116,13 +15821,6 @@
   <p:clrMapOvr>
     <a:masterClrMapping/>
   </p:clrMapOvr>
-  <p:timing>
-    <p:tnLst>
-      <p:par>
-        <p:cTn xmlns:p14="http://schemas.microsoft.com/office/powerpoint/2010/main" id="1" dur="indefinite" restart="never" nodeType="tmRoot"/>
-      </p:par>
-    </p:tnLst>
-  </p:timing>
 </p:sldLayout>
 </file>
 
@@ -16278,7 +15976,7 @@
           <a:lstStyle/>
           <a:p>
             <a:pPr algn="ctr"/>
-            <a:endParaRPr lang="en-US" dirty="0" err="1" smtClean="0">
+            <a:endParaRPr lang="en-US" dirty="0" err="1">
               <a:latin typeface="Arial"/>
               <a:cs typeface="Arial"/>
             </a:endParaRPr>
@@ -16355,21 +16053,21 @@
           <a:p>
             <a:pPr lvl="0"/>
             <a:r>
-              <a:rPr lang="en-US" dirty="0" smtClean="0"/>
+              <a:rPr lang="en-US" dirty="0"/>
               <a:t>Click to edit Master text styles</a:t>
             </a:r>
           </a:p>
           <a:p>
             <a:pPr lvl="1"/>
             <a:r>
-              <a:rPr lang="en-US" dirty="0" smtClean="0"/>
+              <a:rPr lang="en-US" dirty="0"/>
               <a:t>Second level</a:t>
             </a:r>
           </a:p>
           <a:p>
             <a:pPr lvl="2"/>
             <a:r>
-              <a:rPr lang="en-US" dirty="0" smtClean="0"/>
+              <a:rPr lang="en-US" dirty="0"/>
               <a:t>Third level</a:t>
             </a:r>
           </a:p>
@@ -16452,14 +16150,14 @@
           <a:effectLst/>
           <a:extLst>
             <a:ext uri="{909E8E84-426E-40dd-AFC4-6F175D3DCCD1}">
-              <a14:hiddenFill xmlns:a14="http://schemas.microsoft.com/office/drawing/2010/main">
+              <a14:hiddenFill xmlns:a14="http://schemas.microsoft.com/office/drawing/2010/main" xmlns="">
                 <a:solidFill>
                   <a:srgbClr val="FFFFFF"/>
                 </a:solidFill>
               </a14:hiddenFill>
             </a:ext>
             <a:ext uri="{91240B29-F687-4f45-9708-019B960494DF}">
-              <a14:hiddenLine xmlns:a14="http://schemas.microsoft.com/office/drawing/2010/main" w="12700">
+              <a14:hiddenLine xmlns:a14="http://schemas.microsoft.com/office/drawing/2010/main" xmlns="" w="12700">
                 <a:solidFill>
                   <a:srgbClr val="000000"/>
                 </a:solidFill>
@@ -16469,7 +16167,7 @@
               </a14:hiddenLine>
             </a:ext>
             <a:ext uri="{AF507438-7753-43e0-B8FC-AC1667EBCBE1}">
-              <a14:hiddenEffects xmlns:a14="http://schemas.microsoft.com/office/drawing/2010/main">
+              <a14:hiddenEffects xmlns:a14="http://schemas.microsoft.com/office/drawing/2010/main" xmlns="">
                 <a:effectLst>
                   <a:outerShdw blurRad="63500" dist="38099" dir="2700000" algn="ctr" rotWithShape="0">
                     <a:srgbClr val="000000">
@@ -16503,7 +16201,7 @@
               <a:defRPr/>
             </a:pPr>
             <a:r>
-              <a:rPr lang="en-US" sz="700" b="0" i="0" kern="1200" dirty="0" smtClean="0">
+              <a:rPr lang="en-US" sz="700" b="0" i="0" kern="1200" dirty="0">
                 <a:solidFill>
                   <a:schemeClr val="bg1"/>
                 </a:solidFill>
@@ -16514,7 +16212,7 @@
               </a:rPr>
               <a:t>© 2016 PayPal Inc. All rights reserved. Confidential and proprietary.</a:t>
             </a:r>
-            <a:endParaRPr lang="en-US" sz="700" b="0" i="0" kern="1200" dirty="0" smtClean="0">
+            <a:endParaRPr lang="en-US" sz="700" b="0" i="0" kern="1200" dirty="0">
               <a:solidFill>
                 <a:schemeClr val="bg1"/>
               </a:solidFill>
@@ -16531,7 +16229,7 @@
               <a:defRPr/>
             </a:pPr>
             <a:r>
-              <a:rPr lang="en-US" sz="700" b="0" i="0" kern="1200" dirty="0" smtClean="0">
+              <a:rPr lang="en-US" sz="700" b="0" i="0" kern="1200" dirty="0">
                 <a:solidFill>
                   <a:srgbClr val="A7A8A9"/>
                 </a:solidFill>
@@ -16696,7 +16394,7 @@
                 </a:lnSpc>
               </a:pPr>
               <a:r>
-                <a:rPr lang="en-US" sz="1100" dirty="0" smtClean="0">
+                <a:rPr lang="en-US" sz="1100" dirty="0">
                   <a:solidFill>
                     <a:schemeClr val="bg1"/>
                   </a:solidFill>
@@ -16705,13 +16403,6 @@
                 </a:rPr>
                 <a:t>Global Technology Education</a:t>
               </a:r>
-              <a:endParaRPr lang="en-US" sz="1100" dirty="0">
-                <a:solidFill>
-                  <a:schemeClr val="bg1"/>
-                </a:solidFill>
-                <a:latin typeface="Arial"/>
-                <a:cs typeface="Arial"/>
-              </a:endParaRPr>
             </a:p>
           </p:txBody>
         </p:sp>
@@ -16726,13 +16417,6 @@
   <p:clrMapOvr>
     <a:masterClrMapping/>
   </p:clrMapOvr>
-  <p:timing>
-    <p:tnLst>
-      <p:par>
-        <p:cTn xmlns:p14="http://schemas.microsoft.com/office/powerpoint/2010/main" id="1" dur="indefinite" restart="never" nodeType="tmRoot"/>
-      </p:par>
-    </p:tnLst>
-  </p:timing>
 </p:sldLayout>
 </file>
 
@@ -16831,7 +16515,7 @@
           <a:p>
             <a:pPr lvl="0"/>
             <a:r>
-              <a:rPr lang="en-US" dirty="0" smtClean="0"/>
+              <a:rPr lang="en-US" dirty="0"/>
               <a:t>Click to edit Master text styles</a:t>
             </a:r>
           </a:p>
@@ -16914,14 +16598,14 @@
           <a:effectLst/>
           <a:extLst>
             <a:ext uri="{909E8E84-426E-40dd-AFC4-6F175D3DCCD1}">
-              <a14:hiddenFill xmlns:a14="http://schemas.microsoft.com/office/drawing/2010/main">
+              <a14:hiddenFill xmlns:a14="http://schemas.microsoft.com/office/drawing/2010/main" xmlns="">
                 <a:solidFill>
                   <a:srgbClr val="FFFFFF"/>
                 </a:solidFill>
               </a14:hiddenFill>
             </a:ext>
             <a:ext uri="{91240B29-F687-4f45-9708-019B960494DF}">
-              <a14:hiddenLine xmlns:a14="http://schemas.microsoft.com/office/drawing/2010/main" w="12700">
+              <a14:hiddenLine xmlns:a14="http://schemas.microsoft.com/office/drawing/2010/main" xmlns="" w="12700">
                 <a:solidFill>
                   <a:srgbClr val="000000"/>
                 </a:solidFill>
@@ -16931,7 +16615,7 @@
               </a14:hiddenLine>
             </a:ext>
             <a:ext uri="{AF507438-7753-43e0-B8FC-AC1667EBCBE1}">
-              <a14:hiddenEffects xmlns:a14="http://schemas.microsoft.com/office/drawing/2010/main">
+              <a14:hiddenEffects xmlns:a14="http://schemas.microsoft.com/office/drawing/2010/main" xmlns="">
                 <a:effectLst>
                   <a:outerShdw blurRad="63500" dist="38099" dir="2700000" algn="ctr" rotWithShape="0">
                     <a:srgbClr val="000000">
@@ -16965,7 +16649,7 @@
               <a:defRPr/>
             </a:pPr>
             <a:r>
-              <a:rPr lang="en-US" sz="700" b="0" i="0" kern="1200" dirty="0" smtClean="0">
+              <a:rPr lang="en-US" sz="700" b="0" i="0" kern="1200" dirty="0">
                 <a:solidFill>
                   <a:schemeClr val="bg1"/>
                 </a:solidFill>
@@ -16976,7 +16660,7 @@
               </a:rPr>
               <a:t>© 2016 PayPal Inc. All rights reserved. Confidential and proprietary.</a:t>
             </a:r>
-            <a:endParaRPr lang="en-US" sz="700" b="0" i="0" kern="1200" dirty="0" smtClean="0">
+            <a:endParaRPr lang="en-US" sz="700" b="0" i="0" kern="1200" dirty="0">
               <a:solidFill>
                 <a:schemeClr val="bg1"/>
               </a:solidFill>
@@ -16993,7 +16677,7 @@
               <a:defRPr/>
             </a:pPr>
             <a:r>
-              <a:rPr lang="en-US" sz="700" b="0" i="0" kern="1200" dirty="0" smtClean="0">
+              <a:rPr lang="en-US" sz="700" b="0" i="0" kern="1200" dirty="0">
                 <a:solidFill>
                   <a:srgbClr val="A7A8A9"/>
                 </a:solidFill>
@@ -17158,7 +16842,7 @@
                 </a:lnSpc>
               </a:pPr>
               <a:r>
-                <a:rPr lang="en-US" sz="1100" dirty="0" smtClean="0">
+                <a:rPr lang="en-US" sz="1100" dirty="0">
                   <a:solidFill>
                     <a:schemeClr val="bg1"/>
                   </a:solidFill>
@@ -17167,13 +16851,6 @@
                 </a:rPr>
                 <a:t>Global Technology Education</a:t>
               </a:r>
-              <a:endParaRPr lang="en-US" sz="1100" dirty="0">
-                <a:solidFill>
-                  <a:schemeClr val="bg1"/>
-                </a:solidFill>
-                <a:latin typeface="Arial"/>
-                <a:cs typeface="Arial"/>
-              </a:endParaRPr>
             </a:p>
           </p:txBody>
         </p:sp>
@@ -17188,13 +16865,6 @@
   <p:clrMapOvr>
     <a:masterClrMapping/>
   </p:clrMapOvr>
-  <p:timing>
-    <p:tnLst>
-      <p:par>
-        <p:cTn xmlns:p14="http://schemas.microsoft.com/office/powerpoint/2010/main" id="1" dur="indefinite" restart="never" nodeType="tmRoot"/>
-      </p:par>
-    </p:tnLst>
-  </p:timing>
 </p:sldLayout>
 </file>
 
@@ -17300,14 +16970,14 @@
           <a:effectLst/>
           <a:extLst>
             <a:ext uri="{909E8E84-426E-40dd-AFC4-6F175D3DCCD1}">
-              <a14:hiddenFill xmlns:a14="http://schemas.microsoft.com/office/drawing/2010/main">
+              <a14:hiddenFill xmlns:a14="http://schemas.microsoft.com/office/drawing/2010/main" xmlns="">
                 <a:solidFill>
                   <a:srgbClr val="FFFFFF"/>
                 </a:solidFill>
               </a14:hiddenFill>
             </a:ext>
             <a:ext uri="{91240B29-F687-4f45-9708-019B960494DF}">
-              <a14:hiddenLine xmlns:a14="http://schemas.microsoft.com/office/drawing/2010/main" w="12700">
+              <a14:hiddenLine xmlns:a14="http://schemas.microsoft.com/office/drawing/2010/main" xmlns="" w="12700">
                 <a:solidFill>
                   <a:srgbClr val="000000"/>
                 </a:solidFill>
@@ -17317,7 +16987,7 @@
               </a14:hiddenLine>
             </a:ext>
             <a:ext uri="{AF507438-7753-43e0-B8FC-AC1667EBCBE1}">
-              <a14:hiddenEffects xmlns:a14="http://schemas.microsoft.com/office/drawing/2010/main">
+              <a14:hiddenEffects xmlns:a14="http://schemas.microsoft.com/office/drawing/2010/main" xmlns="">
                 <a:effectLst>
                   <a:outerShdw blurRad="63500" dist="38099" dir="2700000" algn="ctr" rotWithShape="0">
                     <a:srgbClr val="000000">
@@ -17351,7 +17021,7 @@
               <a:defRPr/>
             </a:pPr>
             <a:r>
-              <a:rPr lang="en-US" sz="700" b="0" i="0" kern="1200" dirty="0" smtClean="0">
+              <a:rPr lang="en-US" sz="700" b="0" i="0" kern="1200" dirty="0">
                 <a:solidFill>
                   <a:schemeClr val="bg1"/>
                 </a:solidFill>
@@ -17362,7 +17032,7 @@
               </a:rPr>
               <a:t>© 2016 PayPal Inc. All rights reserved. Confidential and proprietary.</a:t>
             </a:r>
-            <a:endParaRPr lang="en-US" sz="700" b="0" i="0" kern="1200" dirty="0" smtClean="0">
+            <a:endParaRPr lang="en-US" sz="700" b="0" i="0" kern="1200" dirty="0">
               <a:solidFill>
                 <a:schemeClr val="bg1"/>
               </a:solidFill>
@@ -17379,7 +17049,7 @@
               <a:defRPr/>
             </a:pPr>
             <a:r>
-              <a:rPr lang="en-US" sz="700" b="0" i="0" kern="1200" dirty="0" smtClean="0">
+              <a:rPr lang="en-US" sz="700" b="0" i="0" kern="1200" dirty="0">
                 <a:solidFill>
                   <a:srgbClr val="A7A8A9"/>
                 </a:solidFill>
@@ -17478,10 +17148,9 @@
           </a:lstStyle>
           <a:p>
             <a:r>
-              <a:rPr lang="en-US" dirty="0" smtClean="0"/>
+              <a:rPr lang="en-US" dirty="0"/>
               <a:t>Click to edit Master title style</a:t>
             </a:r>
-            <a:endParaRPr lang="en-US" dirty="0"/>
           </a:p>
         </p:txBody>
       </p:sp>
@@ -17549,10 +17218,9 @@
           <a:p>
             <a:pPr lvl="0"/>
             <a:r>
-              <a:rPr lang="en-US" dirty="0" smtClean="0"/>
+              <a:rPr lang="en-US" dirty="0"/>
               <a:t>Click to edit Master text styles</a:t>
             </a:r>
-            <a:endParaRPr lang="en-US" dirty="0"/>
           </a:p>
         </p:txBody>
       </p:sp>
@@ -17633,7 +17301,7 @@
           <a:p>
             <a:pPr lvl="0"/>
             <a:r>
-              <a:rPr lang="en-US" dirty="0" smtClean="0"/>
+              <a:rPr lang="en-US" dirty="0"/>
               <a:t>Click to edit Master text styles</a:t>
             </a:r>
           </a:p>
@@ -17740,7 +17408,7 @@
                 </a:lnSpc>
               </a:pPr>
               <a:r>
-                <a:rPr lang="en-US" sz="1100" dirty="0" smtClean="0">
+                <a:rPr lang="en-US" sz="1100" dirty="0">
                   <a:solidFill>
                     <a:schemeClr val="bg1"/>
                   </a:solidFill>
@@ -17749,13 +17417,6 @@
                 </a:rPr>
                 <a:t>Global Technology Education</a:t>
               </a:r>
-              <a:endParaRPr lang="en-US" sz="1100" dirty="0">
-                <a:solidFill>
-                  <a:schemeClr val="bg1"/>
-                </a:solidFill>
-                <a:latin typeface="Arial"/>
-                <a:cs typeface="Arial"/>
-              </a:endParaRPr>
             </a:p>
           </p:txBody>
         </p:sp>
@@ -17770,13 +17431,6 @@
   <p:clrMapOvr>
     <a:masterClrMapping/>
   </p:clrMapOvr>
-  <p:timing>
-    <p:tnLst>
-      <p:par>
-        <p:cTn xmlns:p14="http://schemas.microsoft.com/office/powerpoint/2010/main" id="1" dur="indefinite" restart="never" nodeType="tmRoot"/>
-      </p:par>
-    </p:tnLst>
-  </p:timing>
 </p:sldLayout>
 </file>
 
@@ -17911,14 +17565,14 @@
           <a:effectLst/>
           <a:extLst>
             <a:ext uri="{909E8E84-426E-40dd-AFC4-6F175D3DCCD1}">
-              <a14:hiddenFill xmlns:a14="http://schemas.microsoft.com/office/drawing/2010/main">
+              <a14:hiddenFill xmlns:a14="http://schemas.microsoft.com/office/drawing/2010/main" xmlns="">
                 <a:solidFill>
                   <a:srgbClr val="FFFFFF"/>
                 </a:solidFill>
               </a14:hiddenFill>
             </a:ext>
             <a:ext uri="{91240B29-F687-4f45-9708-019B960494DF}">
-              <a14:hiddenLine xmlns:a14="http://schemas.microsoft.com/office/drawing/2010/main" w="12700">
+              <a14:hiddenLine xmlns:a14="http://schemas.microsoft.com/office/drawing/2010/main" xmlns="" w="12700">
                 <a:solidFill>
                   <a:srgbClr val="000000"/>
                 </a:solidFill>
@@ -17928,7 +17582,7 @@
               </a14:hiddenLine>
             </a:ext>
             <a:ext uri="{AF507438-7753-43e0-B8FC-AC1667EBCBE1}">
-              <a14:hiddenEffects xmlns:a14="http://schemas.microsoft.com/office/drawing/2010/main">
+              <a14:hiddenEffects xmlns:a14="http://schemas.microsoft.com/office/drawing/2010/main" xmlns="">
                 <a:effectLst>
                   <a:outerShdw blurRad="63500" dist="38099" dir="2700000" algn="ctr" rotWithShape="0">
                     <a:srgbClr val="000000">
@@ -17962,7 +17616,7 @@
               <a:defRPr/>
             </a:pPr>
             <a:r>
-              <a:rPr lang="en-US" sz="700" b="0" i="0" dirty="0" smtClean="0">
+              <a:rPr lang="en-US" sz="700" b="0" i="0" dirty="0">
                 <a:solidFill>
                   <a:srgbClr val="FFFFFF"/>
                 </a:solidFill>
@@ -17973,7 +17627,7 @@
               <a:t>© 2016 PayPal Inc. All rights reserved.</a:t>
             </a:r>
             <a:r>
-              <a:rPr lang="en-US" sz="700" b="0" i="0" baseline="0" dirty="0" smtClean="0">
+              <a:rPr lang="en-US" sz="700" b="0" i="0" baseline="0" dirty="0">
                 <a:solidFill>
                   <a:srgbClr val="FFFFFF"/>
                 </a:solidFill>
@@ -17984,7 +17638,7 @@
               <a:t> Confidential and proprietary</a:t>
             </a:r>
             <a:r>
-              <a:rPr lang="en-US" sz="700" b="0" i="0" dirty="0" smtClean="0">
+              <a:rPr lang="en-US" sz="700" b="0" i="0" dirty="0">
                 <a:solidFill>
                   <a:srgbClr val="FFFFFF"/>
                 </a:solidFill>
@@ -18074,21 +17728,21 @@
           <a:p>
             <a:pPr lvl="0"/>
             <a:r>
-              <a:rPr lang="en-US" dirty="0" smtClean="0"/>
+              <a:rPr lang="en-US" dirty="0"/>
               <a:t>Click to edit Master text styles</a:t>
             </a:r>
           </a:p>
           <a:p>
             <a:pPr lvl="1"/>
             <a:r>
-              <a:rPr lang="en-US" dirty="0" smtClean="0"/>
+              <a:rPr lang="en-US" dirty="0"/>
               <a:t>Second level</a:t>
             </a:r>
           </a:p>
           <a:p>
             <a:pPr lvl="2"/>
             <a:r>
-              <a:rPr lang="en-US" dirty="0" smtClean="0"/>
+              <a:rPr lang="en-US" dirty="0"/>
               <a:t>Third level</a:t>
             </a:r>
           </a:p>
@@ -18195,7 +17849,7 @@
                 </a:lnSpc>
               </a:pPr>
               <a:r>
-                <a:rPr lang="en-US" sz="1100" dirty="0" smtClean="0">
+                <a:rPr lang="en-US" sz="1100" dirty="0">
                   <a:solidFill>
                     <a:schemeClr val="bg1"/>
                   </a:solidFill>
@@ -18204,13 +17858,6 @@
                 </a:rPr>
                 <a:t>Global Technology Education</a:t>
               </a:r>
-              <a:endParaRPr lang="en-US" sz="1100" dirty="0">
-                <a:solidFill>
-                  <a:schemeClr val="bg1"/>
-                </a:solidFill>
-                <a:latin typeface="Arial"/>
-                <a:cs typeface="Arial"/>
-              </a:endParaRPr>
             </a:p>
           </p:txBody>
         </p:sp>
@@ -18225,13 +17872,6 @@
   <p:clrMapOvr>
     <a:masterClrMapping/>
   </p:clrMapOvr>
-  <p:timing>
-    <p:tnLst>
-      <p:par>
-        <p:cTn xmlns:p14="http://schemas.microsoft.com/office/powerpoint/2010/main" id="1" dur="indefinite" restart="never" nodeType="tmRoot"/>
-      </p:par>
-    </p:tnLst>
-  </p:timing>
 </p:sldLayout>
 </file>
 
@@ -18495,7 +18135,7 @@
           <a:p>
             <a:pPr lvl="0"/>
             <a:r>
-              <a:rPr lang="en-US" dirty="0" smtClean="0"/>
+              <a:rPr lang="en-US" dirty="0"/>
               <a:t>Click</a:t>
             </a:r>
           </a:p>
@@ -18554,7 +18194,7 @@
           <a:p>
             <a:pPr lvl="0"/>
             <a:r>
-              <a:rPr lang="en-US" dirty="0" smtClean="0"/>
+              <a:rPr lang="en-US" dirty="0"/>
               <a:t>Click</a:t>
             </a:r>
           </a:p>
@@ -18637,7 +18277,7 @@
           <a:p>
             <a:pPr lvl="0"/>
             <a:r>
-              <a:rPr lang="en-US" dirty="0" smtClean="0"/>
+              <a:rPr lang="en-US" dirty="0"/>
               <a:t>Click to edit Master text styles</a:t>
             </a:r>
           </a:p>
@@ -18720,7 +18360,7 @@
           <a:p>
             <a:pPr lvl="0"/>
             <a:r>
-              <a:rPr lang="en-US" dirty="0" smtClean="0"/>
+              <a:rPr lang="en-US" dirty="0"/>
               <a:t>Click to edit Master text styles</a:t>
             </a:r>
           </a:p>
@@ -18803,14 +18443,14 @@
           <a:effectLst/>
           <a:extLst>
             <a:ext uri="{909E8E84-426E-40dd-AFC4-6F175D3DCCD1}">
-              <a14:hiddenFill xmlns:a14="http://schemas.microsoft.com/office/drawing/2010/main">
+              <a14:hiddenFill xmlns:a14="http://schemas.microsoft.com/office/drawing/2010/main" xmlns="">
                 <a:solidFill>
                   <a:srgbClr val="FFFFFF"/>
                 </a:solidFill>
               </a14:hiddenFill>
             </a:ext>
             <a:ext uri="{91240B29-F687-4f45-9708-019B960494DF}">
-              <a14:hiddenLine xmlns:a14="http://schemas.microsoft.com/office/drawing/2010/main" w="12700">
+              <a14:hiddenLine xmlns:a14="http://schemas.microsoft.com/office/drawing/2010/main" xmlns="" w="12700">
                 <a:solidFill>
                   <a:srgbClr val="000000"/>
                 </a:solidFill>
@@ -18820,7 +18460,7 @@
               </a14:hiddenLine>
             </a:ext>
             <a:ext uri="{AF507438-7753-43e0-B8FC-AC1667EBCBE1}">
-              <a14:hiddenEffects xmlns:a14="http://schemas.microsoft.com/office/drawing/2010/main">
+              <a14:hiddenEffects xmlns:a14="http://schemas.microsoft.com/office/drawing/2010/main" xmlns="">
                 <a:effectLst>
                   <a:outerShdw blurRad="63500" dist="38099" dir="2700000" algn="ctr" rotWithShape="0">
                     <a:srgbClr val="000000">
@@ -18854,7 +18494,7 @@
               <a:defRPr/>
             </a:pPr>
             <a:r>
-              <a:rPr lang="en-US" sz="700" b="0" i="0" kern="1200" dirty="0" smtClean="0">
+              <a:rPr lang="en-US" sz="700" b="0" i="0" kern="1200" dirty="0">
                 <a:solidFill>
                   <a:schemeClr val="bg1"/>
                 </a:solidFill>
@@ -18865,7 +18505,7 @@
               </a:rPr>
               <a:t>© 2016 PayPal Inc. All rights reserved. Confidential and proprietary.</a:t>
             </a:r>
-            <a:endParaRPr lang="en-US" sz="700" b="0" i="0" kern="1200" dirty="0" smtClean="0">
+            <a:endParaRPr lang="en-US" sz="700" b="0" i="0" kern="1200" dirty="0">
               <a:solidFill>
                 <a:schemeClr val="bg1"/>
               </a:solidFill>
@@ -18882,7 +18522,7 @@
               <a:defRPr/>
             </a:pPr>
             <a:r>
-              <a:rPr lang="en-US" sz="700" b="0" i="0" kern="1200" dirty="0" smtClean="0">
+              <a:rPr lang="en-US" sz="700" b="0" i="0" kern="1200" dirty="0">
                 <a:solidFill>
                   <a:srgbClr val="A7A8A9"/>
                 </a:solidFill>
@@ -18981,10 +18621,9 @@
           </a:lstStyle>
           <a:p>
             <a:r>
-              <a:rPr lang="en-US" dirty="0" smtClean="0"/>
+              <a:rPr lang="en-US" dirty="0"/>
               <a:t>Click to edit Master title style</a:t>
             </a:r>
-            <a:endParaRPr lang="en-US" dirty="0"/>
           </a:p>
         </p:txBody>
       </p:sp>
@@ -19065,7 +18704,7 @@
           <a:p>
             <a:pPr lvl="0"/>
             <a:r>
-              <a:rPr lang="en-US" dirty="0" smtClean="0"/>
+              <a:rPr lang="en-US" dirty="0"/>
               <a:t>Click to edit Master text styles</a:t>
             </a:r>
           </a:p>
@@ -19172,7 +18811,7 @@
                 </a:lnSpc>
               </a:pPr>
               <a:r>
-                <a:rPr lang="en-US" sz="1100" dirty="0" smtClean="0">
+                <a:rPr lang="en-US" sz="1100" dirty="0">
                   <a:solidFill>
                     <a:schemeClr val="bg1"/>
                   </a:solidFill>
@@ -19181,13 +18820,6 @@
                 </a:rPr>
                 <a:t>Global Technology Education</a:t>
               </a:r>
-              <a:endParaRPr lang="en-US" sz="1100" dirty="0">
-                <a:solidFill>
-                  <a:schemeClr val="bg1"/>
-                </a:solidFill>
-                <a:latin typeface="Arial"/>
-                <a:cs typeface="Arial"/>
-              </a:endParaRPr>
             </a:p>
           </p:txBody>
         </p:sp>
@@ -19202,13 +18834,6 @@
   <p:clrMapOvr>
     <a:masterClrMapping/>
   </p:clrMapOvr>
-  <p:timing>
-    <p:tnLst>
-      <p:par>
-        <p:cTn xmlns:p14="http://schemas.microsoft.com/office/powerpoint/2010/main" id="1" dur="indefinite" restart="never" nodeType="tmRoot"/>
-      </p:par>
-    </p:tnLst>
-  </p:timing>
 </p:sldLayout>
 </file>
 
@@ -19303,50 +18928,50 @@
           <a:p>
             <a:pPr lvl="0"/>
             <a:r>
-              <a:rPr lang="en-US" dirty="0" smtClean="0"/>
+              <a:rPr lang="en-US" dirty="0"/>
               <a:t>Click to edit Master text styles</a:t>
             </a:r>
           </a:p>
           <a:p>
             <a:pPr lvl="1"/>
             <a:r>
-              <a:rPr lang="en-US" dirty="0" smtClean="0"/>
+              <a:rPr lang="en-US" dirty="0"/>
               <a:t>Second level</a:t>
             </a:r>
           </a:p>
           <a:p>
             <a:pPr lvl="1"/>
-            <a:endParaRPr lang="en-US" dirty="0" smtClean="0"/>
+            <a:endParaRPr lang="en-US" dirty="0"/>
           </a:p>
           <a:p>
             <a:pPr lvl="1"/>
-            <a:endParaRPr lang="en-US" dirty="0" smtClean="0"/>
+            <a:endParaRPr lang="en-US" dirty="0"/>
           </a:p>
           <a:p>
             <a:pPr lvl="1"/>
-            <a:endParaRPr lang="en-US" dirty="0" smtClean="0"/>
+            <a:endParaRPr lang="en-US" dirty="0"/>
           </a:p>
           <a:p>
             <a:pPr lvl="1"/>
-            <a:endParaRPr lang="en-US" dirty="0" smtClean="0"/>
+            <a:endParaRPr lang="en-US" dirty="0"/>
           </a:p>
           <a:p>
             <a:pPr lvl="0"/>
             <a:r>
-              <a:rPr lang="en-US" dirty="0" smtClean="0"/>
+              <a:rPr lang="en-US" dirty="0"/>
               <a:t>Click to edit Master text styles</a:t>
             </a:r>
           </a:p>
           <a:p>
             <a:pPr lvl="1"/>
             <a:r>
-              <a:rPr lang="en-US" dirty="0" smtClean="0"/>
+              <a:rPr lang="en-US" dirty="0"/>
               <a:t>Second level</a:t>
             </a:r>
           </a:p>
           <a:p>
             <a:pPr lvl="1"/>
-            <a:endParaRPr lang="en-US" dirty="0" smtClean="0"/>
+            <a:endParaRPr lang="en-US" dirty="0"/>
           </a:p>
         </p:txBody>
       </p:sp>
@@ -19427,14 +19052,14 @@
           <a:effectLst/>
           <a:extLst>
             <a:ext uri="{909E8E84-426E-40dd-AFC4-6F175D3DCCD1}">
-              <a14:hiddenFill xmlns:a14="http://schemas.microsoft.com/office/drawing/2010/main">
+              <a14:hiddenFill xmlns:a14="http://schemas.microsoft.com/office/drawing/2010/main" xmlns="">
                 <a:solidFill>
                   <a:srgbClr val="FFFFFF"/>
                 </a:solidFill>
               </a14:hiddenFill>
             </a:ext>
             <a:ext uri="{91240B29-F687-4f45-9708-019B960494DF}">
-              <a14:hiddenLine xmlns:a14="http://schemas.microsoft.com/office/drawing/2010/main" w="12700">
+              <a14:hiddenLine xmlns:a14="http://schemas.microsoft.com/office/drawing/2010/main" xmlns="" w="12700">
                 <a:solidFill>
                   <a:srgbClr val="000000"/>
                 </a:solidFill>
@@ -19444,7 +19069,7 @@
               </a14:hiddenLine>
             </a:ext>
             <a:ext uri="{AF507438-7753-43e0-B8FC-AC1667EBCBE1}">
-              <a14:hiddenEffects xmlns:a14="http://schemas.microsoft.com/office/drawing/2010/main">
+              <a14:hiddenEffects xmlns:a14="http://schemas.microsoft.com/office/drawing/2010/main" xmlns="">
                 <a:effectLst>
                   <a:outerShdw blurRad="63500" dist="38099" dir="2700000" algn="ctr" rotWithShape="0">
                     <a:srgbClr val="000000">
@@ -19478,7 +19103,7 @@
               <a:defRPr/>
             </a:pPr>
             <a:r>
-              <a:rPr lang="en-US" sz="700" b="0" i="0" kern="1200" dirty="0" smtClean="0">
+              <a:rPr lang="en-US" sz="700" b="0" i="0" kern="1200" dirty="0">
                 <a:solidFill>
                   <a:schemeClr val="bg1"/>
                 </a:solidFill>
@@ -19490,7 +19115,7 @@
               <a:t>© 2016</a:t>
             </a:r>
             <a:r>
-              <a:rPr lang="en-US" sz="700" b="0" i="0" kern="1200" baseline="0" dirty="0" smtClean="0">
+              <a:rPr lang="en-US" sz="700" b="0" i="0" kern="1200" baseline="0" dirty="0">
                 <a:solidFill>
                   <a:schemeClr val="bg1"/>
                 </a:solidFill>
@@ -19502,7 +19127,7 @@
               <a:t> </a:t>
             </a:r>
             <a:r>
-              <a:rPr lang="en-US" sz="700" b="0" i="0" kern="1200" dirty="0" smtClean="0">
+              <a:rPr lang="en-US" sz="700" b="0" i="0" kern="1200" dirty="0">
                 <a:solidFill>
                   <a:schemeClr val="bg1"/>
                 </a:solidFill>
@@ -19513,7 +19138,7 @@
               </a:rPr>
               <a:t>PayPal Inc. All rights reserved. Confidential and proprietary.</a:t>
             </a:r>
-            <a:endParaRPr lang="en-US" sz="700" b="0" i="0" kern="1200" dirty="0" smtClean="0">
+            <a:endParaRPr lang="en-US" sz="700" b="0" i="0" kern="1200" dirty="0">
               <a:solidFill>
                 <a:schemeClr val="bg1"/>
               </a:solidFill>
@@ -19530,7 +19155,7 @@
               <a:defRPr/>
             </a:pPr>
             <a:r>
-              <a:rPr lang="en-US" sz="700" b="0" i="0" kern="1200" dirty="0" smtClean="0">
+              <a:rPr lang="en-US" sz="700" b="0" i="0" kern="1200" dirty="0">
                 <a:solidFill>
                   <a:srgbClr val="A7A8A9"/>
                 </a:solidFill>
@@ -19629,10 +19254,9 @@
           </a:lstStyle>
           <a:p>
             <a:r>
-              <a:rPr lang="en-US" dirty="0" smtClean="0"/>
+              <a:rPr lang="en-US" dirty="0"/>
               <a:t>Click to edit Master title style</a:t>
             </a:r>
-            <a:endParaRPr lang="en-US" dirty="0"/>
           </a:p>
         </p:txBody>
       </p:sp>
@@ -19713,7 +19337,7 @@
           <a:p>
             <a:pPr lvl="0"/>
             <a:r>
-              <a:rPr lang="en-US" dirty="0" smtClean="0"/>
+              <a:rPr lang="en-US" dirty="0"/>
               <a:t>Click to edit Master text styles</a:t>
             </a:r>
           </a:p>
@@ -19820,7 +19444,7 @@
                 </a:lnSpc>
               </a:pPr>
               <a:r>
-                <a:rPr lang="en-US" sz="1100" dirty="0" smtClean="0">
+                <a:rPr lang="en-US" sz="1100" dirty="0">
                   <a:solidFill>
                     <a:schemeClr val="bg1"/>
                   </a:solidFill>
@@ -19829,13 +19453,6 @@
                 </a:rPr>
                 <a:t>Global Technology Education</a:t>
               </a:r>
-              <a:endParaRPr lang="en-US" sz="1100" dirty="0">
-                <a:solidFill>
-                  <a:schemeClr val="bg1"/>
-                </a:solidFill>
-                <a:latin typeface="Arial"/>
-                <a:cs typeface="Arial"/>
-              </a:endParaRPr>
             </a:p>
           </p:txBody>
         </p:sp>
@@ -19850,13 +19467,6 @@
   <p:clrMapOvr>
     <a:masterClrMapping/>
   </p:clrMapOvr>
-  <p:timing>
-    <p:tnLst>
-      <p:par>
-        <p:cTn xmlns:p14="http://schemas.microsoft.com/office/powerpoint/2010/main" id="1" dur="indefinite" restart="never" nodeType="tmRoot"/>
-      </p:par>
-    </p:tnLst>
-  </p:timing>
 </p:sldLayout>
 </file>
 
@@ -20155,7 +19765,7 @@
           </a:lstStyle>
           <a:p>
             <a:pPr lvl="1"/>
-            <a:endParaRPr lang="en-US" dirty="0" smtClean="0"/>
+            <a:endParaRPr lang="en-US" dirty="0"/>
           </a:p>
         </p:txBody>
       </p:sp>
@@ -20288,7 +19898,7 @@
           </a:lstStyle>
           <a:p>
             <a:pPr lvl="1"/>
-            <a:endParaRPr lang="en-US" dirty="0" smtClean="0"/>
+            <a:endParaRPr lang="en-US" dirty="0"/>
           </a:p>
         </p:txBody>
       </p:sp>
@@ -20421,7 +20031,7 @@
           </a:lstStyle>
           <a:p>
             <a:pPr lvl="1"/>
-            <a:endParaRPr lang="en-US" dirty="0" smtClean="0"/>
+            <a:endParaRPr lang="en-US" dirty="0"/>
           </a:p>
         </p:txBody>
       </p:sp>
@@ -20495,7 +20105,7 @@
           <a:p>
             <a:pPr lvl="0"/>
             <a:r>
-              <a:rPr lang="en-US" dirty="0" smtClean="0"/>
+              <a:rPr lang="en-US" dirty="0"/>
               <a:t>Click to edit</a:t>
             </a:r>
           </a:p>
@@ -20571,7 +20181,7 @@
           <a:p>
             <a:pPr lvl="0"/>
             <a:r>
-              <a:rPr lang="en-US" dirty="0" smtClean="0"/>
+              <a:rPr lang="en-US" dirty="0"/>
               <a:t>Click to edit</a:t>
             </a:r>
           </a:p>
@@ -20647,7 +20257,7 @@
           <a:p>
             <a:pPr lvl="0"/>
             <a:r>
-              <a:rPr lang="en-US" dirty="0" smtClean="0"/>
+              <a:rPr lang="en-US" dirty="0"/>
               <a:t>Click to edit</a:t>
             </a:r>
           </a:p>
@@ -20730,14 +20340,14 @@
           <a:effectLst/>
           <a:extLst>
             <a:ext uri="{909E8E84-426E-40dd-AFC4-6F175D3DCCD1}">
-              <a14:hiddenFill xmlns:a14="http://schemas.microsoft.com/office/drawing/2010/main">
+              <a14:hiddenFill xmlns:a14="http://schemas.microsoft.com/office/drawing/2010/main" xmlns="">
                 <a:solidFill>
                   <a:srgbClr val="FFFFFF"/>
                 </a:solidFill>
               </a14:hiddenFill>
             </a:ext>
             <a:ext uri="{91240B29-F687-4f45-9708-019B960494DF}">
-              <a14:hiddenLine xmlns:a14="http://schemas.microsoft.com/office/drawing/2010/main" w="12700">
+              <a14:hiddenLine xmlns:a14="http://schemas.microsoft.com/office/drawing/2010/main" xmlns="" w="12700">
                 <a:solidFill>
                   <a:srgbClr val="000000"/>
                 </a:solidFill>
@@ -20747,7 +20357,7 @@
               </a14:hiddenLine>
             </a:ext>
             <a:ext uri="{AF507438-7753-43e0-B8FC-AC1667EBCBE1}">
-              <a14:hiddenEffects xmlns:a14="http://schemas.microsoft.com/office/drawing/2010/main">
+              <a14:hiddenEffects xmlns:a14="http://schemas.microsoft.com/office/drawing/2010/main" xmlns="">
                 <a:effectLst>
                   <a:outerShdw blurRad="63500" dist="38099" dir="2700000" algn="ctr" rotWithShape="0">
                     <a:srgbClr val="000000">
@@ -20781,7 +20391,7 @@
               <a:defRPr/>
             </a:pPr>
             <a:r>
-              <a:rPr lang="en-US" sz="700" b="0" i="0" kern="1200" dirty="0" smtClean="0">
+              <a:rPr lang="en-US" sz="700" b="0" i="0" kern="1200" dirty="0">
                 <a:solidFill>
                   <a:schemeClr val="bg1"/>
                 </a:solidFill>
@@ -20792,7 +20402,7 @@
               </a:rPr>
               <a:t>© 2016 PayPal Inc. All rights reserved. Confidential and proprietary.</a:t>
             </a:r>
-            <a:endParaRPr lang="en-US" sz="700" b="0" i="0" kern="1200" dirty="0" smtClean="0">
+            <a:endParaRPr lang="en-US" sz="700" b="0" i="0" kern="1200" dirty="0">
               <a:solidFill>
                 <a:schemeClr val="bg1"/>
               </a:solidFill>
@@ -20809,7 +20419,7 @@
               <a:defRPr/>
             </a:pPr>
             <a:r>
-              <a:rPr lang="en-US" sz="700" b="0" i="0" kern="1200" dirty="0" smtClean="0">
+              <a:rPr lang="en-US" sz="700" b="0" i="0" kern="1200" dirty="0">
                 <a:solidFill>
                   <a:srgbClr val="A7A8A9"/>
                 </a:solidFill>
@@ -20908,10 +20518,9 @@
           </a:lstStyle>
           <a:p>
             <a:r>
-              <a:rPr lang="en-US" dirty="0" smtClean="0"/>
+              <a:rPr lang="en-US" dirty="0"/>
               <a:t>Click to edit Master title style</a:t>
             </a:r>
-            <a:endParaRPr lang="en-US" dirty="0"/>
           </a:p>
         </p:txBody>
       </p:sp>
@@ -20992,7 +20601,7 @@
           <a:p>
             <a:pPr lvl="0"/>
             <a:r>
-              <a:rPr lang="en-US" dirty="0" smtClean="0"/>
+              <a:rPr lang="en-US" dirty="0"/>
               <a:t>Click to edit Master text styles</a:t>
             </a:r>
           </a:p>
@@ -21099,7 +20708,7 @@
                 </a:lnSpc>
               </a:pPr>
               <a:r>
-                <a:rPr lang="en-US" sz="1100" dirty="0" smtClean="0">
+                <a:rPr lang="en-US" sz="1100" dirty="0">
                   <a:solidFill>
                     <a:schemeClr val="bg1"/>
                   </a:solidFill>
@@ -21108,13 +20717,6 @@
                 </a:rPr>
                 <a:t>Global Technology Education</a:t>
               </a:r>
-              <a:endParaRPr lang="en-US" sz="1100" dirty="0">
-                <a:solidFill>
-                  <a:schemeClr val="bg1"/>
-                </a:solidFill>
-                <a:latin typeface="Arial"/>
-                <a:cs typeface="Arial"/>
-              </a:endParaRPr>
             </a:p>
           </p:txBody>
         </p:sp>
@@ -21129,13 +20731,6 @@
   <p:clrMapOvr>
     <a:masterClrMapping/>
   </p:clrMapOvr>
-  <p:timing>
-    <p:tnLst>
-      <p:par>
-        <p:cTn xmlns:p14="http://schemas.microsoft.com/office/powerpoint/2010/main" id="1" dur="indefinite" restart="never" nodeType="tmRoot"/>
-      </p:par>
-    </p:tnLst>
-  </p:timing>
 </p:sldLayout>
 </file>
 
@@ -21207,7 +20802,7 @@
           <a:p>
             <a:pPr lvl="0"/>
             <a:r>
-              <a:rPr lang="en-US" dirty="0" smtClean="0"/>
+              <a:rPr lang="en-US" dirty="0"/>
               <a:t>Click</a:t>
             </a:r>
           </a:p>
@@ -21256,7 +20851,7 @@
           <a:p>
             <a:pPr lvl="0"/>
             <a:r>
-              <a:rPr lang="en-US" dirty="0" smtClean="0"/>
+              <a:rPr lang="en-US" dirty="0"/>
               <a:t>Click</a:t>
             </a:r>
           </a:p>
@@ -21305,7 +20900,7 @@
           <a:p>
             <a:pPr lvl="0"/>
             <a:r>
-              <a:rPr lang="en-US" dirty="0" smtClean="0"/>
+              <a:rPr lang="en-US" dirty="0"/>
               <a:t>Click</a:t>
             </a:r>
           </a:p>
@@ -21354,7 +20949,7 @@
           <a:p>
             <a:pPr lvl="0"/>
             <a:r>
-              <a:rPr lang="en-US" dirty="0" smtClean="0"/>
+              <a:rPr lang="en-US" dirty="0"/>
               <a:t>Click</a:t>
             </a:r>
           </a:p>
@@ -21403,7 +20998,7 @@
           <a:p>
             <a:pPr lvl="0"/>
             <a:r>
-              <a:rPr lang="en-US" dirty="0" smtClean="0"/>
+              <a:rPr lang="en-US" dirty="0"/>
               <a:t>Click</a:t>
             </a:r>
           </a:p>
@@ -21452,7 +21047,7 @@
           <a:p>
             <a:pPr lvl="0"/>
             <a:r>
-              <a:rPr lang="en-US" dirty="0" smtClean="0"/>
+              <a:rPr lang="en-US" dirty="0"/>
               <a:t>Click</a:t>
             </a:r>
           </a:p>
@@ -21501,7 +21096,7 @@
           <a:p>
             <a:pPr lvl="0"/>
             <a:r>
-              <a:rPr lang="en-US" dirty="0" smtClean="0"/>
+              <a:rPr lang="en-US" dirty="0"/>
               <a:t>Click</a:t>
             </a:r>
           </a:p>
@@ -21550,7 +21145,7 @@
           <a:p>
             <a:pPr lvl="0"/>
             <a:r>
-              <a:rPr lang="en-US" dirty="0" smtClean="0"/>
+              <a:rPr lang="en-US" dirty="0"/>
               <a:t>Click</a:t>
             </a:r>
           </a:p>
@@ -21599,7 +21194,7 @@
           <a:p>
             <a:pPr lvl="0"/>
             <a:r>
-              <a:rPr lang="en-US" dirty="0" smtClean="0"/>
+              <a:rPr lang="en-US" dirty="0"/>
               <a:t>Click</a:t>
             </a:r>
           </a:p>
@@ -21657,7 +21252,7 @@
               <a:buNone/>
             </a:pPr>
             <a:r>
-              <a:rPr lang="en-US" dirty="0" smtClean="0"/>
+              <a:rPr lang="en-US" dirty="0"/>
               <a:t>Click</a:t>
             </a:r>
           </a:p>
@@ -21706,7 +21301,7 @@
           <a:p>
             <a:pPr lvl="0"/>
             <a:r>
-              <a:rPr lang="en-US" dirty="0" smtClean="0"/>
+              <a:rPr lang="en-US" dirty="0"/>
               <a:t>Click</a:t>
             </a:r>
           </a:p>
@@ -21755,7 +21350,7 @@
           <a:p>
             <a:pPr lvl="0"/>
             <a:r>
-              <a:rPr lang="en-US" dirty="0" smtClean="0"/>
+              <a:rPr lang="en-US" dirty="0"/>
               <a:t>Click</a:t>
             </a:r>
           </a:p>
@@ -21838,14 +21433,14 @@
           <a:effectLst/>
           <a:extLst>
             <a:ext uri="{909E8E84-426E-40dd-AFC4-6F175D3DCCD1}">
-              <a14:hiddenFill xmlns:a14="http://schemas.microsoft.com/office/drawing/2010/main">
+              <a14:hiddenFill xmlns:a14="http://schemas.microsoft.com/office/drawing/2010/main" xmlns="">
                 <a:solidFill>
                   <a:srgbClr val="FFFFFF"/>
                 </a:solidFill>
               </a14:hiddenFill>
             </a:ext>
             <a:ext uri="{91240B29-F687-4f45-9708-019B960494DF}">
-              <a14:hiddenLine xmlns:a14="http://schemas.microsoft.com/office/drawing/2010/main" w="12700">
+              <a14:hiddenLine xmlns:a14="http://schemas.microsoft.com/office/drawing/2010/main" xmlns="" w="12700">
                 <a:solidFill>
                   <a:srgbClr val="000000"/>
                 </a:solidFill>
@@ -21855,7 +21450,7 @@
               </a14:hiddenLine>
             </a:ext>
             <a:ext uri="{AF507438-7753-43e0-B8FC-AC1667EBCBE1}">
-              <a14:hiddenEffects xmlns:a14="http://schemas.microsoft.com/office/drawing/2010/main">
+              <a14:hiddenEffects xmlns:a14="http://schemas.microsoft.com/office/drawing/2010/main" xmlns="">
                 <a:effectLst>
                   <a:outerShdw blurRad="63500" dist="38099" dir="2700000" algn="ctr" rotWithShape="0">
                     <a:srgbClr val="000000">
@@ -21889,7 +21484,7 @@
               <a:defRPr/>
             </a:pPr>
             <a:r>
-              <a:rPr lang="en-US" sz="700" b="0" i="0" kern="1200" dirty="0" smtClean="0">
+              <a:rPr lang="en-US" sz="700" b="0" i="0" kern="1200" dirty="0">
                 <a:solidFill>
                   <a:schemeClr val="bg1"/>
                 </a:solidFill>
@@ -21900,7 +21495,7 @@
               </a:rPr>
               <a:t>© 2016 PayPal Inc. All rights reserved. Confidential and proprietary.</a:t>
             </a:r>
-            <a:endParaRPr lang="en-US" sz="700" b="0" i="0" kern="1200" dirty="0" smtClean="0">
+            <a:endParaRPr lang="en-US" sz="700" b="0" i="0" kern="1200" dirty="0">
               <a:solidFill>
                 <a:schemeClr val="bg1"/>
               </a:solidFill>
@@ -21917,7 +21512,7 @@
               <a:defRPr/>
             </a:pPr>
             <a:r>
-              <a:rPr lang="en-US" sz="700" b="0" i="0" kern="1200" dirty="0" smtClean="0">
+              <a:rPr lang="en-US" sz="700" b="0" i="0" kern="1200" dirty="0">
                 <a:solidFill>
                   <a:srgbClr val="A7A8A9"/>
                 </a:solidFill>
@@ -22016,10 +21611,9 @@
           </a:lstStyle>
           <a:p>
             <a:r>
-              <a:rPr lang="en-US" dirty="0" smtClean="0"/>
+              <a:rPr lang="en-US" dirty="0"/>
               <a:t>Click to edit Master title style</a:t>
             </a:r>
-            <a:endParaRPr lang="en-US" dirty="0"/>
           </a:p>
         </p:txBody>
       </p:sp>
@@ -22100,7 +21694,7 @@
           <a:p>
             <a:pPr lvl="0"/>
             <a:r>
-              <a:rPr lang="en-US" dirty="0" smtClean="0"/>
+              <a:rPr lang="en-US" dirty="0"/>
               <a:t>Click to edit Master text styles</a:t>
             </a:r>
           </a:p>
@@ -22207,7 +21801,7 @@
                 </a:lnSpc>
               </a:pPr>
               <a:r>
-                <a:rPr lang="en-US" sz="1100" dirty="0" smtClean="0">
+                <a:rPr lang="en-US" sz="1100" dirty="0">
                   <a:solidFill>
                     <a:schemeClr val="bg1"/>
                   </a:solidFill>
@@ -22216,13 +21810,6 @@
                 </a:rPr>
                 <a:t>Global Technology Education</a:t>
               </a:r>
-              <a:endParaRPr lang="en-US" sz="1100" dirty="0">
-                <a:solidFill>
-                  <a:schemeClr val="bg1"/>
-                </a:solidFill>
-                <a:latin typeface="Arial"/>
-                <a:cs typeface="Arial"/>
-              </a:endParaRPr>
             </a:p>
           </p:txBody>
         </p:sp>
@@ -22237,13 +21824,6 @@
   <p:clrMapOvr>
     <a:masterClrMapping/>
   </p:clrMapOvr>
-  <p:timing>
-    <p:tnLst>
-      <p:par>
-        <p:cTn xmlns:p14="http://schemas.microsoft.com/office/powerpoint/2010/main" id="1" dur="indefinite" restart="never" nodeType="tmRoot"/>
-      </p:par>
-    </p:tnLst>
-  </p:timing>
 </p:sldLayout>
 </file>
 
@@ -22315,7 +21895,7 @@
           <a:p>
             <a:pPr lvl="0"/>
             <a:r>
-              <a:rPr lang="en-US" dirty="0" smtClean="0"/>
+              <a:rPr lang="en-US" dirty="0"/>
               <a:t>Click</a:t>
             </a:r>
           </a:p>
@@ -22364,7 +21944,7 @@
           <a:p>
             <a:pPr lvl="0"/>
             <a:r>
-              <a:rPr lang="en-US" dirty="0" smtClean="0"/>
+              <a:rPr lang="en-US" dirty="0"/>
               <a:t>Click</a:t>
             </a:r>
           </a:p>
@@ -22413,7 +21993,7 @@
           <a:p>
             <a:pPr lvl="0"/>
             <a:r>
-              <a:rPr lang="en-US" dirty="0" smtClean="0"/>
+              <a:rPr lang="en-US" dirty="0"/>
               <a:t>Click</a:t>
             </a:r>
           </a:p>
@@ -22462,7 +22042,7 @@
           <a:p>
             <a:pPr lvl="0"/>
             <a:r>
-              <a:rPr lang="en-US" dirty="0" smtClean="0"/>
+              <a:rPr lang="en-US" dirty="0"/>
               <a:t>Click</a:t>
             </a:r>
           </a:p>
@@ -22511,7 +22091,7 @@
           <a:p>
             <a:pPr lvl="0"/>
             <a:r>
-              <a:rPr lang="en-US" dirty="0" smtClean="0"/>
+              <a:rPr lang="en-US" dirty="0"/>
               <a:t>Click</a:t>
             </a:r>
           </a:p>
@@ -22560,7 +22140,7 @@
           <a:p>
             <a:pPr lvl="0"/>
             <a:r>
-              <a:rPr lang="en-US" dirty="0" smtClean="0"/>
+              <a:rPr lang="en-US" dirty="0"/>
               <a:t>Click</a:t>
             </a:r>
           </a:p>
@@ -22609,7 +22189,7 @@
           <a:p>
             <a:pPr lvl="0"/>
             <a:r>
-              <a:rPr lang="en-US" dirty="0" smtClean="0"/>
+              <a:rPr lang="en-US" dirty="0"/>
               <a:t>Click</a:t>
             </a:r>
           </a:p>
@@ -22658,7 +22238,7 @@
           <a:p>
             <a:pPr lvl="0"/>
             <a:r>
-              <a:rPr lang="en-US" dirty="0" smtClean="0"/>
+              <a:rPr lang="en-US" dirty="0"/>
               <a:t>Click</a:t>
             </a:r>
           </a:p>
@@ -22716,7 +22296,7 @@
               <a:buNone/>
             </a:pPr>
             <a:r>
-              <a:rPr lang="en-US" dirty="0" smtClean="0"/>
+              <a:rPr lang="en-US" dirty="0"/>
               <a:t>Click</a:t>
             </a:r>
           </a:p>
@@ -22765,7 +22345,7 @@
           <a:p>
             <a:pPr lvl="0"/>
             <a:r>
-              <a:rPr lang="en-US" dirty="0" smtClean="0"/>
+              <a:rPr lang="en-US" dirty="0"/>
               <a:t>Click</a:t>
             </a:r>
           </a:p>
@@ -22814,7 +22394,7 @@
           <a:p>
             <a:pPr lvl="0"/>
             <a:r>
-              <a:rPr lang="en-US" dirty="0" smtClean="0"/>
+              <a:rPr lang="en-US" dirty="0"/>
               <a:t>Click</a:t>
             </a:r>
           </a:p>
@@ -22863,7 +22443,7 @@
           <a:p>
             <a:pPr lvl="0"/>
             <a:r>
-              <a:rPr lang="en-US" dirty="0" smtClean="0"/>
+              <a:rPr lang="en-US" dirty="0"/>
               <a:t>Click</a:t>
             </a:r>
           </a:p>
@@ -22946,14 +22526,14 @@
           <a:effectLst/>
           <a:extLst>
             <a:ext uri="{909E8E84-426E-40dd-AFC4-6F175D3DCCD1}">
-              <a14:hiddenFill xmlns:a14="http://schemas.microsoft.com/office/drawing/2010/main">
+              <a14:hiddenFill xmlns:a14="http://schemas.microsoft.com/office/drawing/2010/main" xmlns="">
                 <a:solidFill>
                   <a:srgbClr val="FFFFFF"/>
                 </a:solidFill>
               </a14:hiddenFill>
             </a:ext>
             <a:ext uri="{91240B29-F687-4f45-9708-019B960494DF}">
-              <a14:hiddenLine xmlns:a14="http://schemas.microsoft.com/office/drawing/2010/main" w="12700">
+              <a14:hiddenLine xmlns:a14="http://schemas.microsoft.com/office/drawing/2010/main" xmlns="" w="12700">
                 <a:solidFill>
                   <a:srgbClr val="000000"/>
                 </a:solidFill>
@@ -22963,7 +22543,7 @@
               </a14:hiddenLine>
             </a:ext>
             <a:ext uri="{AF507438-7753-43e0-B8FC-AC1667EBCBE1}">
-              <a14:hiddenEffects xmlns:a14="http://schemas.microsoft.com/office/drawing/2010/main">
+              <a14:hiddenEffects xmlns:a14="http://schemas.microsoft.com/office/drawing/2010/main" xmlns="">
                 <a:effectLst>
                   <a:outerShdw blurRad="63500" dist="38099" dir="2700000" algn="ctr" rotWithShape="0">
                     <a:srgbClr val="000000">
@@ -22997,7 +22577,7 @@
               <a:defRPr/>
             </a:pPr>
             <a:r>
-              <a:rPr lang="en-US" sz="700" b="0" i="0" kern="1200" dirty="0" smtClean="0">
+              <a:rPr lang="en-US" sz="700" b="0" i="0" kern="1200" dirty="0">
                 <a:solidFill>
                   <a:schemeClr val="bg1"/>
                 </a:solidFill>
@@ -23008,7 +22588,7 @@
               </a:rPr>
               <a:t>© 2016 PayPal Inc. All rights reserved. Confidential and proprietary.</a:t>
             </a:r>
-            <a:endParaRPr lang="en-US" sz="700" b="0" i="0" kern="1200" dirty="0" smtClean="0">
+            <a:endParaRPr lang="en-US" sz="700" b="0" i="0" kern="1200" dirty="0">
               <a:solidFill>
                 <a:schemeClr val="bg1"/>
               </a:solidFill>
@@ -23025,7 +22605,7 @@
               <a:defRPr/>
             </a:pPr>
             <a:r>
-              <a:rPr lang="en-US" sz="700" b="0" i="0" kern="1200" dirty="0" smtClean="0">
+              <a:rPr lang="en-US" sz="700" b="0" i="0" kern="1200" dirty="0">
                 <a:solidFill>
                   <a:srgbClr val="A7A8A9"/>
                 </a:solidFill>
@@ -23124,10 +22704,9 @@
           </a:lstStyle>
           <a:p>
             <a:r>
-              <a:rPr lang="en-US" dirty="0" smtClean="0"/>
+              <a:rPr lang="en-US" dirty="0"/>
               <a:t>Click to edit Master title style</a:t>
             </a:r>
-            <a:endParaRPr lang="en-US" dirty="0"/>
           </a:p>
         </p:txBody>
       </p:sp>
@@ -23208,7 +22787,7 @@
           <a:p>
             <a:pPr lvl="0"/>
             <a:r>
-              <a:rPr lang="en-US" dirty="0" smtClean="0"/>
+              <a:rPr lang="en-US" dirty="0"/>
               <a:t>Click to edit Master text styles</a:t>
             </a:r>
           </a:p>
@@ -23315,7 +22894,7 @@
                 </a:lnSpc>
               </a:pPr>
               <a:r>
-                <a:rPr lang="en-US" sz="1100" dirty="0" smtClean="0">
+                <a:rPr lang="en-US" sz="1100" dirty="0">
                   <a:solidFill>
                     <a:schemeClr val="bg1"/>
                   </a:solidFill>
@@ -23324,13 +22903,6 @@
                 </a:rPr>
                 <a:t>Global Technology Education</a:t>
               </a:r>
-              <a:endParaRPr lang="en-US" sz="1100" dirty="0">
-                <a:solidFill>
-                  <a:schemeClr val="bg1"/>
-                </a:solidFill>
-                <a:latin typeface="Arial"/>
-                <a:cs typeface="Arial"/>
-              </a:endParaRPr>
             </a:p>
           </p:txBody>
         </p:sp>
@@ -23345,13 +22917,6 @@
   <p:clrMapOvr>
     <a:masterClrMapping/>
   </p:clrMapOvr>
-  <p:timing>
-    <p:tnLst>
-      <p:par>
-        <p:cTn xmlns:p14="http://schemas.microsoft.com/office/powerpoint/2010/main" id="1" dur="indefinite" restart="never" nodeType="tmRoot"/>
-      </p:par>
-    </p:tnLst>
-  </p:timing>
 </p:sldLayout>
 </file>
 
@@ -23450,7 +23015,7 @@
           <a:p>
             <a:pPr lvl="0"/>
             <a:r>
-              <a:rPr lang="en-US" dirty="0" smtClean="0"/>
+              <a:rPr lang="en-US" dirty="0"/>
               <a:t>Click to edit Master text styles</a:t>
             </a:r>
           </a:p>
@@ -23533,14 +23098,14 @@
           <a:effectLst/>
           <a:extLst>
             <a:ext uri="{909E8E84-426E-40dd-AFC4-6F175D3DCCD1}">
-              <a14:hiddenFill xmlns:a14="http://schemas.microsoft.com/office/drawing/2010/main">
+              <a14:hiddenFill xmlns:a14="http://schemas.microsoft.com/office/drawing/2010/main" xmlns="">
                 <a:solidFill>
                   <a:srgbClr val="FFFFFF"/>
                 </a:solidFill>
               </a14:hiddenFill>
             </a:ext>
             <a:ext uri="{91240B29-F687-4f45-9708-019B960494DF}">
-              <a14:hiddenLine xmlns:a14="http://schemas.microsoft.com/office/drawing/2010/main" w="12700">
+              <a14:hiddenLine xmlns:a14="http://schemas.microsoft.com/office/drawing/2010/main" xmlns="" w="12700">
                 <a:solidFill>
                   <a:srgbClr val="000000"/>
                 </a:solidFill>
@@ -23550,7 +23115,7 @@
               </a14:hiddenLine>
             </a:ext>
             <a:ext uri="{AF507438-7753-43e0-B8FC-AC1667EBCBE1}">
-              <a14:hiddenEffects xmlns:a14="http://schemas.microsoft.com/office/drawing/2010/main">
+              <a14:hiddenEffects xmlns:a14="http://schemas.microsoft.com/office/drawing/2010/main" xmlns="">
                 <a:effectLst>
                   <a:outerShdw blurRad="63500" dist="38099" dir="2700000" algn="ctr" rotWithShape="0">
                     <a:srgbClr val="000000">
@@ -23584,7 +23149,7 @@
               <a:defRPr/>
             </a:pPr>
             <a:r>
-              <a:rPr lang="en-US" sz="700" b="0" i="0" kern="1200" dirty="0" smtClean="0">
+              <a:rPr lang="en-US" sz="700" b="0" i="0" kern="1200" dirty="0">
                 <a:solidFill>
                   <a:schemeClr val="bg1"/>
                 </a:solidFill>
@@ -23595,7 +23160,7 @@
               </a:rPr>
               <a:t>© 2016 PayPal Inc. All rights reserved. Confidential and proprietary.</a:t>
             </a:r>
-            <a:endParaRPr lang="en-US" sz="700" b="0" i="0" kern="1200" dirty="0" smtClean="0">
+            <a:endParaRPr lang="en-US" sz="700" b="0" i="0" kern="1200" dirty="0">
               <a:solidFill>
                 <a:schemeClr val="bg1"/>
               </a:solidFill>
@@ -23612,7 +23177,7 @@
               <a:defRPr/>
             </a:pPr>
             <a:r>
-              <a:rPr lang="en-US" sz="700" b="0" i="0" kern="1200" dirty="0" smtClean="0">
+              <a:rPr lang="en-US" sz="700" b="0" i="0" kern="1200" dirty="0">
                 <a:solidFill>
                   <a:srgbClr val="A7A8A9"/>
                 </a:solidFill>
@@ -23777,7 +23342,7 @@
                 </a:lnSpc>
               </a:pPr>
               <a:r>
-                <a:rPr lang="en-US" sz="1100" dirty="0" smtClean="0">
+                <a:rPr lang="en-US" sz="1100" dirty="0">
                   <a:solidFill>
                     <a:schemeClr val="bg1"/>
                   </a:solidFill>
@@ -23786,13 +23351,6 @@
                 </a:rPr>
                 <a:t>Global Technology Education</a:t>
               </a:r>
-              <a:endParaRPr lang="en-US" sz="1100" dirty="0">
-                <a:solidFill>
-                  <a:schemeClr val="bg1"/>
-                </a:solidFill>
-                <a:latin typeface="Arial"/>
-                <a:cs typeface="Arial"/>
-              </a:endParaRPr>
             </a:p>
           </p:txBody>
         </p:sp>
@@ -23807,13 +23365,6 @@
   <p:clrMapOvr>
     <a:masterClrMapping/>
   </p:clrMapOvr>
-  <p:timing>
-    <p:tnLst>
-      <p:par>
-        <p:cTn xmlns:p14="http://schemas.microsoft.com/office/powerpoint/2010/main" id="1" dur="indefinite" restart="never" nodeType="tmRoot"/>
-      </p:par>
-    </p:tnLst>
-  </p:timing>
 </p:sldLayout>
 </file>
 
@@ -23953,14 +23504,14 @@
           <a:effectLst/>
           <a:extLst>
             <a:ext uri="{909E8E84-426E-40dd-AFC4-6F175D3DCCD1}">
-              <a14:hiddenFill xmlns:a14="http://schemas.microsoft.com/office/drawing/2010/main">
+              <a14:hiddenFill xmlns:a14="http://schemas.microsoft.com/office/drawing/2010/main" xmlns="">
                 <a:solidFill>
                   <a:srgbClr val="FFFFFF"/>
                 </a:solidFill>
               </a14:hiddenFill>
             </a:ext>
             <a:ext uri="{91240B29-F687-4f45-9708-019B960494DF}">
-              <a14:hiddenLine xmlns:a14="http://schemas.microsoft.com/office/drawing/2010/main" w="12700">
+              <a14:hiddenLine xmlns:a14="http://schemas.microsoft.com/office/drawing/2010/main" xmlns="" w="12700">
                 <a:solidFill>
                   <a:srgbClr val="000000"/>
                 </a:solidFill>
@@ -23970,7 +23521,7 @@
               </a14:hiddenLine>
             </a:ext>
             <a:ext uri="{AF507438-7753-43e0-B8FC-AC1667EBCBE1}">
-              <a14:hiddenEffects xmlns:a14="http://schemas.microsoft.com/office/drawing/2010/main">
+              <a14:hiddenEffects xmlns:a14="http://schemas.microsoft.com/office/drawing/2010/main" xmlns="">
                 <a:effectLst>
                   <a:outerShdw blurRad="63500" dist="38099" dir="2700000" algn="ctr" rotWithShape="0">
                     <a:srgbClr val="000000">
@@ -24004,7 +23555,7 @@
               <a:defRPr/>
             </a:pPr>
             <a:r>
-              <a:rPr lang="en-US" sz="700" b="0" i="0" kern="1200" dirty="0" smtClean="0">
+              <a:rPr lang="en-US" sz="700" b="0" i="0" kern="1200" dirty="0">
                 <a:solidFill>
                   <a:srgbClr val="A7A8A9"/>
                 </a:solidFill>
@@ -24015,7 +23566,7 @@
               </a:rPr>
               <a:t>© 2016 PayPal Inc. All rights reserved. Confidential and proprietary.</a:t>
             </a:r>
-            <a:endParaRPr lang="en-US" sz="700" b="0" i="0" kern="1200" dirty="0" smtClean="0">
+            <a:endParaRPr lang="en-US" sz="700" b="0" i="0" kern="1200" dirty="0">
               <a:solidFill>
                 <a:srgbClr val="A7A8A9"/>
               </a:solidFill>
@@ -24032,7 +23583,7 @@
               <a:defRPr/>
             </a:pPr>
             <a:r>
-              <a:rPr lang="en-US" sz="700" b="0" i="0" kern="1200" dirty="0" smtClean="0">
+              <a:rPr lang="en-US" sz="700" b="0" i="0" kern="1200" dirty="0">
                 <a:solidFill>
                   <a:srgbClr val="A7A8A9"/>
                 </a:solidFill>
@@ -24089,14 +23640,14 @@
           </a:ln>
           <a:extLst>
             <a:ext uri="{909E8E84-426E-40dd-AFC4-6F175D3DCCD1}">
-              <a14:hiddenFill xmlns:a14="http://schemas.microsoft.com/office/drawing/2010/main">
+              <a14:hiddenFill xmlns:a14="http://schemas.microsoft.com/office/drawing/2010/main" xmlns="">
                 <a:solidFill>
                   <a:srgbClr val="FFFFFF"/>
                 </a:solidFill>
               </a14:hiddenFill>
             </a:ext>
             <a:ext uri="{91240B29-F687-4f45-9708-019B960494DF}">
-              <a14:hiddenLine xmlns:a14="http://schemas.microsoft.com/office/drawing/2010/main" w="9525">
+              <a14:hiddenLine xmlns:a14="http://schemas.microsoft.com/office/drawing/2010/main" xmlns="" w="9525">
                 <a:solidFill>
                   <a:srgbClr val="000000"/>
                 </a:solidFill>
@@ -24179,7 +23730,7 @@
                 </a:lnSpc>
               </a:pPr>
               <a:r>
-                <a:rPr lang="en-US" sz="1100" dirty="0" smtClean="0">
+                <a:rPr lang="en-US" sz="1100" dirty="0">
                   <a:solidFill>
                     <a:schemeClr val="accent1"/>
                   </a:solidFill>
@@ -24188,13 +23739,6 @@
                 </a:rPr>
                 <a:t>Global Technology Education</a:t>
               </a:r>
-              <a:endParaRPr lang="en-US" sz="1100" dirty="0">
-                <a:solidFill>
-                  <a:schemeClr val="accent1"/>
-                </a:solidFill>
-                <a:latin typeface="Arial"/>
-                <a:cs typeface="Arial"/>
-              </a:endParaRPr>
             </a:p>
           </p:txBody>
         </p:sp>
@@ -24209,13 +23753,6 @@
   <p:clrMapOvr>
     <a:masterClrMapping/>
   </p:clrMapOvr>
-  <p:timing>
-    <p:tnLst>
-      <p:par>
-        <p:cTn xmlns:p14="http://schemas.microsoft.com/office/powerpoint/2010/main" id="1" dur="indefinite" restart="never" nodeType="tmRoot"/>
-      </p:par>
-    </p:tnLst>
-  </p:timing>
 </p:sldLayout>
 </file>
 
@@ -24266,7 +23803,7 @@
           </a:lstStyle>
           <a:p>
             <a:r>
-              <a:rPr lang="en-US" smtClean="0"/>
+              <a:rPr lang="en-US"/>
               <a:t>Click to edit Master title style</a:t>
             </a:r>
             <a:endParaRPr lang="en-US" dirty="0"/>
@@ -24314,35 +23851,35 @@
           <a:p>
             <a:pPr lvl="0"/>
             <a:r>
-              <a:rPr lang="en-US" smtClean="0"/>
+              <a:rPr lang="en-US"/>
               <a:t>Click to edit Master text styles</a:t>
             </a:r>
           </a:p>
           <a:p>
             <a:pPr lvl="1"/>
             <a:r>
-              <a:rPr lang="en-US" smtClean="0"/>
+              <a:rPr lang="en-US"/>
               <a:t>Second level</a:t>
             </a:r>
           </a:p>
           <a:p>
             <a:pPr lvl="2"/>
             <a:r>
-              <a:rPr lang="en-US" smtClean="0"/>
+              <a:rPr lang="en-US"/>
               <a:t>Third level</a:t>
             </a:r>
           </a:p>
           <a:p>
             <a:pPr lvl="3"/>
             <a:r>
-              <a:rPr lang="en-US" smtClean="0"/>
+              <a:rPr lang="en-US"/>
               <a:t>Fourth level</a:t>
             </a:r>
           </a:p>
           <a:p>
             <a:pPr lvl="4"/>
             <a:r>
-              <a:rPr lang="en-US" smtClean="0"/>
+              <a:rPr lang="en-US"/>
               <a:t>Fifth level</a:t>
             </a:r>
             <a:endParaRPr lang="en-US" dirty="0"/>
@@ -24522,21 +24059,21 @@
           <a:p>
             <a:pPr lvl="0"/>
             <a:r>
-              <a:rPr lang="en-US" dirty="0" smtClean="0"/>
+              <a:rPr lang="en-US" dirty="0"/>
               <a:t>Click to edit Master text styles</a:t>
             </a:r>
           </a:p>
           <a:p>
             <a:pPr lvl="1"/>
             <a:r>
-              <a:rPr lang="en-US" dirty="0" smtClean="0"/>
+              <a:rPr lang="en-US" dirty="0"/>
               <a:t>Second level</a:t>
             </a:r>
           </a:p>
           <a:p>
             <a:pPr lvl="2"/>
             <a:r>
-              <a:rPr lang="en-US" dirty="0" smtClean="0"/>
+              <a:rPr lang="en-US" dirty="0"/>
               <a:t>Third level</a:t>
             </a:r>
           </a:p>
@@ -24619,14 +24156,14 @@
           <a:effectLst/>
           <a:extLst>
             <a:ext uri="{909E8E84-426E-40dd-AFC4-6F175D3DCCD1}">
-              <a14:hiddenFill xmlns:a14="http://schemas.microsoft.com/office/drawing/2010/main">
+              <a14:hiddenFill xmlns:a14="http://schemas.microsoft.com/office/drawing/2010/main" xmlns="">
                 <a:solidFill>
                   <a:srgbClr val="FFFFFF"/>
                 </a:solidFill>
               </a14:hiddenFill>
             </a:ext>
             <a:ext uri="{91240B29-F687-4f45-9708-019B960494DF}">
-              <a14:hiddenLine xmlns:a14="http://schemas.microsoft.com/office/drawing/2010/main" w="12700">
+              <a14:hiddenLine xmlns:a14="http://schemas.microsoft.com/office/drawing/2010/main" xmlns="" w="12700">
                 <a:solidFill>
                   <a:srgbClr val="000000"/>
                 </a:solidFill>
@@ -24636,7 +24173,7 @@
               </a14:hiddenLine>
             </a:ext>
             <a:ext uri="{AF507438-7753-43e0-B8FC-AC1667EBCBE1}">
-              <a14:hiddenEffects xmlns:a14="http://schemas.microsoft.com/office/drawing/2010/main">
+              <a14:hiddenEffects xmlns:a14="http://schemas.microsoft.com/office/drawing/2010/main" xmlns="">
                 <a:effectLst>
                   <a:outerShdw blurRad="63500" dist="38099" dir="2700000" algn="ctr" rotWithShape="0">
                     <a:srgbClr val="000000">
@@ -24670,7 +24207,7 @@
               <a:defRPr/>
             </a:pPr>
             <a:r>
-              <a:rPr lang="en-US" sz="700" b="0" i="0" dirty="0" smtClean="0">
+              <a:rPr lang="en-US" sz="700" b="0" i="0" dirty="0">
                 <a:solidFill>
                   <a:srgbClr val="FFFFFF"/>
                 </a:solidFill>
@@ -24681,7 +24218,7 @@
               <a:t>© 2016 PayPal Inc. All rights reserved.</a:t>
             </a:r>
             <a:r>
-              <a:rPr lang="en-US" sz="700" b="0" i="0" baseline="0" dirty="0" smtClean="0">
+              <a:rPr lang="en-US" sz="700" b="0" i="0" baseline="0" dirty="0">
                 <a:solidFill>
                   <a:srgbClr val="FFFFFF"/>
                 </a:solidFill>
@@ -24692,7 +24229,7 @@
               <a:t> Confidential and proprietary</a:t>
             </a:r>
             <a:r>
-              <a:rPr lang="en-US" sz="700" b="0" i="0" dirty="0" smtClean="0">
+              <a:rPr lang="en-US" sz="700" b="0" i="0" dirty="0">
                 <a:solidFill>
                   <a:srgbClr val="FFFFFF"/>
                 </a:solidFill>
@@ -24813,7 +24350,7 @@
                 </a:lnSpc>
               </a:pPr>
               <a:r>
-                <a:rPr lang="en-US" sz="1100" dirty="0" smtClean="0">
+                <a:rPr lang="en-US" sz="1100" dirty="0">
                   <a:solidFill>
                     <a:schemeClr val="bg1"/>
                   </a:solidFill>
@@ -24822,13 +24359,6 @@
                 </a:rPr>
                 <a:t>Global Technology Education</a:t>
               </a:r>
-              <a:endParaRPr lang="en-US" sz="1100" dirty="0">
-                <a:solidFill>
-                  <a:schemeClr val="bg1"/>
-                </a:solidFill>
-                <a:latin typeface="Arial"/>
-                <a:cs typeface="Arial"/>
-              </a:endParaRPr>
             </a:p>
           </p:txBody>
         </p:sp>
@@ -24843,13 +24373,6 @@
   <p:clrMapOvr>
     <a:masterClrMapping/>
   </p:clrMapOvr>
-  <p:timing>
-    <p:tnLst>
-      <p:par>
-        <p:cTn xmlns:p14="http://schemas.microsoft.com/office/powerpoint/2010/main" id="1" dur="indefinite" restart="never" nodeType="tmRoot"/>
-      </p:par>
-    </p:tnLst>
-  </p:timing>
 </p:sldLayout>
 </file>
 
@@ -24997,7 +24520,7 @@
           <a:lstStyle/>
           <a:p>
             <a:pPr algn="ctr"/>
-            <a:endParaRPr lang="en-US" dirty="0" err="1" smtClean="0">
+            <a:endParaRPr lang="en-US" dirty="0" err="1">
               <a:latin typeface="Arial"/>
               <a:cs typeface="Arial"/>
             </a:endParaRPr>
@@ -25074,21 +24597,21 @@
           <a:p>
             <a:pPr lvl="0"/>
             <a:r>
-              <a:rPr lang="en-US" dirty="0" smtClean="0"/>
+              <a:rPr lang="en-US" dirty="0"/>
               <a:t>Click to edit Master text styles</a:t>
             </a:r>
           </a:p>
           <a:p>
             <a:pPr lvl="1"/>
             <a:r>
-              <a:rPr lang="en-US" dirty="0" smtClean="0"/>
+              <a:rPr lang="en-US" dirty="0"/>
               <a:t>Second level</a:t>
             </a:r>
           </a:p>
           <a:p>
             <a:pPr lvl="2"/>
             <a:r>
-              <a:rPr lang="en-US" dirty="0" smtClean="0"/>
+              <a:rPr lang="en-US" dirty="0"/>
               <a:t>Third level</a:t>
             </a:r>
           </a:p>
@@ -25171,14 +24694,14 @@
           <a:effectLst/>
           <a:extLst>
             <a:ext uri="{909E8E84-426E-40dd-AFC4-6F175D3DCCD1}">
-              <a14:hiddenFill xmlns:a14="http://schemas.microsoft.com/office/drawing/2010/main">
+              <a14:hiddenFill xmlns:a14="http://schemas.microsoft.com/office/drawing/2010/main" xmlns="">
                 <a:solidFill>
                   <a:srgbClr val="FFFFFF"/>
                 </a:solidFill>
               </a14:hiddenFill>
             </a:ext>
             <a:ext uri="{91240B29-F687-4f45-9708-019B960494DF}">
-              <a14:hiddenLine xmlns:a14="http://schemas.microsoft.com/office/drawing/2010/main" w="12700">
+              <a14:hiddenLine xmlns:a14="http://schemas.microsoft.com/office/drawing/2010/main" xmlns="" w="12700">
                 <a:solidFill>
                   <a:srgbClr val="000000"/>
                 </a:solidFill>
@@ -25188,7 +24711,7 @@
               </a14:hiddenLine>
             </a:ext>
             <a:ext uri="{AF507438-7753-43e0-B8FC-AC1667EBCBE1}">
-              <a14:hiddenEffects xmlns:a14="http://schemas.microsoft.com/office/drawing/2010/main">
+              <a14:hiddenEffects xmlns:a14="http://schemas.microsoft.com/office/drawing/2010/main" xmlns="">
                 <a:effectLst>
                   <a:outerShdw blurRad="63500" dist="38099" dir="2700000" algn="ctr" rotWithShape="0">
                     <a:srgbClr val="000000">
@@ -25222,7 +24745,7 @@
               <a:defRPr/>
             </a:pPr>
             <a:r>
-              <a:rPr lang="en-US" sz="700" b="0" i="0" kern="1200" dirty="0" smtClean="0">
+              <a:rPr lang="en-US" sz="700" b="0" i="0" kern="1200" dirty="0">
                 <a:solidFill>
                   <a:srgbClr val="A7A8A9"/>
                 </a:solidFill>
@@ -25233,7 +24756,7 @@
               </a:rPr>
               <a:t>© 2016 PayPal Inc. All rights reserved. Confidential and proprietary.</a:t>
             </a:r>
-            <a:endParaRPr lang="en-US" sz="700" b="0" i="0" kern="1200" dirty="0" smtClean="0">
+            <a:endParaRPr lang="en-US" sz="700" b="0" i="0" kern="1200" dirty="0">
               <a:solidFill>
                 <a:srgbClr val="A7A8A9"/>
               </a:solidFill>
@@ -25250,7 +24773,7 @@
               <a:defRPr/>
             </a:pPr>
             <a:r>
-              <a:rPr lang="en-US" sz="700" b="0" i="0" kern="1200" dirty="0" smtClean="0">
+              <a:rPr lang="en-US" sz="700" b="0" i="0" kern="1200" dirty="0">
                 <a:solidFill>
                   <a:srgbClr val="A7A8A9"/>
                 </a:solidFill>
@@ -25349,14 +24872,14 @@
           </a:ln>
           <a:extLst>
             <a:ext uri="{909E8E84-426E-40dd-AFC4-6F175D3DCCD1}">
-              <a14:hiddenFill xmlns:a14="http://schemas.microsoft.com/office/drawing/2010/main">
+              <a14:hiddenFill xmlns:a14="http://schemas.microsoft.com/office/drawing/2010/main" xmlns="">
                 <a:solidFill>
                   <a:srgbClr val="FFFFFF"/>
                 </a:solidFill>
               </a14:hiddenFill>
             </a:ext>
             <a:ext uri="{91240B29-F687-4f45-9708-019B960494DF}">
-              <a14:hiddenLine xmlns:a14="http://schemas.microsoft.com/office/drawing/2010/main" w="9525">
+              <a14:hiddenLine xmlns:a14="http://schemas.microsoft.com/office/drawing/2010/main" xmlns="" w="9525">
                 <a:solidFill>
                   <a:srgbClr val="000000"/>
                 </a:solidFill>
@@ -25439,7 +24962,7 @@
                 </a:lnSpc>
               </a:pPr>
               <a:r>
-                <a:rPr lang="en-US" sz="1100" dirty="0" smtClean="0">
+                <a:rPr lang="en-US" sz="1100" dirty="0">
                   <a:solidFill>
                     <a:schemeClr val="accent1"/>
                   </a:solidFill>
@@ -25448,13 +24971,6 @@
                 </a:rPr>
                 <a:t>Global Technology Education</a:t>
               </a:r>
-              <a:endParaRPr lang="en-US" sz="1100" dirty="0">
-                <a:solidFill>
-                  <a:schemeClr val="accent1"/>
-                </a:solidFill>
-                <a:latin typeface="Arial"/>
-                <a:cs typeface="Arial"/>
-              </a:endParaRPr>
             </a:p>
           </p:txBody>
         </p:sp>
@@ -25469,13 +24985,6 @@
   <p:clrMapOvr>
     <a:masterClrMapping/>
   </p:clrMapOvr>
-  <p:timing>
-    <p:tnLst>
-      <p:par>
-        <p:cTn xmlns:p14="http://schemas.microsoft.com/office/powerpoint/2010/main" id="1" dur="indefinite" restart="never" nodeType="tmRoot"/>
-      </p:par>
-    </p:tnLst>
-  </p:timing>
 </p:sldLayout>
 </file>
 
@@ -25623,7 +25132,7 @@
           <a:lstStyle/>
           <a:p>
             <a:pPr algn="ctr"/>
-            <a:endParaRPr lang="en-US" dirty="0" err="1" smtClean="0">
+            <a:endParaRPr lang="en-US" dirty="0" err="1">
               <a:latin typeface="Arial"/>
               <a:cs typeface="Arial"/>
             </a:endParaRPr>
@@ -25700,21 +25209,21 @@
           <a:p>
             <a:pPr lvl="0"/>
             <a:r>
-              <a:rPr lang="en-US" dirty="0" smtClean="0"/>
+              <a:rPr lang="en-US" dirty="0"/>
               <a:t>Click to edit Master text styles</a:t>
             </a:r>
           </a:p>
           <a:p>
             <a:pPr lvl="1"/>
             <a:r>
-              <a:rPr lang="en-US" dirty="0" smtClean="0"/>
+              <a:rPr lang="en-US" dirty="0"/>
               <a:t>Second level</a:t>
             </a:r>
           </a:p>
           <a:p>
             <a:pPr lvl="2"/>
             <a:r>
-              <a:rPr lang="en-US" dirty="0" smtClean="0"/>
+              <a:rPr lang="en-US" dirty="0"/>
               <a:t>Third level</a:t>
             </a:r>
           </a:p>
@@ -25797,14 +25306,14 @@
           <a:effectLst/>
           <a:extLst>
             <a:ext uri="{909E8E84-426E-40dd-AFC4-6F175D3DCCD1}">
-              <a14:hiddenFill xmlns:a14="http://schemas.microsoft.com/office/drawing/2010/main">
+              <a14:hiddenFill xmlns:a14="http://schemas.microsoft.com/office/drawing/2010/main" xmlns="">
                 <a:solidFill>
                   <a:srgbClr val="FFFFFF"/>
                 </a:solidFill>
               </a14:hiddenFill>
             </a:ext>
             <a:ext uri="{91240B29-F687-4f45-9708-019B960494DF}">
-              <a14:hiddenLine xmlns:a14="http://schemas.microsoft.com/office/drawing/2010/main" w="12700">
+              <a14:hiddenLine xmlns:a14="http://schemas.microsoft.com/office/drawing/2010/main" xmlns="" w="12700">
                 <a:solidFill>
                   <a:srgbClr val="000000"/>
                 </a:solidFill>
@@ -25814,7 +25323,7 @@
               </a14:hiddenLine>
             </a:ext>
             <a:ext uri="{AF507438-7753-43e0-B8FC-AC1667EBCBE1}">
-              <a14:hiddenEffects xmlns:a14="http://schemas.microsoft.com/office/drawing/2010/main">
+              <a14:hiddenEffects xmlns:a14="http://schemas.microsoft.com/office/drawing/2010/main" xmlns="">
                 <a:effectLst>
                   <a:outerShdw blurRad="63500" dist="38099" dir="2700000" algn="ctr" rotWithShape="0">
                     <a:srgbClr val="000000">
@@ -25848,7 +25357,7 @@
               <a:defRPr/>
             </a:pPr>
             <a:r>
-              <a:rPr lang="en-US" sz="700" b="0" i="0" kern="1200" dirty="0" smtClean="0">
+              <a:rPr lang="en-US" sz="700" b="0" i="0" kern="1200" dirty="0">
                 <a:solidFill>
                   <a:srgbClr val="A7A8A9"/>
                 </a:solidFill>
@@ -25859,7 +25368,7 @@
               </a:rPr>
               <a:t>© 2016 PayPal Inc. All rights reserved. Confidential and proprietary.</a:t>
             </a:r>
-            <a:endParaRPr lang="en-US" sz="700" b="0" i="0" kern="1200" dirty="0" smtClean="0">
+            <a:endParaRPr lang="en-US" sz="700" b="0" i="0" kern="1200" dirty="0">
               <a:solidFill>
                 <a:srgbClr val="A7A8A9"/>
               </a:solidFill>
@@ -25876,7 +25385,7 @@
               <a:defRPr/>
             </a:pPr>
             <a:r>
-              <a:rPr lang="en-US" sz="700" b="0" i="0" kern="1200" dirty="0" smtClean="0">
+              <a:rPr lang="en-US" sz="700" b="0" i="0" kern="1200" dirty="0">
                 <a:solidFill>
                   <a:srgbClr val="A7A8A9"/>
                 </a:solidFill>
@@ -25975,14 +25484,14 @@
           </a:ln>
           <a:extLst>
             <a:ext uri="{909E8E84-426E-40dd-AFC4-6F175D3DCCD1}">
-              <a14:hiddenFill xmlns:a14="http://schemas.microsoft.com/office/drawing/2010/main">
+              <a14:hiddenFill xmlns:a14="http://schemas.microsoft.com/office/drawing/2010/main" xmlns="">
                 <a:solidFill>
                   <a:srgbClr val="FFFFFF"/>
                 </a:solidFill>
               </a14:hiddenFill>
             </a:ext>
             <a:ext uri="{91240B29-F687-4f45-9708-019B960494DF}">
-              <a14:hiddenLine xmlns:a14="http://schemas.microsoft.com/office/drawing/2010/main" w="9525">
+              <a14:hiddenLine xmlns:a14="http://schemas.microsoft.com/office/drawing/2010/main" xmlns="" w="9525">
                 <a:solidFill>
                   <a:srgbClr val="000000"/>
                 </a:solidFill>
@@ -26065,7 +25574,7 @@
                 </a:lnSpc>
               </a:pPr>
               <a:r>
-                <a:rPr lang="en-US" sz="1100" dirty="0" smtClean="0">
+                <a:rPr lang="en-US" sz="1100" dirty="0">
                   <a:solidFill>
                     <a:schemeClr val="accent1"/>
                   </a:solidFill>
@@ -26074,13 +25583,6 @@
                 </a:rPr>
                 <a:t>Global Technology Education</a:t>
               </a:r>
-              <a:endParaRPr lang="en-US" sz="1100" dirty="0">
-                <a:solidFill>
-                  <a:schemeClr val="accent1"/>
-                </a:solidFill>
-                <a:latin typeface="Arial"/>
-                <a:cs typeface="Arial"/>
-              </a:endParaRPr>
             </a:p>
           </p:txBody>
         </p:sp>
@@ -26095,13 +25597,6 @@
   <p:clrMapOvr>
     <a:masterClrMapping/>
   </p:clrMapOvr>
-  <p:timing>
-    <p:tnLst>
-      <p:par>
-        <p:cTn xmlns:p14="http://schemas.microsoft.com/office/powerpoint/2010/main" id="1" dur="indefinite" restart="never" nodeType="tmRoot"/>
-      </p:par>
-    </p:tnLst>
-  </p:timing>
 </p:sldLayout>
 </file>
 
@@ -26249,7 +25744,7 @@
           <a:lstStyle/>
           <a:p>
             <a:pPr algn="ctr"/>
-            <a:endParaRPr lang="en-US" dirty="0" err="1" smtClean="0">
+            <a:endParaRPr lang="en-US" dirty="0" err="1">
               <a:latin typeface="Arial"/>
               <a:cs typeface="Arial"/>
             </a:endParaRPr>
@@ -26326,21 +25821,21 @@
           <a:p>
             <a:pPr lvl="0"/>
             <a:r>
-              <a:rPr lang="en-US" dirty="0" smtClean="0"/>
+              <a:rPr lang="en-US" dirty="0"/>
               <a:t>Click to edit Master text styles</a:t>
             </a:r>
           </a:p>
           <a:p>
             <a:pPr lvl="1"/>
             <a:r>
-              <a:rPr lang="en-US" dirty="0" smtClean="0"/>
+              <a:rPr lang="en-US" dirty="0"/>
               <a:t>Second level</a:t>
             </a:r>
           </a:p>
           <a:p>
             <a:pPr lvl="2"/>
             <a:r>
-              <a:rPr lang="en-US" dirty="0" smtClean="0"/>
+              <a:rPr lang="en-US" dirty="0"/>
               <a:t>Third level</a:t>
             </a:r>
           </a:p>
@@ -26423,14 +25918,14 @@
           <a:effectLst/>
           <a:extLst>
             <a:ext uri="{909E8E84-426E-40dd-AFC4-6F175D3DCCD1}">
-              <a14:hiddenFill xmlns:a14="http://schemas.microsoft.com/office/drawing/2010/main">
+              <a14:hiddenFill xmlns:a14="http://schemas.microsoft.com/office/drawing/2010/main" xmlns="">
                 <a:solidFill>
                   <a:srgbClr val="FFFFFF"/>
                 </a:solidFill>
               </a14:hiddenFill>
             </a:ext>
             <a:ext uri="{91240B29-F687-4f45-9708-019B960494DF}">
-              <a14:hiddenLine xmlns:a14="http://schemas.microsoft.com/office/drawing/2010/main" w="12700">
+              <a14:hiddenLine xmlns:a14="http://schemas.microsoft.com/office/drawing/2010/main" xmlns="" w="12700">
                 <a:solidFill>
                   <a:srgbClr val="000000"/>
                 </a:solidFill>
@@ -26440,7 +25935,7 @@
               </a14:hiddenLine>
             </a:ext>
             <a:ext uri="{AF507438-7753-43e0-B8FC-AC1667EBCBE1}">
-              <a14:hiddenEffects xmlns:a14="http://schemas.microsoft.com/office/drawing/2010/main">
+              <a14:hiddenEffects xmlns:a14="http://schemas.microsoft.com/office/drawing/2010/main" xmlns="">
                 <a:effectLst>
                   <a:outerShdw blurRad="63500" dist="38099" dir="2700000" algn="ctr" rotWithShape="0">
                     <a:srgbClr val="000000">
@@ -26474,7 +25969,7 @@
               <a:defRPr/>
             </a:pPr>
             <a:r>
-              <a:rPr lang="en-US" sz="700" b="0" i="0" kern="1200" dirty="0" smtClean="0">
+              <a:rPr lang="en-US" sz="700" b="0" i="0" kern="1200" dirty="0">
                 <a:solidFill>
                   <a:srgbClr val="A7A8A9"/>
                 </a:solidFill>
@@ -26485,7 +25980,7 @@
               </a:rPr>
               <a:t>© 2016 PayPal Inc. All rights reserved. Confidential and proprietary.</a:t>
             </a:r>
-            <a:endParaRPr lang="en-US" sz="700" b="0" i="0" kern="1200" dirty="0" smtClean="0">
+            <a:endParaRPr lang="en-US" sz="700" b="0" i="0" kern="1200" dirty="0">
               <a:solidFill>
                 <a:srgbClr val="A7A8A9"/>
               </a:solidFill>
@@ -26502,7 +25997,7 @@
               <a:defRPr/>
             </a:pPr>
             <a:r>
-              <a:rPr lang="en-US" sz="700" b="0" i="0" kern="1200" dirty="0" smtClean="0">
+              <a:rPr lang="en-US" sz="700" b="0" i="0" kern="1200" dirty="0">
                 <a:solidFill>
                   <a:srgbClr val="A7A8A9"/>
                 </a:solidFill>
@@ -26601,14 +26096,14 @@
           </a:ln>
           <a:extLst>
             <a:ext uri="{909E8E84-426E-40dd-AFC4-6F175D3DCCD1}">
-              <a14:hiddenFill xmlns:a14="http://schemas.microsoft.com/office/drawing/2010/main">
+              <a14:hiddenFill xmlns:a14="http://schemas.microsoft.com/office/drawing/2010/main" xmlns="">
                 <a:solidFill>
                   <a:srgbClr val="FFFFFF"/>
                 </a:solidFill>
               </a14:hiddenFill>
             </a:ext>
             <a:ext uri="{91240B29-F687-4f45-9708-019B960494DF}">
-              <a14:hiddenLine xmlns:a14="http://schemas.microsoft.com/office/drawing/2010/main" w="9525">
+              <a14:hiddenLine xmlns:a14="http://schemas.microsoft.com/office/drawing/2010/main" xmlns="" w="9525">
                 <a:solidFill>
                   <a:srgbClr val="000000"/>
                 </a:solidFill>
@@ -26691,7 +26186,7 @@
                 </a:lnSpc>
               </a:pPr>
               <a:r>
-                <a:rPr lang="en-US" sz="1100" dirty="0" smtClean="0">
+                <a:rPr lang="en-US" sz="1100" dirty="0">
                   <a:solidFill>
                     <a:schemeClr val="accent1"/>
                   </a:solidFill>
@@ -26700,13 +26195,6 @@
                 </a:rPr>
                 <a:t>Global Technology Education</a:t>
               </a:r>
-              <a:endParaRPr lang="en-US" sz="1100" dirty="0">
-                <a:solidFill>
-                  <a:schemeClr val="accent1"/>
-                </a:solidFill>
-                <a:latin typeface="Arial"/>
-                <a:cs typeface="Arial"/>
-              </a:endParaRPr>
             </a:p>
           </p:txBody>
         </p:sp>
@@ -26721,13 +26209,6 @@
   <p:clrMapOvr>
     <a:masterClrMapping/>
   </p:clrMapOvr>
-  <p:timing>
-    <p:tnLst>
-      <p:par>
-        <p:cTn xmlns:p14="http://schemas.microsoft.com/office/powerpoint/2010/main" id="1" dur="indefinite" restart="never" nodeType="tmRoot"/>
-      </p:par>
-    </p:tnLst>
-  </p:timing>
 </p:sldLayout>
 </file>
 
@@ -26875,7 +26356,7 @@
           <a:lstStyle/>
           <a:p>
             <a:pPr algn="ctr"/>
-            <a:endParaRPr lang="en-US" dirty="0" err="1" smtClean="0">
+            <a:endParaRPr lang="en-US" dirty="0" err="1">
               <a:latin typeface="Arial"/>
               <a:cs typeface="Arial"/>
             </a:endParaRPr>
@@ -26952,21 +26433,21 @@
           <a:p>
             <a:pPr lvl="0"/>
             <a:r>
-              <a:rPr lang="en-US" dirty="0" smtClean="0"/>
+              <a:rPr lang="en-US" dirty="0"/>
               <a:t>Click to edit Master text styles</a:t>
             </a:r>
           </a:p>
           <a:p>
             <a:pPr lvl="1"/>
             <a:r>
-              <a:rPr lang="en-US" dirty="0" smtClean="0"/>
+              <a:rPr lang="en-US" dirty="0"/>
               <a:t>Second level</a:t>
             </a:r>
           </a:p>
           <a:p>
             <a:pPr lvl="2"/>
             <a:r>
-              <a:rPr lang="en-US" dirty="0" smtClean="0"/>
+              <a:rPr lang="en-US" dirty="0"/>
               <a:t>Third level</a:t>
             </a:r>
           </a:p>
@@ -27049,14 +26530,14 @@
           <a:effectLst/>
           <a:extLst>
             <a:ext uri="{909E8E84-426E-40dd-AFC4-6F175D3DCCD1}">
-              <a14:hiddenFill xmlns:a14="http://schemas.microsoft.com/office/drawing/2010/main">
+              <a14:hiddenFill xmlns:a14="http://schemas.microsoft.com/office/drawing/2010/main" xmlns="">
                 <a:solidFill>
                   <a:srgbClr val="FFFFFF"/>
                 </a:solidFill>
               </a14:hiddenFill>
             </a:ext>
             <a:ext uri="{91240B29-F687-4f45-9708-019B960494DF}">
-              <a14:hiddenLine xmlns:a14="http://schemas.microsoft.com/office/drawing/2010/main" w="12700">
+              <a14:hiddenLine xmlns:a14="http://schemas.microsoft.com/office/drawing/2010/main" xmlns="" w="12700">
                 <a:solidFill>
                   <a:srgbClr val="000000"/>
                 </a:solidFill>
@@ -27066,7 +26547,7 @@
               </a14:hiddenLine>
             </a:ext>
             <a:ext uri="{AF507438-7753-43e0-B8FC-AC1667EBCBE1}">
-              <a14:hiddenEffects xmlns:a14="http://schemas.microsoft.com/office/drawing/2010/main">
+              <a14:hiddenEffects xmlns:a14="http://schemas.microsoft.com/office/drawing/2010/main" xmlns="">
                 <a:effectLst>
                   <a:outerShdw blurRad="63500" dist="38099" dir="2700000" algn="ctr" rotWithShape="0">
                     <a:srgbClr val="000000">
@@ -27100,7 +26581,7 @@
               <a:defRPr/>
             </a:pPr>
             <a:r>
-              <a:rPr lang="en-US" sz="700" b="0" i="0" kern="1200" dirty="0" smtClean="0">
+              <a:rPr lang="en-US" sz="700" b="0" i="0" kern="1200" dirty="0">
                 <a:solidFill>
                   <a:srgbClr val="A7A8A9"/>
                 </a:solidFill>
@@ -27111,7 +26592,7 @@
               </a:rPr>
               <a:t>© 2016 PayPal Inc. All rights reserved. Confidential and proprietary.</a:t>
             </a:r>
-            <a:endParaRPr lang="en-US" sz="700" b="0" i="0" kern="1200" dirty="0" smtClean="0">
+            <a:endParaRPr lang="en-US" sz="700" b="0" i="0" kern="1200" dirty="0">
               <a:solidFill>
                 <a:srgbClr val="A7A8A9"/>
               </a:solidFill>
@@ -27128,7 +26609,7 @@
               <a:defRPr/>
             </a:pPr>
             <a:r>
-              <a:rPr lang="en-US" sz="700" b="0" i="0" kern="1200" dirty="0" smtClean="0">
+              <a:rPr lang="en-US" sz="700" b="0" i="0" kern="1200" dirty="0">
                 <a:solidFill>
                   <a:srgbClr val="A7A8A9"/>
                 </a:solidFill>
@@ -27227,14 +26708,14 @@
           </a:ln>
           <a:extLst>
             <a:ext uri="{909E8E84-426E-40dd-AFC4-6F175D3DCCD1}">
-              <a14:hiddenFill xmlns:a14="http://schemas.microsoft.com/office/drawing/2010/main">
+              <a14:hiddenFill xmlns:a14="http://schemas.microsoft.com/office/drawing/2010/main" xmlns="">
                 <a:solidFill>
                   <a:srgbClr val="FFFFFF"/>
                 </a:solidFill>
               </a14:hiddenFill>
             </a:ext>
             <a:ext uri="{91240B29-F687-4f45-9708-019B960494DF}">
-              <a14:hiddenLine xmlns:a14="http://schemas.microsoft.com/office/drawing/2010/main" w="9525">
+              <a14:hiddenLine xmlns:a14="http://schemas.microsoft.com/office/drawing/2010/main" xmlns="" w="9525">
                 <a:solidFill>
                   <a:srgbClr val="000000"/>
                 </a:solidFill>
@@ -27317,7 +26798,7 @@
                 </a:lnSpc>
               </a:pPr>
               <a:r>
-                <a:rPr lang="en-US" sz="1100" dirty="0" smtClean="0">
+                <a:rPr lang="en-US" sz="1100" dirty="0">
                   <a:solidFill>
                     <a:schemeClr val="accent1"/>
                   </a:solidFill>
@@ -27326,13 +26807,6 @@
                 </a:rPr>
                 <a:t>Global Technology Education</a:t>
               </a:r>
-              <a:endParaRPr lang="en-US" sz="1100" dirty="0">
-                <a:solidFill>
-                  <a:schemeClr val="accent1"/>
-                </a:solidFill>
-                <a:latin typeface="Arial"/>
-                <a:cs typeface="Arial"/>
-              </a:endParaRPr>
             </a:p>
           </p:txBody>
         </p:sp>
@@ -27347,13 +26821,6 @@
   <p:clrMapOvr>
     <a:masterClrMapping/>
   </p:clrMapOvr>
-  <p:timing>
-    <p:tnLst>
-      <p:par>
-        <p:cTn xmlns:p14="http://schemas.microsoft.com/office/powerpoint/2010/main" id="1" dur="indefinite" restart="never" nodeType="tmRoot"/>
-      </p:par>
-    </p:tnLst>
-  </p:timing>
 </p:sldLayout>
 </file>
 
@@ -27501,7 +26968,7 @@
           <a:lstStyle/>
           <a:p>
             <a:pPr algn="ctr"/>
-            <a:endParaRPr lang="en-US" dirty="0" err="1" smtClean="0">
+            <a:endParaRPr lang="en-US" dirty="0" err="1">
               <a:latin typeface="Arial"/>
               <a:cs typeface="Arial"/>
             </a:endParaRPr>
@@ -27578,21 +27045,21 @@
           <a:p>
             <a:pPr lvl="0"/>
             <a:r>
-              <a:rPr lang="en-US" dirty="0" smtClean="0"/>
+              <a:rPr lang="en-US" dirty="0"/>
               <a:t>Click to edit Master text styles</a:t>
             </a:r>
           </a:p>
           <a:p>
             <a:pPr lvl="1"/>
             <a:r>
-              <a:rPr lang="en-US" dirty="0" smtClean="0"/>
+              <a:rPr lang="en-US" dirty="0"/>
               <a:t>Second level</a:t>
             </a:r>
           </a:p>
           <a:p>
             <a:pPr lvl="2"/>
             <a:r>
-              <a:rPr lang="en-US" dirty="0" smtClean="0"/>
+              <a:rPr lang="en-US" dirty="0"/>
               <a:t>Third level</a:t>
             </a:r>
           </a:p>
@@ -27675,14 +27142,14 @@
           <a:effectLst/>
           <a:extLst>
             <a:ext uri="{909E8E84-426E-40dd-AFC4-6F175D3DCCD1}">
-              <a14:hiddenFill xmlns:a14="http://schemas.microsoft.com/office/drawing/2010/main">
+              <a14:hiddenFill xmlns:a14="http://schemas.microsoft.com/office/drawing/2010/main" xmlns="">
                 <a:solidFill>
                   <a:srgbClr val="FFFFFF"/>
                 </a:solidFill>
               </a14:hiddenFill>
             </a:ext>
             <a:ext uri="{91240B29-F687-4f45-9708-019B960494DF}">
-              <a14:hiddenLine xmlns:a14="http://schemas.microsoft.com/office/drawing/2010/main" w="12700">
+              <a14:hiddenLine xmlns:a14="http://schemas.microsoft.com/office/drawing/2010/main" xmlns="" w="12700">
                 <a:solidFill>
                   <a:srgbClr val="000000"/>
                 </a:solidFill>
@@ -27692,7 +27159,7 @@
               </a14:hiddenLine>
             </a:ext>
             <a:ext uri="{AF507438-7753-43e0-B8FC-AC1667EBCBE1}">
-              <a14:hiddenEffects xmlns:a14="http://schemas.microsoft.com/office/drawing/2010/main">
+              <a14:hiddenEffects xmlns:a14="http://schemas.microsoft.com/office/drawing/2010/main" xmlns="">
                 <a:effectLst>
                   <a:outerShdw blurRad="63500" dist="38099" dir="2700000" algn="ctr" rotWithShape="0">
                     <a:srgbClr val="000000">
@@ -27726,7 +27193,7 @@
               <a:defRPr/>
             </a:pPr>
             <a:r>
-              <a:rPr lang="en-US" sz="700" b="0" i="0" kern="1200" dirty="0" smtClean="0">
+              <a:rPr lang="en-US" sz="700" b="0" i="0" kern="1200" dirty="0">
                 <a:solidFill>
                   <a:srgbClr val="A7A8A9"/>
                 </a:solidFill>
@@ -27737,7 +27204,7 @@
               </a:rPr>
               <a:t>© 2016 PayPal Inc. All rights reserved. Confidential and proprietary.</a:t>
             </a:r>
-            <a:endParaRPr lang="en-US" sz="700" b="0" i="0" kern="1200" dirty="0" smtClean="0">
+            <a:endParaRPr lang="en-US" sz="700" b="0" i="0" kern="1200" dirty="0">
               <a:solidFill>
                 <a:srgbClr val="A7A8A9"/>
               </a:solidFill>
@@ -27754,7 +27221,7 @@
               <a:defRPr/>
             </a:pPr>
             <a:r>
-              <a:rPr lang="en-US" sz="700" b="0" i="0" kern="1200" dirty="0" smtClean="0">
+              <a:rPr lang="en-US" sz="700" b="0" i="0" kern="1200" dirty="0">
                 <a:solidFill>
                   <a:srgbClr val="A7A8A9"/>
                 </a:solidFill>
@@ -27853,14 +27320,14 @@
           </a:ln>
           <a:extLst>
             <a:ext uri="{909E8E84-426E-40dd-AFC4-6F175D3DCCD1}">
-              <a14:hiddenFill xmlns:a14="http://schemas.microsoft.com/office/drawing/2010/main">
+              <a14:hiddenFill xmlns:a14="http://schemas.microsoft.com/office/drawing/2010/main" xmlns="">
                 <a:solidFill>
                   <a:srgbClr val="FFFFFF"/>
                 </a:solidFill>
               </a14:hiddenFill>
             </a:ext>
             <a:ext uri="{91240B29-F687-4f45-9708-019B960494DF}">
-              <a14:hiddenLine xmlns:a14="http://schemas.microsoft.com/office/drawing/2010/main" w="9525">
+              <a14:hiddenLine xmlns:a14="http://schemas.microsoft.com/office/drawing/2010/main" xmlns="" w="9525">
                 <a:solidFill>
                   <a:srgbClr val="000000"/>
                 </a:solidFill>
@@ -27943,7 +27410,7 @@
                 </a:lnSpc>
               </a:pPr>
               <a:r>
-                <a:rPr lang="en-US" sz="1100" dirty="0" smtClean="0">
+                <a:rPr lang="en-US" sz="1100" dirty="0">
                   <a:solidFill>
                     <a:schemeClr val="accent1"/>
                   </a:solidFill>
@@ -27952,13 +27419,6 @@
                 </a:rPr>
                 <a:t>Global Technology Education</a:t>
               </a:r>
-              <a:endParaRPr lang="en-US" sz="1100" dirty="0">
-                <a:solidFill>
-                  <a:schemeClr val="accent1"/>
-                </a:solidFill>
-                <a:latin typeface="Arial"/>
-                <a:cs typeface="Arial"/>
-              </a:endParaRPr>
             </a:p>
           </p:txBody>
         </p:sp>
@@ -27973,13 +27433,6 @@
   <p:clrMapOvr>
     <a:masterClrMapping/>
   </p:clrMapOvr>
-  <p:timing>
-    <p:tnLst>
-      <p:par>
-        <p:cTn xmlns:p14="http://schemas.microsoft.com/office/powerpoint/2010/main" id="1" dur="indefinite" restart="never" nodeType="tmRoot"/>
-      </p:par>
-    </p:tnLst>
-  </p:timing>
 </p:sldLayout>
 </file>
 
@@ -28052,13 +27505,6 @@
     <p:sldLayoutId id="2147483669" r:id="rId36"/>
     <p:sldLayoutId id="2147483690" r:id="rId37"/>
   </p:sldLayoutIdLst>
-  <p:timing>
-    <p:tnLst>
-      <p:par>
-        <p:cTn xmlns:p14="http://schemas.microsoft.com/office/powerpoint/2010/main" id="1" dur="indefinite" restart="never" nodeType="tmRoot"/>
-      </p:par>
-    </p:tnLst>
-  </p:timing>
   <p:hf hdr="0" ftr="0" dt="0"/>
   <p:txStyles>
     <p:titleStyle>
@@ -28351,10 +27797,9 @@
           <a:lstStyle/>
           <a:p>
             <a:r>
-              <a:rPr lang="en-US" dirty="0" smtClean="0"/>
+              <a:rPr lang="en-US" dirty="0"/>
               <a:t>Spark SQL</a:t>
             </a:r>
-            <a:endParaRPr lang="en-US" dirty="0"/>
           </a:p>
         </p:txBody>
       </p:sp>
@@ -28368,13 +27813,140 @@
   <p:clrMapOvr>
     <a:masterClrMapping/>
   </p:clrMapOvr>
-  <p:timing>
-    <p:tnLst>
-      <p:par>
-        <p:cTn xmlns:p14="http://schemas.microsoft.com/office/powerpoint/2010/main" id="1" dur="indefinite" restart="never" nodeType="tmRoot"/>
-      </p:par>
-    </p:tnLst>
-  </p:timing>
+</p:sld>
+</file>
+
+<file path=ppt/slides/slide10.xml><?xml version="1.0" encoding="utf-8"?>
+<p:sld xmlns:a="http://schemas.openxmlformats.org/drawingml/2006/main" xmlns:r="http://schemas.openxmlformats.org/officeDocument/2006/relationships" xmlns:p="http://schemas.openxmlformats.org/presentationml/2006/main">
+  <p:cSld>
+    <p:spTree>
+      <p:nvGrpSpPr>
+        <p:cNvPr id="1" name=""/>
+        <p:cNvGrpSpPr/>
+        <p:nvPr/>
+      </p:nvGrpSpPr>
+      <p:grpSpPr>
+        <a:xfrm>
+          <a:off x="0" y="0"/>
+          <a:ext cx="0" cy="0"/>
+          <a:chOff x="0" y="0"/>
+          <a:chExt cx="0" cy="0"/>
+        </a:xfrm>
+      </p:grpSpPr>
+      <p:sp>
+        <p:nvSpPr>
+          <p:cNvPr id="2" name="Title 1"/>
+          <p:cNvSpPr>
+            <a:spLocks noGrp="1"/>
+          </p:cNvSpPr>
+          <p:nvPr>
+            <p:ph type="title"/>
+          </p:nvPr>
+        </p:nvSpPr>
+        <p:spPr/>
+        <p:txBody>
+          <a:bodyPr/>
+          <a:lstStyle/>
+          <a:p>
+            <a:r>
+              <a:rPr lang="en-US" dirty="0"/>
+              <a:t>Conclusion</a:t>
+            </a:r>
+          </a:p>
+        </p:txBody>
+      </p:sp>
+      <p:sp>
+        <p:nvSpPr>
+          <p:cNvPr id="3" name="Slide Number Placeholder 2"/>
+          <p:cNvSpPr>
+            <a:spLocks noGrp="1"/>
+          </p:cNvSpPr>
+          <p:nvPr>
+            <p:ph type="sldNum" sz="quarter" idx="4"/>
+          </p:nvPr>
+        </p:nvSpPr>
+        <p:spPr/>
+        <p:txBody>
+          <a:bodyPr/>
+          <a:lstStyle/>
+          <a:p>
+            <a:fld id="{392A089F-6FA7-E74D-8B91-14056D11BB2D}" type="slidenum">
+              <a:rPr lang="en-US" smtClean="0"/>
+              <a:pPr/>
+              <a:t>10</a:t>
+            </a:fld>
+            <a:endParaRPr lang="en-US" dirty="0"/>
+          </a:p>
+        </p:txBody>
+      </p:sp>
+      <p:sp>
+        <p:nvSpPr>
+          <p:cNvPr id="4" name="Text Placeholder 3"/>
+          <p:cNvSpPr>
+            <a:spLocks noGrp="1"/>
+          </p:cNvSpPr>
+          <p:nvPr>
+            <p:ph type="body" sz="quarter" idx="12"/>
+          </p:nvPr>
+        </p:nvSpPr>
+        <p:spPr/>
+        <p:txBody>
+          <a:bodyPr/>
+          <a:lstStyle/>
+          <a:p>
+            <a:r>
+              <a:rPr lang="en-US" dirty="0"/>
+              <a:t>Spark SQL:</a:t>
+            </a:r>
+          </a:p>
+          <a:p>
+            <a:pPr lvl="1"/>
+            <a:r>
+              <a:rPr lang="en-US" dirty="0"/>
+              <a:t>Provides a familiar API for developers</a:t>
+            </a:r>
+          </a:p>
+          <a:p>
+            <a:pPr lvl="1"/>
+            <a:r>
+              <a:rPr lang="en-US" dirty="0"/>
+              <a:t>Allows effective integration of BI tools via Spark's JDBC driver</a:t>
+            </a:r>
+          </a:p>
+          <a:p>
+            <a:pPr lvl="1"/>
+            <a:r>
+              <a:rPr lang="en-US" dirty="0"/>
+              <a:t>Supports many common file formats</a:t>
+            </a:r>
+          </a:p>
+          <a:p>
+            <a:pPr lvl="1"/>
+            <a:r>
+              <a:rPr lang="en-US" dirty="0"/>
+              <a:t>Supports Hive &amp; </a:t>
+            </a:r>
+            <a:r>
+              <a:rPr lang="en-US" dirty="0" err="1"/>
+              <a:t>HiveQL</a:t>
+            </a:r>
+            <a:endParaRPr lang="en-US" dirty="0"/>
+          </a:p>
+          <a:p>
+            <a:endParaRPr lang="en-US" dirty="0"/>
+          </a:p>
+        </p:txBody>
+      </p:sp>
+    </p:spTree>
+    <p:extLst>
+      <p:ext uri="{BB962C8B-B14F-4D97-AF65-F5344CB8AC3E}">
+        <p14:creationId xmlns:p14="http://schemas.microsoft.com/office/powerpoint/2010/main" val="2702680926"/>
+      </p:ext>
+    </p:extLst>
+  </p:cSld>
+  <p:clrMapOvr>
+    <a:masterClrMapping/>
+  </p:clrMapOvr>
 </p:sld>
 </file>
 
@@ -28411,10 +27983,9 @@
           <a:lstStyle/>
           <a:p>
             <a:r>
-              <a:rPr lang="en-US" dirty="0" smtClean="0"/>
+              <a:rPr lang="en-US" dirty="0"/>
               <a:t>Overview</a:t>
             </a:r>
-            <a:endParaRPr lang="en-US" dirty="0"/>
           </a:p>
         </p:txBody>
       </p:sp>
@@ -28458,43 +28029,43 @@
           <a:lstStyle/>
           <a:p>
             <a:r>
-              <a:rPr lang="en-US" dirty="0" smtClean="0"/>
+              <a:rPr lang="en-US" dirty="0"/>
               <a:t>Concepts</a:t>
             </a:r>
           </a:p>
           <a:p>
             <a:r>
-              <a:rPr lang="en-US" dirty="0" smtClean="0"/>
+              <a:rPr lang="en-US" dirty="0"/>
               <a:t>Contexts</a:t>
             </a:r>
           </a:p>
           <a:p>
             <a:r>
-              <a:rPr lang="en-US" dirty="0" err="1" smtClean="0"/>
+              <a:rPr lang="en-US" dirty="0" err="1"/>
               <a:t>DataFrame</a:t>
             </a:r>
-            <a:endParaRPr lang="en-US" dirty="0" smtClean="0"/>
-          </a:p>
-          <a:p>
-            <a:r>
-              <a:rPr lang="en-US" dirty="0" smtClean="0"/>
+            <a:endParaRPr lang="en-US" dirty="0"/>
+          </a:p>
+          <a:p>
+            <a:r>
+              <a:rPr lang="en-US" dirty="0"/>
               <a:t>Data Sources</a:t>
             </a:r>
           </a:p>
           <a:p>
             <a:r>
-              <a:rPr lang="en-US" dirty="0" smtClean="0"/>
+              <a:rPr lang="en-US" dirty="0"/>
               <a:t>User-Defined Functions</a:t>
             </a:r>
           </a:p>
           <a:p>
             <a:r>
-              <a:rPr lang="en-US" dirty="0" smtClean="0"/>
+              <a:rPr lang="en-US" dirty="0"/>
               <a:t>Integration/Tools</a:t>
             </a:r>
           </a:p>
           <a:p>
-            <a:endParaRPr lang="en-US" dirty="0" smtClean="0"/>
+            <a:endParaRPr lang="en-US" dirty="0"/>
           </a:p>
         </p:txBody>
       </p:sp>
@@ -28544,10 +28115,9 @@
           <a:lstStyle/>
           <a:p>
             <a:r>
-              <a:rPr lang="en-US" dirty="0" smtClean="0"/>
+              <a:rPr lang="en-US" dirty="0"/>
               <a:t>Concepts</a:t>
             </a:r>
-            <a:endParaRPr lang="en-US" dirty="0"/>
           </a:p>
         </p:txBody>
       </p:sp>
@@ -28591,34 +28161,34 @@
           <a:lstStyle/>
           <a:p>
             <a:r>
-              <a:rPr lang="en-US" dirty="0" smtClean="0"/>
+              <a:rPr lang="en-US" dirty="0"/>
               <a:t>Apache Spark provides the means to use SQL to process structured data stored in the cluster</a:t>
             </a:r>
           </a:p>
           <a:p>
             <a:r>
-              <a:rPr lang="en-US" dirty="0" smtClean="0"/>
+              <a:rPr lang="en-US" dirty="0"/>
               <a:t>Can use SQL (more general) or </a:t>
             </a:r>
             <a:r>
-              <a:rPr lang="en-US" dirty="0" err="1" smtClean="0"/>
+              <a:rPr lang="en-US" dirty="0" err="1"/>
               <a:t>HiveQL</a:t>
             </a:r>
             <a:r>
-              <a:rPr lang="en-US" dirty="0" smtClean="0"/>
+              <a:rPr lang="en-US" dirty="0"/>
               <a:t> (more capable)</a:t>
             </a:r>
           </a:p>
           <a:p>
             <a:r>
-              <a:rPr lang="en-US" dirty="0" smtClean="0"/>
+              <a:rPr lang="en-US" dirty="0"/>
               <a:t>Think of your data in terms of tables &amp; use conventional relational concepts to query or modify</a:t>
             </a:r>
           </a:p>
           <a:p>
             <a:pPr lvl="1"/>
             <a:r>
-              <a:rPr lang="en-US" dirty="0" smtClean="0"/>
+              <a:rPr lang="en-US" dirty="0"/>
               <a:t>Except it's done in the cluster!</a:t>
             </a:r>
           </a:p>
@@ -28656,7 +28226,13 @@
       </p:grpSpPr>
       <p:sp>
         <p:nvSpPr>
-          <p:cNvPr id="2" name="Title 1"/>
+          <p:cNvPr id="2" name="Title 1">
+            <a:extLst>
+              <a:ext uri="{FF2B5EF4-FFF2-40B4-BE49-F238E27FC236}">
+                <a16:creationId xmlns:a16="http://schemas.microsoft.com/office/drawing/2014/main" id="{2AD298F5-E3D0-F747-859F-B871B8F829AA}"/>
+              </a:ext>
+            </a:extLst>
+          </p:cNvPr>
           <p:cNvSpPr>
             <a:spLocks noGrp="1"/>
           </p:cNvSpPr>
@@ -28670,16 +28246,21 @@
           <a:lstStyle/>
           <a:p>
             <a:r>
-              <a:rPr lang="en-US" dirty="0" smtClean="0"/>
-              <a:t>Contexts</a:t>
-            </a:r>
-            <a:endParaRPr lang="en-US" dirty="0"/>
+              <a:rPr lang="en-US" dirty="0"/>
+              <a:t>What is SQL?</a:t>
+            </a:r>
           </a:p>
         </p:txBody>
       </p:sp>
       <p:sp>
         <p:nvSpPr>
-          <p:cNvPr id="3" name="Slide Number Placeholder 2"/>
+          <p:cNvPr id="3" name="Slide Number Placeholder 2">
+            <a:extLst>
+              <a:ext uri="{FF2B5EF4-FFF2-40B4-BE49-F238E27FC236}">
+                <a16:creationId xmlns:a16="http://schemas.microsoft.com/office/drawing/2014/main" id="{4AE3D041-7C6F-0B42-9876-27A79D2740D7}"/>
+              </a:ext>
+            </a:extLst>
+          </p:cNvPr>
           <p:cNvSpPr>
             <a:spLocks noGrp="1"/>
           </p:cNvSpPr>
@@ -28703,7 +28284,13 @@
       </p:sp>
       <p:sp>
         <p:nvSpPr>
-          <p:cNvPr id="4" name="Text Placeholder 3"/>
+          <p:cNvPr id="4" name="Text Placeholder 3">
+            <a:extLst>
+              <a:ext uri="{FF2B5EF4-FFF2-40B4-BE49-F238E27FC236}">
+                <a16:creationId xmlns:a16="http://schemas.microsoft.com/office/drawing/2014/main" id="{C39CC237-7F35-E24E-8BF6-8B65CA73AD60}"/>
+              </a:ext>
+            </a:extLst>
+          </p:cNvPr>
           <p:cNvSpPr>
             <a:spLocks noGrp="1"/>
           </p:cNvSpPr>
@@ -28717,109 +28304,80 @@
           <a:lstStyle/>
           <a:p>
             <a:r>
-              <a:rPr lang="en-US" dirty="0" smtClean="0"/>
-              <a:t>The entry point to Spark SQL is the </a:t>
-            </a:r>
-            <a:r>
-              <a:rPr lang="en-US" dirty="0" err="1" smtClean="0"/>
-              <a:t>SQLContext</a:t>
-            </a:r>
-            <a:endParaRPr lang="en-US" dirty="0" smtClean="0"/>
+              <a:rPr lang="en-US" dirty="0"/>
+              <a:t>SQL – Structured Query Language</a:t>
+            </a:r>
           </a:p>
           <a:p>
             <a:pPr lvl="1"/>
             <a:r>
               <a:rPr lang="en-US" dirty="0"/>
-              <a:t>Use new operator and pass an existing </a:t>
+              <a:t>Domain-specific language for expressing relational operations over data</a:t>
+            </a:r>
+          </a:p>
+          <a:p>
+            <a:pPr lvl="1"/>
+            <a:r>
+              <a:rPr lang="en-US" dirty="0"/>
+              <a:t>Most commonly used as a language to manipulate data in relational databases</a:t>
+            </a:r>
+          </a:p>
+          <a:p>
+            <a:pPr lvl="1"/>
+            <a:r>
+              <a:rPr lang="en-US" dirty="0"/>
+              <a:t>Several dialects and multiple standards</a:t>
+            </a:r>
+          </a:p>
+          <a:p>
+            <a:pPr lvl="1"/>
+            <a:r>
+              <a:rPr lang="en-US" dirty="0"/>
+              <a:t>Spark implements a subset of ANSI SQL-2003</a:t>
+            </a:r>
+          </a:p>
+          <a:p>
+            <a:r>
+              <a:rPr lang="en-US" dirty="0"/>
+              <a:t>Spark is not the only tool that understands SQL in the Big Data Hadoop space</a:t>
+            </a:r>
+          </a:p>
+          <a:p>
+            <a:pPr lvl="1"/>
+            <a:r>
+              <a:rPr lang="en-US" dirty="0"/>
+              <a:t>Hive (created at Facebook)</a:t>
+            </a:r>
+          </a:p>
+          <a:p>
+            <a:pPr lvl="2"/>
+            <a:r>
+              <a:rPr lang="en-US" dirty="0"/>
+              <a:t>Spark can connect to Hive </a:t>
             </a:r>
             <a:r>
               <a:rPr lang="en-US" dirty="0" err="1"/>
-              <a:t>SparkContext</a:t>
-            </a:r>
-            <a:endParaRPr lang="en-US" dirty="0"/>
-          </a:p>
-          <a:p>
-            <a:r>
-              <a:rPr lang="en-US" dirty="0" smtClean="0"/>
-              <a:t>Spark also supports </a:t>
-            </a:r>
-            <a:r>
-              <a:rPr lang="en-US" dirty="0" err="1" smtClean="0"/>
-              <a:t>HiveQL</a:t>
-            </a:r>
-            <a:r>
-              <a:rPr lang="en-US" dirty="0" smtClean="0"/>
-              <a:t> via </a:t>
-            </a:r>
-            <a:r>
-              <a:rPr lang="en-US" dirty="0" err="1" smtClean="0"/>
-              <a:t>HiveContext</a:t>
-            </a:r>
-            <a:endParaRPr lang="en-US" dirty="0" smtClean="0"/>
-          </a:p>
-          <a:p>
-            <a:pPr lvl="1"/>
-            <a:r>
-              <a:rPr lang="en-US" dirty="0" smtClean="0"/>
-              <a:t>More capable, richer API than </a:t>
-            </a:r>
-            <a:r>
-              <a:rPr lang="en-US" dirty="0" err="1" smtClean="0"/>
-              <a:t>SQLContext</a:t>
-            </a:r>
-            <a:r>
-              <a:rPr lang="en-US" dirty="0" smtClean="0"/>
-              <a:t>:</a:t>
-            </a:r>
-          </a:p>
-          <a:p>
-            <a:pPr lvl="2"/>
-            <a:r>
-              <a:rPr lang="en-US" dirty="0" smtClean="0"/>
-              <a:t>Write queries via </a:t>
-            </a:r>
-            <a:r>
-              <a:rPr lang="en-US" dirty="0" err="1" smtClean="0"/>
-              <a:t>HiveQL</a:t>
-            </a:r>
-            <a:r>
-              <a:rPr lang="en-US" dirty="0" smtClean="0"/>
-              <a:t> parser</a:t>
-            </a:r>
-          </a:p>
-          <a:p>
-            <a:pPr lvl="2"/>
-            <a:r>
-              <a:rPr lang="en-US" dirty="0" smtClean="0"/>
-              <a:t>Access Hive user-defined functions (UDFs)</a:t>
-            </a:r>
-          </a:p>
-          <a:p>
-            <a:pPr lvl="2"/>
-            <a:r>
-              <a:rPr lang="en-US" dirty="0" smtClean="0"/>
-              <a:t>Read data from Hive tables</a:t>
-            </a:r>
-            <a:endParaRPr lang="en-US" dirty="0"/>
-          </a:p>
-          <a:p>
-            <a:pPr lvl="1"/>
-            <a:r>
-              <a:rPr lang="en-US" dirty="0" smtClean="0"/>
-              <a:t>Superset of </a:t>
-            </a:r>
-            <a:r>
-              <a:rPr lang="en-US" dirty="0" err="1" smtClean="0"/>
-              <a:t>SQLContext</a:t>
-            </a:r>
-            <a:endParaRPr lang="en-US" dirty="0" smtClean="0"/>
+              <a:t>metastore</a:t>
+            </a:r>
+            <a:r>
+              <a:rPr lang="en-US" dirty="0"/>
+              <a:t> (</a:t>
+            </a:r>
+            <a:r>
+              <a:rPr lang="en-US" dirty="0" err="1"/>
+              <a:t>HCatalog</a:t>
+            </a:r>
+            <a:r>
+              <a:rPr lang="en-US" dirty="0"/>
+              <a:t>)</a:t>
+            </a:r>
           </a:p>
         </p:txBody>
       </p:sp>
     </p:spTree>
     <p:extLst>
       <p:ext uri="{BB962C8B-B14F-4D97-AF65-F5344CB8AC3E}">
-        <p14:creationId xmlns:p14="http://schemas.microsoft.com/office/powerpoint/2010/main" val="3867879423"/>
+        <p14:creationId xmlns:p14="http://schemas.microsoft.com/office/powerpoint/2010/main" val="500995597"/>
       </p:ext>
     </p:extLst>
   </p:cSld>
@@ -28862,10 +28420,9 @@
           <a:lstStyle/>
           <a:p>
             <a:r>
-              <a:rPr lang="en-US" dirty="0" err="1" smtClean="0"/>
-              <a:t>DataFrame</a:t>
-            </a:r>
-            <a:endParaRPr lang="en-US" dirty="0"/>
+              <a:rPr lang="en-US" dirty="0"/>
+              <a:t>Contexts</a:t>
+            </a:r>
           </a:p>
         </p:txBody>
       </p:sp>
@@ -28909,85 +28466,108 @@
           <a:lstStyle/>
           <a:p>
             <a:r>
-              <a:rPr lang="en-US" dirty="0" smtClean="0"/>
-              <a:t>Primary programming artifact for using Spark SQL</a:t>
-            </a:r>
-          </a:p>
-          <a:p>
-            <a:r>
-              <a:rPr lang="en-US" dirty="0" smtClean="0"/>
-              <a:t>Different ways to get a </a:t>
-            </a:r>
-            <a:r>
-              <a:rPr lang="en-US" dirty="0" err="1" smtClean="0"/>
-              <a:t>DataFrame</a:t>
-            </a:r>
-            <a:endParaRPr lang="en-US" dirty="0" smtClean="0"/>
+              <a:rPr lang="en-US" dirty="0"/>
+              <a:t>The entry point to Spark SQL is the </a:t>
+            </a:r>
+            <a:r>
+              <a:rPr lang="en-US" dirty="0" err="1"/>
+              <a:t>SQLContext</a:t>
+            </a:r>
+            <a:endParaRPr lang="en-US" dirty="0"/>
           </a:p>
           <a:p>
             <a:pPr lvl="1"/>
             <a:r>
-              <a:rPr lang="en-US" dirty="0" err="1" smtClean="0"/>
-              <a:t>sqlContext.read</a:t>
-            </a:r>
-            <a:r>
-              <a:rPr lang="en-US" dirty="0" smtClean="0"/>
-              <a:t>._ methods</a:t>
-            </a:r>
+              <a:rPr lang="en-US" dirty="0"/>
+              <a:t>A wrapper around the </a:t>
+            </a:r>
+            <a:r>
+              <a:rPr lang="en-US" dirty="0" err="1"/>
+              <a:t>SparkContext</a:t>
+            </a:r>
+            <a:endParaRPr lang="en-US" dirty="0"/>
+          </a:p>
+          <a:p>
+            <a:r>
+              <a:rPr lang="en-US" dirty="0"/>
+              <a:t>Spark also supports </a:t>
+            </a:r>
+            <a:r>
+              <a:rPr lang="en-US" dirty="0" err="1"/>
+              <a:t>HiveQL</a:t>
+            </a:r>
+            <a:r>
+              <a:rPr lang="en-US" dirty="0"/>
+              <a:t> via </a:t>
+            </a:r>
+            <a:r>
+              <a:rPr lang="en-US" dirty="0" err="1"/>
+              <a:t>HiveContext</a:t>
+            </a:r>
+            <a:endParaRPr lang="en-US" dirty="0"/>
           </a:p>
           <a:p>
             <a:pPr lvl="1"/>
             <a:r>
-              <a:rPr lang="en-US" dirty="0" err="1" smtClean="0"/>
-              <a:t>sqlContext.implicits</a:t>
-            </a:r>
-            <a:r>
-              <a:rPr lang="en-US" dirty="0" smtClean="0"/>
-              <a:t>._ adds methods to RDDs to get </a:t>
-            </a:r>
-            <a:r>
-              <a:rPr lang="en-US" dirty="0" err="1" smtClean="0"/>
-              <a:t>DataFrames</a:t>
-            </a:r>
-            <a:endParaRPr lang="en-US" dirty="0" smtClean="0"/>
-          </a:p>
-          <a:p>
-            <a:r>
-              <a:rPr lang="en-US" dirty="0" smtClean="0"/>
-              <a:t>Provides DSL for manipulating structured data</a:t>
-            </a:r>
-          </a:p>
-          <a:p>
-            <a:r>
-              <a:rPr lang="en-US" dirty="0" smtClean="0"/>
-              <a:t>Provides implicit or explicit schema definition</a:t>
+              <a:rPr lang="en-US" dirty="0"/>
+              <a:t>More capable, richer API than </a:t>
+            </a:r>
+            <a:r>
+              <a:rPr lang="en-US" dirty="0" err="1"/>
+              <a:t>SQLContext</a:t>
+            </a:r>
+            <a:r>
+              <a:rPr lang="en-US" dirty="0"/>
+              <a:t>:</a:t>
+            </a:r>
+          </a:p>
+          <a:p>
+            <a:pPr lvl="2"/>
+            <a:r>
+              <a:rPr lang="en-US" dirty="0"/>
+              <a:t>Write queries via </a:t>
+            </a:r>
+            <a:r>
+              <a:rPr lang="en-US" dirty="0" err="1"/>
+              <a:t>HiveQL</a:t>
+            </a:r>
+            <a:r>
+              <a:rPr lang="en-US" dirty="0"/>
+              <a:t> parser</a:t>
+            </a:r>
+          </a:p>
+          <a:p>
+            <a:pPr lvl="2"/>
+            <a:r>
+              <a:rPr lang="en-US" dirty="0"/>
+              <a:t>Access Hive user-defined functions (UDFs)</a:t>
+            </a:r>
+          </a:p>
+          <a:p>
+            <a:pPr lvl="2"/>
+            <a:r>
+              <a:rPr lang="en-US" dirty="0"/>
+              <a:t>Read data from Hive tables</a:t>
             </a:r>
           </a:p>
           <a:p>
             <a:pPr lvl="1"/>
             <a:r>
-              <a:rPr lang="en-US" dirty="0" smtClean="0"/>
-              <a:t>Implicit:  schema inferred from </a:t>
-            </a:r>
-            <a:r>
-              <a:rPr lang="en-US" dirty="0" smtClean="0"/>
-              <a:t>data source</a:t>
-            </a:r>
-            <a:endParaRPr lang="en-US" dirty="0" smtClean="0"/>
-          </a:p>
-          <a:p>
-            <a:pPr lvl="1"/>
-            <a:r>
-              <a:rPr lang="en-US" dirty="0" smtClean="0"/>
-              <a:t>Explicit:  API for defining types, fields, etc.</a:t>
-            </a:r>
+              <a:rPr lang="en-US" dirty="0"/>
+              <a:t>Superset of </a:t>
+            </a:r>
+            <a:r>
+              <a:rPr lang="en-US" dirty="0" err="1"/>
+              <a:t>SQLContext</a:t>
+            </a:r>
+            <a:endParaRPr lang="en-US" dirty="0"/>
           </a:p>
         </p:txBody>
       </p:sp>
     </p:spTree>
     <p:extLst>
       <p:ext uri="{BB962C8B-B14F-4D97-AF65-F5344CB8AC3E}">
-        <p14:creationId xmlns:p14="http://schemas.microsoft.com/office/powerpoint/2010/main" val="17189698"/>
+        <p14:creationId xmlns:p14="http://schemas.microsoft.com/office/powerpoint/2010/main" val="3867879423"/>
       </p:ext>
     </p:extLst>
   </p:cSld>
@@ -29030,8 +28610,8 @@
           <a:lstStyle/>
           <a:p>
             <a:r>
-              <a:rPr lang="en-US" dirty="0" smtClean="0"/>
-              <a:t>Data Sources</a:t>
+              <a:rPr lang="en-US" dirty="0" err="1"/>
+              <a:t>DataFrame</a:t>
             </a:r>
             <a:endParaRPr lang="en-US" dirty="0"/>
           </a:p>
@@ -29077,232 +28657,80 @@
           <a:lstStyle/>
           <a:p>
             <a:r>
-              <a:rPr lang="en-US" dirty="0" smtClean="0"/>
-              <a:t>Spark SQL supports different types of data sources</a:t>
-            </a:r>
+              <a:rPr lang="en-US" dirty="0"/>
+              <a:t>Primary programming artifact for using Spark SQL</a:t>
+            </a:r>
+          </a:p>
+          <a:p>
+            <a:r>
+              <a:rPr lang="en-US" dirty="0"/>
+              <a:t>Different ways to get a </a:t>
+            </a:r>
+            <a:r>
+              <a:rPr lang="en-US" dirty="0" err="1"/>
+              <a:t>DataFrame</a:t>
+            </a:r>
+            <a:endParaRPr lang="en-US" dirty="0"/>
           </a:p>
           <a:p>
             <a:pPr lvl="1"/>
             <a:r>
-              <a:rPr lang="en-US" dirty="0" smtClean="0"/>
-              <a:t>RDD:  </a:t>
-            </a:r>
-            <a:r>
-              <a:rPr lang="en-US" dirty="0" err="1" smtClean="0"/>
+              <a:rPr lang="en-US" dirty="0" err="1"/>
+              <a:t>sqlContext.read</a:t>
+            </a:r>
+            <a:r>
+              <a:rPr lang="en-US" dirty="0"/>
+              <a:t>._ methods</a:t>
+            </a:r>
+          </a:p>
+          <a:p>
+            <a:pPr lvl="1"/>
+            <a:r>
+              <a:rPr lang="en-US" dirty="0" err="1"/>
               <a:t>sqlContext.implicits</a:t>
             </a:r>
             <a:r>
-              <a:rPr lang="en-US" dirty="0" smtClean="0"/>
-              <a:t>._ adds </a:t>
-            </a:r>
-            <a:r>
-              <a:rPr lang="en-US" dirty="0" err="1" smtClean="0"/>
-              <a:t>toDF</a:t>
-            </a:r>
-            <a:r>
-              <a:rPr lang="en-US" dirty="0" smtClean="0"/>
-              <a:t>()</a:t>
+              <a:rPr lang="en-US" dirty="0"/>
+              <a:t>._ adds methods to RDDs to get </a:t>
+            </a:r>
+            <a:r>
+              <a:rPr lang="en-US" dirty="0" err="1"/>
+              <a:t>DataFrames</a:t>
+            </a:r>
+            <a:endParaRPr lang="en-US" dirty="0"/>
+          </a:p>
+          <a:p>
+            <a:r>
+              <a:rPr lang="en-US" dirty="0"/>
+              <a:t>Provides DSL for manipulating structured data</a:t>
+            </a:r>
+          </a:p>
+          <a:p>
+            <a:r>
+              <a:rPr lang="en-US" dirty="0"/>
+              <a:t>Provides implicit or explicit schema definition</a:t>
             </a:r>
           </a:p>
           <a:p>
             <a:pPr lvl="1"/>
             <a:r>
-              <a:rPr lang="en-US" dirty="0" smtClean="0"/>
-              <a:t>Hive:  </a:t>
-            </a:r>
-            <a:r>
-              <a:rPr lang="en-US" dirty="0" err="1" smtClean="0"/>
-              <a:t>HiveContext</a:t>
-            </a:r>
-            <a:r>
-              <a:rPr lang="en-US" dirty="0" smtClean="0"/>
-              <a:t> + </a:t>
-            </a:r>
-            <a:r>
-              <a:rPr lang="en-US" dirty="0" err="1" smtClean="0"/>
-              <a:t>conf</a:t>
-            </a:r>
-            <a:r>
-              <a:rPr lang="en-US" dirty="0" smtClean="0"/>
-              <a:t>/hive-</a:t>
-            </a:r>
-            <a:r>
-              <a:rPr lang="en-US" dirty="0" err="1" smtClean="0"/>
-              <a:t>site.xml</a:t>
-            </a:r>
-            <a:r>
-              <a:rPr lang="en-US" dirty="0" smtClean="0"/>
-              <a:t> + Hive jars in app </a:t>
-            </a:r>
-            <a:r>
-              <a:rPr lang="en-US" dirty="0" err="1" smtClean="0"/>
-              <a:t>uberjar</a:t>
-            </a:r>
-            <a:endParaRPr lang="en-US" dirty="0" smtClean="0"/>
+              <a:rPr lang="en-US" dirty="0"/>
+              <a:t>Implicit:  schema inferred from data source</a:t>
+            </a:r>
           </a:p>
           <a:p>
             <a:pPr lvl="1"/>
             <a:r>
-              <a:rPr lang="en-US" dirty="0" smtClean="0"/>
-              <a:t>Parquet (default):  </a:t>
-            </a:r>
-            <a:r>
-              <a:rPr lang="en-US" dirty="0" err="1" smtClean="0"/>
-              <a:t>sqlContext.read</a:t>
-            </a:r>
-            <a:r>
-              <a:rPr lang="en-US" dirty="0" smtClean="0"/>
-              <a:t>/</a:t>
-            </a:r>
-            <a:r>
-              <a:rPr lang="en-US" dirty="0" err="1" smtClean="0"/>
-              <a:t>write.parquet</a:t>
-            </a:r>
-            <a:r>
-              <a:rPr lang="en-US" dirty="0" smtClean="0"/>
-              <a:t>(</a:t>
-            </a:r>
-            <a:r>
-              <a:rPr lang="is-IS" dirty="0" smtClean="0"/>
-              <a:t>…)</a:t>
-            </a:r>
-            <a:endParaRPr lang="en-US" dirty="0" smtClean="0"/>
-          </a:p>
-          <a:p>
-            <a:pPr lvl="1"/>
-            <a:r>
-              <a:rPr lang="en-US" dirty="0" smtClean="0"/>
-              <a:t>JSON:  </a:t>
-            </a:r>
-            <a:r>
-              <a:rPr lang="en-US" dirty="0" err="1"/>
-              <a:t>sqlContext.</a:t>
-            </a:r>
-            <a:r>
-              <a:rPr lang="en-US" dirty="0" err="1" smtClean="0"/>
-              <a:t>read</a:t>
-            </a:r>
-            <a:r>
-              <a:rPr lang="en-US" dirty="0" smtClean="0"/>
-              <a:t>/</a:t>
-            </a:r>
-            <a:r>
-              <a:rPr lang="en-US" dirty="0" err="1" smtClean="0"/>
-              <a:t>write.json</a:t>
-            </a:r>
-            <a:r>
-              <a:rPr lang="en-US" dirty="0" smtClean="0"/>
-              <a:t>(</a:t>
-            </a:r>
-            <a:r>
-              <a:rPr lang="is-IS" dirty="0" smtClean="0"/>
-              <a:t>…)</a:t>
-            </a:r>
-          </a:p>
-          <a:p>
-            <a:pPr lvl="2"/>
-            <a:r>
-              <a:rPr lang="is-IS" dirty="0" smtClean="0"/>
-              <a:t>Note:  Only one entire JSON object </a:t>
-            </a:r>
-            <a:r>
-              <a:rPr lang="is-IS" i="1" dirty="0" smtClean="0"/>
-              <a:t>per line </a:t>
-            </a:r>
-            <a:r>
-              <a:rPr lang="is-IS" dirty="0" smtClean="0"/>
-              <a:t>supported, not per file!</a:t>
-            </a:r>
-            <a:endParaRPr lang="en-US" dirty="0" smtClean="0"/>
-          </a:p>
-          <a:p>
-            <a:pPr lvl="1"/>
-            <a:r>
-              <a:rPr lang="en-US" dirty="0" smtClean="0"/>
-              <a:t>JDBC:  </a:t>
-            </a:r>
-            <a:r>
-              <a:rPr lang="en-US" dirty="0" err="1"/>
-              <a:t>sqlContext.</a:t>
-            </a:r>
-            <a:r>
-              <a:rPr lang="en-US" dirty="0" err="1" smtClean="0"/>
-              <a:t>read.format</a:t>
-            </a:r>
-            <a:r>
-              <a:rPr lang="en-US" dirty="0" smtClean="0"/>
-              <a:t>("</a:t>
-            </a:r>
-            <a:r>
-              <a:rPr lang="en-US" dirty="0" err="1" smtClean="0"/>
-              <a:t>jdbc</a:t>
-            </a:r>
-            <a:r>
-              <a:rPr lang="en-US" dirty="0" smtClean="0"/>
-              <a:t>") + vendor jars on </a:t>
-            </a:r>
-            <a:r>
-              <a:rPr lang="en-US" dirty="0" err="1" smtClean="0"/>
-              <a:t>classpath</a:t>
-            </a:r>
-            <a:endParaRPr lang="en-US" dirty="0" smtClean="0"/>
-          </a:p>
-          <a:p>
-            <a:pPr lvl="2"/>
-            <a:r>
-              <a:rPr lang="en-US" dirty="0" smtClean="0"/>
-              <a:t>Needs to be on "primordial" </a:t>
-            </a:r>
-            <a:r>
-              <a:rPr lang="en-US" dirty="0" err="1" smtClean="0"/>
-              <a:t>ClassLoader's</a:t>
-            </a:r>
-            <a:r>
-              <a:rPr lang="en-US" dirty="0" smtClean="0"/>
-              <a:t> </a:t>
-            </a:r>
-            <a:r>
-              <a:rPr lang="en-US" dirty="0" err="1" smtClean="0"/>
-              <a:t>classpath</a:t>
-            </a:r>
-            <a:r>
-              <a:rPr lang="en-US" dirty="0" smtClean="0"/>
-              <a:t>!</a:t>
-            </a:r>
-          </a:p>
-          <a:p>
-            <a:pPr lvl="1"/>
-            <a:r>
-              <a:rPr lang="en-US" dirty="0" smtClean="0"/>
-              <a:t>Text (via RDD):  </a:t>
-            </a:r>
-            <a:r>
-              <a:rPr lang="en-US" dirty="0" err="1" smtClean="0"/>
-              <a:t>sc.textFile</a:t>
-            </a:r>
-            <a:r>
-              <a:rPr lang="en-US" dirty="0" smtClean="0"/>
-              <a:t>("</a:t>
-            </a:r>
-            <a:r>
-              <a:rPr lang="is-IS" dirty="0" smtClean="0"/>
-              <a:t>…"). ... .toDF()</a:t>
-            </a:r>
-            <a:endParaRPr lang="en-US" dirty="0"/>
-          </a:p>
-          <a:p>
-            <a:pPr lvl="1"/>
-            <a:endParaRPr lang="is-IS" dirty="0" smtClean="0"/>
-          </a:p>
-          <a:p>
-            <a:endParaRPr lang="en-US" dirty="0"/>
+              <a:rPr lang="en-US" dirty="0"/>
+              <a:t>Explicit:  API for defining types, fields, etc.</a:t>
+            </a:r>
           </a:p>
         </p:txBody>
       </p:sp>
     </p:spTree>
     <p:extLst>
       <p:ext uri="{BB962C8B-B14F-4D97-AF65-F5344CB8AC3E}">
-        <p14:creationId xmlns:p14="http://schemas.microsoft.com/office/powerpoint/2010/main" val="1706192557"/>
+        <p14:creationId xmlns:p14="http://schemas.microsoft.com/office/powerpoint/2010/main" val="17189698"/>
       </p:ext>
     </p:extLst>
   </p:cSld>
@@ -29345,10 +28773,9 @@
           <a:lstStyle/>
           <a:p>
             <a:r>
-              <a:rPr lang="en-US" dirty="0" smtClean="0"/>
-              <a:t>User-Defined Functions</a:t>
-            </a:r>
-            <a:endParaRPr lang="en-US" dirty="0"/>
+              <a:rPr lang="en-US" dirty="0"/>
+              <a:t>Data Sources</a:t>
+            </a:r>
           </a:p>
         </p:txBody>
       </p:sp>
@@ -29392,75 +28819,216 @@
           <a:lstStyle/>
           <a:p>
             <a:r>
-              <a:rPr lang="en-US" dirty="0" smtClean="0"/>
-              <a:t>Spark SQL allows you to define your own functions for use in SQL queries</a:t>
-            </a:r>
-          </a:p>
-          <a:p>
-            <a:r>
-              <a:rPr lang="en-US" dirty="0" err="1" smtClean="0"/>
-              <a:t>Scala</a:t>
-            </a:r>
-            <a:r>
-              <a:rPr lang="en-US" dirty="0" smtClean="0"/>
-              <a:t>, Java &amp; Python are supported</a:t>
-            </a:r>
-          </a:p>
-          <a:p>
-            <a:r>
-              <a:rPr lang="en-US" dirty="0" smtClean="0"/>
-              <a:t>Simply pass a function</a:t>
+              <a:rPr lang="en-US" dirty="0"/>
+              <a:t>Spark SQL supports different types of data sources</a:t>
             </a:r>
           </a:p>
           <a:p>
             <a:pPr lvl="1"/>
             <a:r>
-              <a:rPr lang="en-US" dirty="0" err="1" smtClean="0"/>
-              <a:t>sqlContext.udf.register</a:t>
-            </a:r>
-            <a:r>
-              <a:rPr lang="en-US" dirty="0" smtClean="0"/>
+              <a:rPr lang="en-US" dirty="0"/>
+              <a:t>RDD:  </a:t>
+            </a:r>
+            <a:r>
+              <a:rPr lang="en-US" dirty="0" err="1"/>
+              <a:t>sqlContext.implicits</a:t>
+            </a:r>
+            <a:r>
+              <a:rPr lang="en-US" dirty="0"/>
+              <a:t>._ adds </a:t>
+            </a:r>
+            <a:r>
+              <a:rPr lang="en-US" dirty="0" err="1"/>
+              <a:t>toDF</a:t>
+            </a:r>
+            <a:r>
+              <a:rPr lang="en-US" dirty="0"/>
+              <a:t>()</a:t>
+            </a:r>
+          </a:p>
+          <a:p>
+            <a:pPr lvl="1"/>
+            <a:r>
+              <a:rPr lang="en-US" dirty="0"/>
+              <a:t>Hive:  </a:t>
+            </a:r>
+            <a:r>
+              <a:rPr lang="en-US" dirty="0" err="1"/>
+              <a:t>HiveContext</a:t>
+            </a:r>
+            <a:r>
+              <a:rPr lang="en-US" dirty="0"/>
+              <a:t> + </a:t>
+            </a:r>
+            <a:r>
+              <a:rPr lang="en-US" dirty="0" err="1"/>
+              <a:t>conf</a:t>
+            </a:r>
+            <a:r>
+              <a:rPr lang="en-US" dirty="0"/>
+              <a:t>/hive-</a:t>
+            </a:r>
+            <a:r>
+              <a:rPr lang="en-US" dirty="0" err="1"/>
+              <a:t>site.xml</a:t>
+            </a:r>
+            <a:r>
+              <a:rPr lang="en-US" dirty="0"/>
+              <a:t> + Hive jars in app </a:t>
+            </a:r>
+            <a:r>
+              <a:rPr lang="en-US" dirty="0" err="1"/>
+              <a:t>uberjar</a:t>
+            </a:r>
+            <a:endParaRPr lang="en-US" dirty="0"/>
+          </a:p>
+          <a:p>
+            <a:pPr lvl="1"/>
+            <a:r>
+              <a:rPr lang="en-US" dirty="0"/>
+              <a:t>Parquet (default):  </a:t>
+            </a:r>
+            <a:r>
+              <a:rPr lang="en-US" dirty="0" err="1"/>
+              <a:t>sqlContext.read</a:t>
+            </a:r>
+            <a:r>
+              <a:rPr lang="en-US" dirty="0"/>
+              <a:t>/</a:t>
+            </a:r>
+            <a:r>
+              <a:rPr lang="en-US" dirty="0" err="1"/>
+              <a:t>write.parquet</a:t>
+            </a:r>
+            <a:r>
+              <a:rPr lang="en-US" dirty="0"/>
+              <a:t>(</a:t>
+            </a:r>
+            <a:r>
+              <a:rPr lang="is-IS" dirty="0"/>
+              <a:t>…)</a:t>
+            </a:r>
+            <a:endParaRPr lang="en-US" dirty="0"/>
+          </a:p>
+          <a:p>
+            <a:pPr lvl="1"/>
+            <a:r>
+              <a:rPr lang="en-US" dirty="0"/>
+              <a:t>JSON:  </a:t>
+            </a:r>
+            <a:r>
+              <a:rPr lang="en-US" dirty="0" err="1"/>
+              <a:t>sqlContext.read</a:t>
+            </a:r>
+            <a:r>
+              <a:rPr lang="en-US" dirty="0"/>
+              <a:t>/</a:t>
+            </a:r>
+            <a:r>
+              <a:rPr lang="en-US" dirty="0" err="1"/>
+              <a:t>write.json</a:t>
+            </a:r>
+            <a:r>
+              <a:rPr lang="en-US" dirty="0"/>
+              <a:t>(</a:t>
+            </a:r>
+            <a:r>
+              <a:rPr lang="is-IS" dirty="0"/>
+              <a:t>…)</a:t>
+            </a:r>
+          </a:p>
+          <a:p>
+            <a:pPr lvl="2"/>
+            <a:r>
+              <a:rPr lang="is-IS" dirty="0"/>
+              <a:t>Note:  Only one entire JSON object </a:t>
+            </a:r>
+            <a:r>
+              <a:rPr lang="is-IS" i="1" dirty="0"/>
+              <a:t>per line </a:t>
+            </a:r>
+            <a:r>
+              <a:rPr lang="is-IS" dirty="0"/>
+              <a:t>supported, not per file!</a:t>
+            </a:r>
+            <a:endParaRPr lang="en-US" dirty="0"/>
+          </a:p>
+          <a:p>
+            <a:pPr lvl="1"/>
+            <a:r>
+              <a:rPr lang="en-US" dirty="0"/>
+              <a:t>JDBC:  </a:t>
+            </a:r>
+            <a:r>
+              <a:rPr lang="en-US" dirty="0" err="1"/>
+              <a:t>sqlContext.read.format</a:t>
+            </a:r>
+            <a:r>
+              <a:rPr lang="en-US" dirty="0"/>
               <a:t>("</a:t>
             </a:r>
             <a:r>
-              <a:rPr lang="en-US" dirty="0" err="1" smtClean="0"/>
-              <a:t>strlen</a:t>
-            </a:r>
-            <a:r>
-              <a:rPr lang="en-US" dirty="0" smtClean="0"/>
-              <a:t>", (s: String) =&gt; </a:t>
-            </a:r>
-            <a:r>
-              <a:rPr lang="en-US" dirty="0" err="1" smtClean="0"/>
-              <a:t>s.length</a:t>
-            </a:r>
-            <a:r>
-              <a:rPr lang="en-US" dirty="0" smtClean="0"/>
-              <a:t>)</a:t>
+              <a:rPr lang="en-US" dirty="0" err="1"/>
+              <a:t>jdbc</a:t>
+            </a:r>
+            <a:r>
+              <a:rPr lang="en-US" dirty="0"/>
+              <a:t>") + vendor jars on </a:t>
+            </a:r>
+            <a:r>
+              <a:rPr lang="en-US" dirty="0" err="1"/>
+              <a:t>classpath</a:t>
+            </a:r>
+            <a:endParaRPr lang="en-US" dirty="0"/>
+          </a:p>
+          <a:p>
+            <a:pPr lvl="2"/>
+            <a:r>
+              <a:rPr lang="en-US" dirty="0"/>
+              <a:t>Needs to be on "primordial" </a:t>
+            </a:r>
+            <a:r>
+              <a:rPr lang="en-US" dirty="0" err="1"/>
+              <a:t>ClassLoader's</a:t>
+            </a:r>
+            <a:r>
+              <a:rPr lang="en-US" dirty="0"/>
+              <a:t> </a:t>
+            </a:r>
+            <a:r>
+              <a:rPr lang="en-US" dirty="0" err="1"/>
+              <a:t>classpath</a:t>
+            </a:r>
+            <a:r>
+              <a:rPr lang="en-US" dirty="0"/>
+              <a:t>!</a:t>
             </a:r>
           </a:p>
           <a:p>
             <a:pPr lvl="1"/>
             <a:r>
-              <a:rPr lang="en-US" dirty="0" err="1" smtClean="0"/>
-              <a:t>sqlContext.sql</a:t>
-            </a:r>
-            <a:r>
-              <a:rPr lang="en-US" dirty="0" smtClean="0"/>
-              <a:t>("SELECT </a:t>
-            </a:r>
-            <a:r>
-              <a:rPr lang="en-US" dirty="0" err="1" smtClean="0"/>
-              <a:t>strlen</a:t>
-            </a:r>
-            <a:r>
-              <a:rPr lang="en-US" dirty="0" smtClean="0"/>
-              <a:t>('tweet') FROM tweets WHERE </a:t>
-            </a:r>
-            <a:r>
-              <a:rPr lang="is-IS" dirty="0" smtClean="0"/>
-              <a:t>…")</a:t>
-            </a:r>
+              <a:rPr lang="en-US" dirty="0"/>
+              <a:t>Text (via RDD):  </a:t>
+            </a:r>
+            <a:r>
+              <a:rPr lang="en-US" dirty="0" err="1"/>
+              <a:t>sc.textFile</a:t>
+            </a:r>
+            <a:r>
+              <a:rPr lang="en-US" dirty="0"/>
+              <a:t>("</a:t>
+            </a:r>
+            <a:r>
+              <a:rPr lang="is-IS" dirty="0"/>
+              <a:t>…"). ... .toDF()</a:t>
+            </a:r>
+            <a:endParaRPr lang="en-US" dirty="0"/>
+          </a:p>
+          <a:p>
+            <a:pPr lvl="1"/>
+            <a:endParaRPr lang="is-IS" dirty="0"/>
+          </a:p>
+          <a:p>
             <a:endParaRPr lang="en-US" dirty="0"/>
           </a:p>
         </p:txBody>
@@ -29468,7 +29036,7 @@
     </p:spTree>
     <p:extLst>
       <p:ext uri="{BB962C8B-B14F-4D97-AF65-F5344CB8AC3E}">
-        <p14:creationId xmlns:p14="http://schemas.microsoft.com/office/powerpoint/2010/main" val="2570989102"/>
+        <p14:creationId xmlns:p14="http://schemas.microsoft.com/office/powerpoint/2010/main" val="1706192557"/>
       </p:ext>
     </p:extLst>
   </p:cSld>
@@ -29511,10 +29079,9 @@
           <a:lstStyle/>
           <a:p>
             <a:r>
-              <a:rPr lang="en-US" dirty="0" smtClean="0"/>
-              <a:t>Integration/Tools</a:t>
-            </a:r>
-            <a:endParaRPr lang="en-US" dirty="0"/>
+              <a:rPr lang="en-US" dirty="0"/>
+              <a:t>User-Defined Functions</a:t>
+            </a:r>
           </a:p>
         </p:txBody>
       </p:sp>
@@ -29558,119 +29125,83 @@
           <a:lstStyle/>
           <a:p>
             <a:r>
-              <a:rPr lang="en-US" dirty="0" smtClean="0"/>
-              <a:t>Spark SQL can act as a distributed query engine</a:t>
-            </a:r>
-          </a:p>
-          <a:p>
-            <a:r>
-              <a:rPr lang="en-US" dirty="0" smtClean="0"/>
-              <a:t>Spark can host Thrift JDBC/ODBC server</a:t>
+              <a:rPr lang="en-US" dirty="0"/>
+              <a:t>Spark SQL allows you to define your own functions for use in SQL queries</a:t>
+            </a:r>
+          </a:p>
+          <a:p>
+            <a:r>
+              <a:rPr lang="en-US" dirty="0" err="1"/>
+              <a:t>Scala</a:t>
+            </a:r>
+            <a:r>
+              <a:rPr lang="en-US" dirty="0"/>
+              <a:t>, Java &amp; Python are supported</a:t>
+            </a:r>
+          </a:p>
+          <a:p>
+            <a:r>
+              <a:rPr lang="en-US" dirty="0"/>
+              <a:t>Simply pass a function</a:t>
             </a:r>
           </a:p>
           <a:p>
             <a:pPr lvl="1"/>
             <a:r>
-              <a:rPr lang="en-US" dirty="0" smtClean="0"/>
-              <a:t>Run </a:t>
-            </a:r>
-            <a:r>
-              <a:rPr lang="en-US" dirty="0" err="1" smtClean="0"/>
-              <a:t>sbin</a:t>
-            </a:r>
-            <a:r>
-              <a:rPr lang="en-US" dirty="0" smtClean="0"/>
-              <a:t>/start-</a:t>
-            </a:r>
-            <a:r>
-              <a:rPr lang="en-US" dirty="0" err="1" smtClean="0"/>
-              <a:t>thriftserver.sh</a:t>
-            </a:r>
-            <a:endParaRPr lang="en-US" dirty="0" smtClean="0"/>
+              <a:rPr lang="en-US" dirty="0" err="1"/>
+              <a:t>sqlContext.udf.register</a:t>
+            </a:r>
+            <a:r>
+              <a:rPr lang="en-US" dirty="0"/>
+              <a:t>("</a:t>
+            </a:r>
+            <a:r>
+              <a:rPr lang="en-US" dirty="0" err="1"/>
+              <a:t>strlen</a:t>
+            </a:r>
+            <a:r>
+              <a:rPr lang="en-US" dirty="0"/>
+              <a:t>", (s: String) =&gt; </a:t>
+            </a:r>
+            <a:r>
+              <a:rPr lang="en-US" dirty="0" err="1"/>
+              <a:t>s.length</a:t>
+            </a:r>
+            <a:r>
+              <a:rPr lang="en-US" dirty="0"/>
+              <a:t>)</a:t>
+            </a:r>
           </a:p>
           <a:p>
             <a:pPr lvl="1"/>
             <a:r>
-              <a:rPr lang="en-US" dirty="0" smtClean="0"/>
-              <a:t>Connect with jdbc:hive2://&lt;host&gt;:&lt;port&gt; (</a:t>
-            </a:r>
-            <a:r>
-              <a:rPr lang="en-US" dirty="0" smtClean="0"/>
-              <a:t>default localhost</a:t>
-            </a:r>
-            <a:r>
-              <a:rPr lang="en-US" dirty="0" smtClean="0"/>
-              <a:t>:10000)</a:t>
-            </a:r>
-          </a:p>
-          <a:p>
-            <a:pPr lvl="1"/>
-            <a:r>
-              <a:rPr lang="en-US" dirty="0" smtClean="0"/>
-              <a:t>Allows conventional business intelligence tools (BIRT, R, Jasper, </a:t>
-            </a:r>
-            <a:r>
-              <a:rPr lang="en-US" dirty="0" err="1" smtClean="0"/>
-              <a:t>Pentaho</a:t>
-            </a:r>
-            <a:r>
-              <a:rPr lang="en-US" dirty="0" smtClean="0"/>
-              <a:t>, etc.) to use Spark via JDBC &amp; SQL</a:t>
-            </a:r>
-          </a:p>
-          <a:p>
-            <a:pPr lvl="1"/>
-            <a:r>
-              <a:rPr lang="en-US" dirty="0" smtClean="0"/>
-              <a:t>For a SQL REPL/CLI, use Hive's beeline</a:t>
-            </a:r>
-          </a:p>
-          <a:p>
-            <a:r>
-              <a:rPr lang="en-US" dirty="0" smtClean="0"/>
-              <a:t>Spark also provides a simple SQL shell</a:t>
-            </a:r>
-          </a:p>
-          <a:p>
-            <a:pPr lvl="1"/>
-            <a:r>
-              <a:rPr lang="en-US" dirty="0" smtClean="0"/>
-              <a:t>Run bin/spark-</a:t>
-            </a:r>
-            <a:r>
-              <a:rPr lang="en-US" dirty="0" err="1" smtClean="0"/>
-              <a:t>sql</a:t>
-            </a:r>
-            <a:endParaRPr lang="en-US" dirty="0" smtClean="0"/>
-          </a:p>
-          <a:p>
-            <a:pPr lvl="1"/>
-            <a:r>
-              <a:rPr lang="en-US" dirty="0" smtClean="0"/>
-              <a:t>Useful for local development</a:t>
-            </a:r>
-          </a:p>
-          <a:p>
-            <a:pPr lvl="1"/>
-            <a:r>
-              <a:rPr lang="en-US" smtClean="0"/>
-              <a:t>If against </a:t>
-            </a:r>
-            <a:r>
-              <a:rPr lang="en-US" dirty="0" smtClean="0"/>
-              <a:t>shared clusters, prefer Thrift JDBC driver &amp; use beeline</a:t>
-            </a:r>
-          </a:p>
-          <a:p>
-            <a:pPr lvl="1"/>
-            <a:endParaRPr lang="en-US" dirty="0" smtClean="0"/>
+              <a:rPr lang="en-US" dirty="0" err="1"/>
+              <a:t>sqlContext.sql</a:t>
+            </a:r>
+            <a:r>
+              <a:rPr lang="en-US" dirty="0"/>
+              <a:t>("SELECT </a:t>
+            </a:r>
+            <a:r>
+              <a:rPr lang="en-US" dirty="0" err="1"/>
+              <a:t>strlen</a:t>
+            </a:r>
+            <a:r>
+              <a:rPr lang="en-US" dirty="0"/>
+              <a:t>('tweet') FROM tweets WHERE </a:t>
+            </a:r>
+            <a:r>
+              <a:rPr lang="is-IS" dirty="0"/>
+              <a:t>…")</a:t>
+            </a:r>
+            <a:endParaRPr lang="en-US" dirty="0"/>
           </a:p>
         </p:txBody>
       </p:sp>
     </p:spTree>
     <p:extLst>
       <p:ext uri="{BB962C8B-B14F-4D97-AF65-F5344CB8AC3E}">
-        <p14:creationId xmlns:p14="http://schemas.microsoft.com/office/powerpoint/2010/main" val="1426728737"/>
+        <p14:creationId xmlns:p14="http://schemas.microsoft.com/office/powerpoint/2010/main" val="2570989102"/>
       </p:ext>
     </p:extLst>
   </p:cSld>
@@ -29713,10 +29244,9 @@
           <a:lstStyle/>
           <a:p>
             <a:r>
-              <a:rPr lang="en-US" dirty="0" smtClean="0"/>
-              <a:t>Conclusion</a:t>
-            </a:r>
-            <a:endParaRPr lang="en-US" dirty="0"/>
+              <a:rPr lang="en-US" dirty="0"/>
+              <a:t>Integration/Tools</a:t>
+            </a:r>
           </a:p>
         </p:txBody>
       </p:sp>
@@ -29760,44 +29290,103 @@
           <a:lstStyle/>
           <a:p>
             <a:r>
-              <a:rPr lang="en-US" dirty="0" smtClean="0"/>
-              <a:t>Spark SQL:</a:t>
+              <a:rPr lang="en-US" dirty="0"/>
+              <a:t>Spark SQL can act as a distributed query engine</a:t>
+            </a:r>
+          </a:p>
+          <a:p>
+            <a:r>
+              <a:rPr lang="en-US" dirty="0"/>
+              <a:t>Spark can host Thrift JDBC/ODBC server</a:t>
             </a:r>
           </a:p>
           <a:p>
             <a:pPr lvl="1"/>
             <a:r>
-              <a:rPr lang="en-US" dirty="0" smtClean="0"/>
-              <a:t>Provides a familiar API for developers</a:t>
-            </a:r>
+              <a:rPr lang="en-US" dirty="0"/>
+              <a:t>Run </a:t>
+            </a:r>
+            <a:r>
+              <a:rPr lang="en-US" dirty="0" err="1"/>
+              <a:t>sbin</a:t>
+            </a:r>
+            <a:r>
+              <a:rPr lang="en-US" dirty="0"/>
+              <a:t>/start-</a:t>
+            </a:r>
+            <a:r>
+              <a:rPr lang="en-US" dirty="0" err="1"/>
+              <a:t>thriftserver.sh</a:t>
+            </a:r>
+            <a:endParaRPr lang="en-US" dirty="0"/>
           </a:p>
           <a:p>
             <a:pPr lvl="1"/>
             <a:r>
-              <a:rPr lang="en-US" dirty="0" smtClean="0"/>
-              <a:t>Allows effective integration of BI tools via Spark's JDBC driver</a:t>
+              <a:rPr lang="en-US" dirty="0"/>
+              <a:t>Connect with jdbc:hive2://&lt;host&gt;:&lt;port&gt; (default localhost:10000)</a:t>
             </a:r>
           </a:p>
           <a:p>
             <a:pPr lvl="1"/>
             <a:r>
-              <a:rPr lang="en-US" dirty="0" smtClean="0"/>
-              <a:t>Supports many common file formats</a:t>
+              <a:rPr lang="en-US" dirty="0"/>
+              <a:t>Allows conventional business intelligence tools (BIRT, R, Jasper, </a:t>
+            </a:r>
+            <a:r>
+              <a:rPr lang="en-US" dirty="0" err="1"/>
+              <a:t>Pentaho</a:t>
+            </a:r>
+            <a:r>
+              <a:rPr lang="en-US" dirty="0"/>
+              <a:t>, etc.) to use Spark via JDBC &amp; SQL</a:t>
             </a:r>
           </a:p>
           <a:p>
             <a:pPr lvl="1"/>
             <a:r>
-              <a:rPr lang="en-US" dirty="0" smtClean="0"/>
-              <a:t>Supports Hive &amp; </a:t>
-            </a:r>
-            <a:r>
-              <a:rPr lang="en-US" dirty="0" err="1" smtClean="0"/>
-              <a:t>HiveQL</a:t>
-            </a:r>
-            <a:endParaRPr lang="en-US" dirty="0" smtClean="0"/>
-          </a:p>
-          <a:p>
+              <a:rPr lang="en-US" dirty="0"/>
+              <a:t>For a SQL REPL/CLI, use Hive's beeline</a:t>
+            </a:r>
+          </a:p>
+          <a:p>
+            <a:r>
+              <a:rPr lang="en-US" dirty="0"/>
+              <a:t>Spark also provides a simple SQL shell</a:t>
+            </a:r>
+          </a:p>
+          <a:p>
+            <a:pPr lvl="1"/>
+            <a:r>
+              <a:rPr lang="en-US" dirty="0"/>
+              <a:t>Run bin/spark-</a:t>
+            </a:r>
+            <a:r>
+              <a:rPr lang="en-US" dirty="0" err="1"/>
+              <a:t>sql</a:t>
+            </a:r>
+            <a:endParaRPr lang="en-US" dirty="0"/>
+          </a:p>
+          <a:p>
+            <a:pPr lvl="1"/>
+            <a:r>
+              <a:rPr lang="en-US" dirty="0"/>
+              <a:t>Useful for local development</a:t>
+            </a:r>
+          </a:p>
+          <a:p>
+            <a:pPr lvl="1"/>
+            <a:r>
+              <a:rPr lang="en-US"/>
+              <a:t>If against </a:t>
+            </a:r>
+            <a:r>
+              <a:rPr lang="en-US" dirty="0"/>
+              <a:t>shared clusters, prefer Thrift JDBC driver &amp; use beeline</a:t>
+            </a:r>
+          </a:p>
+          <a:p>
+            <a:pPr lvl="1"/>
             <a:endParaRPr lang="en-US" dirty="0"/>
           </a:p>
         </p:txBody>
@@ -29805,7 +29394,7 @@
     </p:spTree>
     <p:extLst>
       <p:ext uri="{BB962C8B-B14F-4D97-AF65-F5344CB8AC3E}">
-        <p14:creationId xmlns:p14="http://schemas.microsoft.com/office/powerpoint/2010/main" val="2702680926"/>
+        <p14:creationId xmlns:p14="http://schemas.microsoft.com/office/powerpoint/2010/main" val="1426728737"/>
       </p:ext>
     </p:extLst>
   </p:cSld>
